--- a/help/data-sheets/assets/DMeEnterpriseSupportDatasheet_2022 (1).pptx
+++ b/help/data-sheets/assets/DMeEnterpriseSupportDatasheet_2022 (1).pptx
@@ -559,7 +559,7 @@
           <a:p>
             <a:fld id="{CCB2A597-803A-C244-97E2-A01066125D19}" type="datetimeFigureOut">
               <a:rPr lang="en-US" smtClean="0"/>
-              <a:t>3/3/2022</a:t>
+              <a:t>3/24/22</a:t>
             </a:fld>
             <a:endParaRPr lang="en-US"/>
           </a:p>
@@ -1256,7 +1256,7 @@
           <a:p>
             <a:fld id="{1D8BD707-D9CF-40AE-B4C6-C98DA3205C09}" type="datetimeFigureOut">
               <a:rPr lang="en-US"/>
-              <a:t>3/3/2022</a:t>
+              <a:t>3/24/22</a:t>
             </a:fld>
             <a:endParaRPr lang="en-US"/>
           </a:p>
@@ -1496,7 +1496,7 @@
           <a:p>
             <a:fld id="{1D8BD707-D9CF-40AE-B4C6-C98DA3205C09}" type="datetimeFigureOut">
               <a:rPr lang="en-US"/>
-              <a:t>3/3/2022</a:t>
+              <a:t>3/24/22</a:t>
             </a:fld>
             <a:endParaRPr lang="en-US"/>
           </a:p>
@@ -1749,7 +1749,7 @@
           <a:p>
             <a:fld id="{1D8BD707-D9CF-40AE-B4C6-C98DA3205C09}" type="datetimeFigureOut">
               <a:rPr lang="en-US"/>
-              <a:t>3/3/2022</a:t>
+              <a:t>3/24/22</a:t>
             </a:fld>
             <a:endParaRPr lang="en-US"/>
           </a:p>
@@ -1936,7 +1936,7 @@
           <a:p>
             <a:fld id="{1D8BD707-D9CF-40AE-B4C6-C98DA3205C09}" type="datetimeFigureOut">
               <a:rPr lang="en-US"/>
-              <a:t>3/3/2022</a:t>
+              <a:t>3/24/22</a:t>
             </a:fld>
             <a:endParaRPr lang="en-US"/>
           </a:p>
@@ -2094,7 +2094,7 @@
           <a:p>
             <a:fld id="{1D8BD707-D9CF-40AE-B4C6-C98DA3205C09}" type="datetimeFigureOut">
               <a:rPr lang="en-US"/>
-              <a:t>3/3/2022</a:t>
+              <a:t>3/24/22</a:t>
             </a:fld>
             <a:endParaRPr lang="en-US"/>
           </a:p>
@@ -2352,7 +2352,7 @@
           <a:p>
             <a:fld id="{1D8BD707-D9CF-40AE-B4C6-C98DA3205C09}" type="datetimeFigureOut">
               <a:rPr lang="en-US"/>
-              <a:t>3/3/2022</a:t>
+              <a:t>3/24/22</a:t>
             </a:fld>
             <a:endParaRPr lang="en-US"/>
           </a:p>
@@ -2605,28 +2605,10 @@
               </a:spcBef>
             </a:pPr>
             <a:r>
-              <a:rPr sz="2300" dirty="0">
+              <a:rPr lang="ja-jp" sz="2300" dirty="0">
                 <a:latin typeface="Adobe Clean" panose="020B0503020404020204" pitchFamily="34" charset="0"/>
               </a:rPr>
-              <a:t>ADOBE</a:t>
-            </a:r>
-            <a:r>
-              <a:rPr lang="en-US" sz="2300" dirty="0">
-                <a:latin typeface="Adobe Clean" panose="020B0503020404020204" pitchFamily="34" charset="0"/>
-              </a:rPr>
-              <a:t> </a:t>
-            </a:r>
-            <a:r>
-              <a:rPr sz="2300" dirty="0">
-                <a:latin typeface="Adobe Clean" panose="020B0503020404020204" pitchFamily="34" charset="0"/>
-              </a:rPr>
-              <a:t>SUPPORT</a:t>
-            </a:r>
-            <a:r>
-              <a:rPr lang="en-US" sz="2300" dirty="0">
-                <a:latin typeface="Adobe Clean" panose="020B0503020404020204" pitchFamily="34" charset="0"/>
-              </a:rPr>
-              <a:t> PLANS</a:t>
+              <a:t>ADOBE 支援計劃</a:t>
             </a:r>
             <a:endParaRPr sz="2300" dirty="0">
               <a:latin typeface="Adobe Clean" panose="020B0503020404020204" pitchFamily="34" charset="0"/>
@@ -2664,7 +2646,7 @@
               </a:spcBef>
             </a:pPr>
             <a:r>
-              <a:rPr sz="1400" b="1" u="sng" spc="15" dirty="0">
+              <a:rPr lang="ja-jp" sz="1400" b="1" u="sng" spc="15" dirty="0">
                 <a:solidFill>
                   <a:srgbClr val="020302"/>
                 </a:solidFill>
@@ -2676,10 +2658,10 @@
                 <a:latin typeface="Adobe Clean"/>
                 <a:cs typeface="Adobe Clean"/>
               </a:rPr>
-              <a:t>S</a:t>
-            </a:r>
-            <a:r>
-              <a:rPr sz="1400" b="1" u="sng" spc="5" dirty="0">
+              <a:t>服務層級目標：初始回應</a:t>
+            </a:r>
+            <a:r>
+              <a:rPr lang="ja-jp" sz="1400" b="1" u="sng" spc="-15" dirty="0">
                 <a:solidFill>
                   <a:srgbClr val="020302"/>
                 </a:solidFill>
@@ -2691,10 +2673,10 @@
                 <a:latin typeface="Adobe Clean"/>
                 <a:cs typeface="Adobe Clean"/>
               </a:rPr>
-              <a:t>er</a:t>
-            </a:r>
-            <a:r>
-              <a:rPr sz="1400" b="1" u="sng" spc="10" dirty="0">
+              <a:t> </a:t>
+            </a:r>
+            <a:r>
+              <a:rPr lang="ja-jp" sz="1400" b="1" u="sng" spc="-85" dirty="0">
                 <a:solidFill>
                   <a:srgbClr val="020302"/>
                 </a:solidFill>
@@ -2706,10 +2688,10 @@
                 <a:latin typeface="Adobe Clean"/>
                 <a:cs typeface="Adobe Clean"/>
               </a:rPr>
-              <a:t>vi</a:t>
-            </a:r>
-            <a:r>
-              <a:rPr sz="1400" b="1" u="sng" spc="5" dirty="0">
+              <a:t> </a:t>
+            </a:r>
+            <a:r>
+              <a:rPr lang="ja-jp" sz="1400" b="1" u="sng" spc="-145" dirty="0">
                 <a:solidFill>
                   <a:srgbClr val="020302"/>
                 </a:solidFill>
@@ -2721,427 +2703,7 @@
                 <a:latin typeface="Adobe Clean"/>
                 <a:cs typeface="Adobe Clean"/>
               </a:rPr>
-              <a:t>c</a:t>
-            </a:r>
-            <a:r>
-              <a:rPr sz="1400" b="1" u="sng" dirty="0">
-                <a:solidFill>
-                  <a:srgbClr val="020302"/>
-                </a:solidFill>
-                <a:uFill>
-                  <a:solidFill>
-                    <a:srgbClr val="020302"/>
-                  </a:solidFill>
-                </a:uFill>
-                <a:latin typeface="Adobe Clean"/>
-                <a:cs typeface="Adobe Clean"/>
-              </a:rPr>
-              <a:t>e</a:t>
-            </a:r>
-            <a:r>
-              <a:rPr sz="1400" b="1" u="sng" spc="20" dirty="0">
-                <a:solidFill>
-                  <a:srgbClr val="020302"/>
-                </a:solidFill>
-                <a:uFill>
-                  <a:solidFill>
-                    <a:srgbClr val="020302"/>
-                  </a:solidFill>
-                </a:uFill>
-                <a:latin typeface="Adobe Clean"/>
-                <a:cs typeface="Adobe Clean"/>
-              </a:rPr>
               <a:t> </a:t>
-            </a:r>
-            <a:r>
-              <a:rPr sz="1400" b="1" u="sng" spc="-15" dirty="0">
-                <a:solidFill>
-                  <a:srgbClr val="020302"/>
-                </a:solidFill>
-                <a:uFill>
-                  <a:solidFill>
-                    <a:srgbClr val="020302"/>
-                  </a:solidFill>
-                </a:uFill>
-                <a:latin typeface="Adobe Clean"/>
-                <a:cs typeface="Adobe Clean"/>
-              </a:rPr>
-              <a:t>Le</a:t>
-            </a:r>
-            <a:r>
-              <a:rPr sz="1400" b="1" u="sng" spc="-10" dirty="0">
-                <a:solidFill>
-                  <a:srgbClr val="020302"/>
-                </a:solidFill>
-                <a:uFill>
-                  <a:solidFill>
-                    <a:srgbClr val="020302"/>
-                  </a:solidFill>
-                </a:uFill>
-                <a:latin typeface="Adobe Clean"/>
-                <a:cs typeface="Adobe Clean"/>
-              </a:rPr>
-              <a:t>v</a:t>
-            </a:r>
-            <a:r>
-              <a:rPr sz="1400" b="1" u="sng" spc="-15" dirty="0">
-                <a:solidFill>
-                  <a:srgbClr val="020302"/>
-                </a:solidFill>
-                <a:uFill>
-                  <a:solidFill>
-                    <a:srgbClr val="020302"/>
-                  </a:solidFill>
-                </a:uFill>
-                <a:latin typeface="Adobe Clean"/>
-                <a:cs typeface="Adobe Clean"/>
-              </a:rPr>
-              <a:t>e</a:t>
-            </a:r>
-            <a:r>
-              <a:rPr sz="1400" b="1" u="sng" dirty="0">
-                <a:solidFill>
-                  <a:srgbClr val="020302"/>
-                </a:solidFill>
-                <a:uFill>
-                  <a:solidFill>
-                    <a:srgbClr val="020302"/>
-                  </a:solidFill>
-                </a:uFill>
-                <a:latin typeface="Adobe Clean"/>
-                <a:cs typeface="Adobe Clean"/>
-              </a:rPr>
-              <a:t>l</a:t>
-            </a:r>
-            <a:r>
-              <a:rPr sz="1400" b="1" u="sng" spc="-15" dirty="0">
-                <a:solidFill>
-                  <a:srgbClr val="020302"/>
-                </a:solidFill>
-                <a:uFill>
-                  <a:solidFill>
-                    <a:srgbClr val="020302"/>
-                  </a:solidFill>
-                </a:uFill>
-                <a:latin typeface="Adobe Clean"/>
-                <a:cs typeface="Adobe Clean"/>
-              </a:rPr>
-              <a:t> </a:t>
-            </a:r>
-            <a:r>
-              <a:rPr sz="1400" b="1" u="sng" spc="-55" dirty="0">
-                <a:solidFill>
-                  <a:srgbClr val="020302"/>
-                </a:solidFill>
-                <a:uFill>
-                  <a:solidFill>
-                    <a:srgbClr val="020302"/>
-                  </a:solidFill>
-                </a:uFill>
-                <a:latin typeface="Adobe Clean"/>
-                <a:cs typeface="Adobe Clean"/>
-              </a:rPr>
-              <a:t>T</a:t>
-            </a:r>
-            <a:r>
-              <a:rPr sz="1400" b="1" u="sng" spc="-40" dirty="0">
-                <a:solidFill>
-                  <a:srgbClr val="020302"/>
-                </a:solidFill>
-                <a:uFill>
-                  <a:solidFill>
-                    <a:srgbClr val="020302"/>
-                  </a:solidFill>
-                </a:uFill>
-                <a:latin typeface="Adobe Clean"/>
-                <a:cs typeface="Adobe Clean"/>
-              </a:rPr>
-              <a:t>a</a:t>
-            </a:r>
-            <a:r>
-              <a:rPr sz="1400" b="1" u="sng" spc="-45" dirty="0">
-                <a:solidFill>
-                  <a:srgbClr val="020302"/>
-                </a:solidFill>
-                <a:uFill>
-                  <a:solidFill>
-                    <a:srgbClr val="020302"/>
-                  </a:solidFill>
-                </a:uFill>
-                <a:latin typeface="Adobe Clean"/>
-                <a:cs typeface="Adobe Clean"/>
-              </a:rPr>
-              <a:t>r</a:t>
-            </a:r>
-            <a:r>
-              <a:rPr sz="1400" b="1" u="sng" spc="-40" dirty="0">
-                <a:solidFill>
-                  <a:srgbClr val="020302"/>
-                </a:solidFill>
-                <a:uFill>
-                  <a:solidFill>
-                    <a:srgbClr val="020302"/>
-                  </a:solidFill>
-                </a:uFill>
-                <a:latin typeface="Adobe Clean"/>
-                <a:cs typeface="Adobe Clean"/>
-              </a:rPr>
-              <a:t>g</a:t>
-            </a:r>
-            <a:r>
-              <a:rPr sz="1400" b="1" u="sng" spc="-50" dirty="0">
-                <a:solidFill>
-                  <a:srgbClr val="020302"/>
-                </a:solidFill>
-                <a:uFill>
-                  <a:solidFill>
-                    <a:srgbClr val="020302"/>
-                  </a:solidFill>
-                </a:uFill>
-                <a:latin typeface="Adobe Clean"/>
-                <a:cs typeface="Adobe Clean"/>
-              </a:rPr>
-              <a:t>et</a:t>
-            </a:r>
-            <a:r>
-              <a:rPr sz="1400" b="1" u="sng" spc="-45" dirty="0">
-                <a:solidFill>
-                  <a:srgbClr val="020302"/>
-                </a:solidFill>
-                <a:uFill>
-                  <a:solidFill>
-                    <a:srgbClr val="020302"/>
-                  </a:solidFill>
-                </a:uFill>
-                <a:latin typeface="Adobe Clean"/>
-                <a:cs typeface="Adobe Clean"/>
-              </a:rPr>
-              <a:t>s</a:t>
-            </a:r>
-            <a:r>
-              <a:rPr sz="1400" b="1" u="sng" dirty="0">
-                <a:solidFill>
-                  <a:srgbClr val="020302"/>
-                </a:solidFill>
-                <a:uFill>
-                  <a:solidFill>
-                    <a:srgbClr val="020302"/>
-                  </a:solidFill>
-                </a:uFill>
-                <a:latin typeface="Adobe Clean"/>
-                <a:cs typeface="Adobe Clean"/>
-              </a:rPr>
-              <a:t>:</a:t>
-            </a:r>
-            <a:r>
-              <a:rPr sz="1400" b="1" u="sng" spc="-85" dirty="0">
-                <a:solidFill>
-                  <a:srgbClr val="020302"/>
-                </a:solidFill>
-                <a:uFill>
-                  <a:solidFill>
-                    <a:srgbClr val="020302"/>
-                  </a:solidFill>
-                </a:uFill>
-                <a:latin typeface="Adobe Clean"/>
-                <a:cs typeface="Adobe Clean"/>
-              </a:rPr>
-              <a:t> </a:t>
-            </a:r>
-            <a:r>
-              <a:rPr sz="1400" b="1" u="sng" spc="-15" dirty="0">
-                <a:solidFill>
-                  <a:srgbClr val="020302"/>
-                </a:solidFill>
-                <a:uFill>
-                  <a:solidFill>
-                    <a:srgbClr val="020302"/>
-                  </a:solidFill>
-                </a:uFill>
-                <a:latin typeface="Adobe Clean"/>
-                <a:cs typeface="Adobe Clean"/>
-              </a:rPr>
-              <a:t>I</a:t>
-            </a:r>
-            <a:r>
-              <a:rPr sz="1400" b="1" u="sng" spc="-10" dirty="0">
-                <a:solidFill>
-                  <a:srgbClr val="020302"/>
-                </a:solidFill>
-                <a:uFill>
-                  <a:solidFill>
-                    <a:srgbClr val="020302"/>
-                  </a:solidFill>
-                </a:uFill>
-                <a:latin typeface="Adobe Clean"/>
-                <a:cs typeface="Adobe Clean"/>
-              </a:rPr>
-              <a:t>ni</a:t>
-            </a:r>
-            <a:r>
-              <a:rPr sz="1400" b="1" u="sng" spc="-15" dirty="0">
-                <a:solidFill>
-                  <a:srgbClr val="020302"/>
-                </a:solidFill>
-                <a:uFill>
-                  <a:solidFill>
-                    <a:srgbClr val="020302"/>
-                  </a:solidFill>
-                </a:uFill>
-                <a:latin typeface="Adobe Clean"/>
-                <a:cs typeface="Adobe Clean"/>
-              </a:rPr>
-              <a:t>t</a:t>
-            </a:r>
-            <a:r>
-              <a:rPr sz="1400" b="1" u="sng" spc="-10" dirty="0">
-                <a:solidFill>
-                  <a:srgbClr val="020302"/>
-                </a:solidFill>
-                <a:uFill>
-                  <a:solidFill>
-                    <a:srgbClr val="020302"/>
-                  </a:solidFill>
-                </a:uFill>
-                <a:latin typeface="Adobe Clean"/>
-                <a:cs typeface="Adobe Clean"/>
-              </a:rPr>
-              <a:t>i</a:t>
-            </a:r>
-            <a:r>
-              <a:rPr sz="1400" b="1" u="sng" spc="-5" dirty="0">
-                <a:solidFill>
-                  <a:srgbClr val="020302"/>
-                </a:solidFill>
-                <a:uFill>
-                  <a:solidFill>
-                    <a:srgbClr val="020302"/>
-                  </a:solidFill>
-                </a:uFill>
-                <a:latin typeface="Adobe Clean"/>
-                <a:cs typeface="Adobe Clean"/>
-              </a:rPr>
-              <a:t>a</a:t>
-            </a:r>
-            <a:r>
-              <a:rPr sz="1400" b="1" u="sng" dirty="0">
-                <a:solidFill>
-                  <a:srgbClr val="020302"/>
-                </a:solidFill>
-                <a:uFill>
-                  <a:solidFill>
-                    <a:srgbClr val="020302"/>
-                  </a:solidFill>
-                </a:uFill>
-                <a:latin typeface="Adobe Clean"/>
-                <a:cs typeface="Adobe Clean"/>
-              </a:rPr>
-              <a:t>l</a:t>
-            </a:r>
-            <a:r>
-              <a:rPr sz="1400" b="1" u="sng" spc="-145" dirty="0">
-                <a:solidFill>
-                  <a:srgbClr val="020302"/>
-                </a:solidFill>
-                <a:uFill>
-                  <a:solidFill>
-                    <a:srgbClr val="020302"/>
-                  </a:solidFill>
-                </a:uFill>
-                <a:latin typeface="Adobe Clean"/>
-                <a:cs typeface="Adobe Clean"/>
-              </a:rPr>
-              <a:t> </a:t>
-            </a:r>
-            <a:r>
-              <a:rPr sz="1400" b="1" u="sng" spc="-15" dirty="0">
-                <a:solidFill>
-                  <a:srgbClr val="020302"/>
-                </a:solidFill>
-                <a:uFill>
-                  <a:solidFill>
-                    <a:srgbClr val="020302"/>
-                  </a:solidFill>
-                </a:uFill>
-                <a:latin typeface="Adobe Clean"/>
-                <a:cs typeface="Adobe Clean"/>
-              </a:rPr>
-              <a:t>R</a:t>
-            </a:r>
-            <a:r>
-              <a:rPr sz="1400" b="1" u="sng" spc="-20" dirty="0">
-                <a:solidFill>
-                  <a:srgbClr val="020302"/>
-                </a:solidFill>
-                <a:uFill>
-                  <a:solidFill>
-                    <a:srgbClr val="020302"/>
-                  </a:solidFill>
-                </a:uFill>
-                <a:latin typeface="Adobe Clean"/>
-                <a:cs typeface="Adobe Clean"/>
-              </a:rPr>
-              <a:t>e</a:t>
-            </a:r>
-            <a:r>
-              <a:rPr sz="1400" b="1" u="sng" spc="-15" dirty="0">
-                <a:solidFill>
-                  <a:srgbClr val="020302"/>
-                </a:solidFill>
-                <a:uFill>
-                  <a:solidFill>
-                    <a:srgbClr val="020302"/>
-                  </a:solidFill>
-                </a:uFill>
-                <a:latin typeface="Adobe Clean"/>
-                <a:cs typeface="Adobe Clean"/>
-              </a:rPr>
-              <a:t>s</a:t>
-            </a:r>
-            <a:r>
-              <a:rPr sz="1400" b="1" u="sng" spc="-20" dirty="0">
-                <a:solidFill>
-                  <a:srgbClr val="020302"/>
-                </a:solidFill>
-                <a:uFill>
-                  <a:solidFill>
-                    <a:srgbClr val="020302"/>
-                  </a:solidFill>
-                </a:uFill>
-                <a:latin typeface="Adobe Clean"/>
-                <a:cs typeface="Adobe Clean"/>
-              </a:rPr>
-              <a:t>p</a:t>
-            </a:r>
-            <a:r>
-              <a:rPr sz="1400" b="1" u="sng" spc="-15" dirty="0">
-                <a:solidFill>
-                  <a:srgbClr val="020302"/>
-                </a:solidFill>
-                <a:uFill>
-                  <a:solidFill>
-                    <a:srgbClr val="020302"/>
-                  </a:solidFill>
-                </a:uFill>
-                <a:latin typeface="Adobe Clean"/>
-                <a:cs typeface="Adobe Clean"/>
-              </a:rPr>
-              <a:t>ons</a:t>
-            </a:r>
-            <a:r>
-              <a:rPr sz="1400" b="1" u="sng" dirty="0">
-                <a:solidFill>
-                  <a:srgbClr val="020302"/>
-                </a:solidFill>
-                <a:uFill>
-                  <a:solidFill>
-                    <a:srgbClr val="020302"/>
-                  </a:solidFill>
-                </a:uFill>
-                <a:latin typeface="Adobe Clean"/>
-                <a:cs typeface="Adobe Clean"/>
-              </a:rPr>
-              <a:t>e</a:t>
             </a:r>
             <a:endParaRPr sz="1400" u="sng" dirty="0">
               <a:latin typeface="Adobe Clean"/>
@@ -3206,40 +2768,36 @@
               </a:spcBef>
             </a:pPr>
             <a:r>
-              <a:rPr spc="-10" dirty="0"/>
-              <a:t>©202</a:t>
-            </a:r>
-            <a:r>
-              <a:rPr lang="en-US" spc="-10" dirty="0"/>
-              <a:t>2 </a:t>
-            </a:r>
-            <a:r>
-              <a:rPr spc="-5" dirty="0"/>
-              <a:t>Adobe. All</a:t>
-            </a:r>
-            <a:r>
-              <a:rPr spc="-10" dirty="0"/>
+              <a:rPr lang="ja-jp" spc="-10" dirty="0"/>
+              <a:t>©2022</a:t>
+            </a:r>
+            <a:r>
+              <a:rPr lang="ja-jp" spc="-5" dirty="0"/>
+              <a:t> Adobe。All</a:t>
+            </a:r>
+            <a:r>
+              <a:rPr lang="ja-jp" spc="-10" dirty="0"/>
               <a:t> Rights</a:t>
             </a:r>
             <a:r>
-              <a:rPr spc="-5" dirty="0"/>
+              <a:rPr lang="ja-jp" spc="-5" dirty="0"/>
               <a:t> </a:t>
             </a:r>
             <a:r>
-              <a:rPr spc="-10" dirty="0"/>
-              <a:t>Reserved.</a:t>
-            </a:r>
-            <a:r>
-              <a:rPr spc="-5" dirty="0"/>
-              <a:t> Adobe</a:t>
-            </a:r>
-            <a:r>
-              <a:rPr spc="60" dirty="0"/>
+              <a:rPr lang="ja-jp" spc="-10" dirty="0"/>
+              <a:t>Reserved。</a:t>
+            </a:r>
+            <a:r>
+              <a:rPr lang="ja-jp" spc="-5" dirty="0"/>
+              <a:t>Adobe</a:t>
+            </a:r>
+            <a:r>
+              <a:rPr lang="ja-jp" spc="60" dirty="0"/>
               <a:t> </a:t>
             </a:r>
             <a:r>
-              <a:rPr spc="-10" dirty="0"/>
-              <a:t>Confidential.</a:t>
+              <a:rPr lang="ja-jp" spc="-10" dirty="0"/>
+              <a:t>機密資訊。</a:t>
             </a:r>
           </a:p>
         </p:txBody>
@@ -3273,13 +2831,13 @@
           <a:lstStyle/>
           <a:p>
             <a:r>
-              <a:rPr lang="en-US" sz="700" i="1" dirty="0">
+              <a:rPr lang="ja-jp" sz="700" i="1" dirty="0">
                 <a:solidFill>
                   <a:schemeClr val="bg1"/>
                 </a:solidFill>
                 <a:latin typeface="Adobe Clean" panose="020B0503020404020204" pitchFamily="34" charset="0"/>
               </a:rPr>
-              <a:t>Adobe Creative Cloud / Adobe Document Cloud (including Adobe Sign)</a:t>
+              <a:t>Adobe Creative Cloud / Adobe Document Cloud (包括 Adobe Sign)</a:t>
             </a:r>
           </a:p>
         </p:txBody>
@@ -3299,7 +2857,7 @@
         <p:spPr>
           <a:xfrm>
             <a:off x="122477" y="593716"/>
-            <a:ext cx="6035427" cy="1255472"/>
+            <a:ext cx="6035427" cy="947695"/>
           </a:xfrm>
           <a:prstGeom prst="rect">
             <a:avLst/>
@@ -3320,16 +2878,16 @@
               </a:spcBef>
             </a:pPr>
             <a:r>
-              <a:rPr lang="en-US" sz="1200" dirty="0">
+              <a:rPr lang="ja-jp" sz="1200" dirty="0">
                 <a:solidFill>
                   <a:schemeClr val="bg1"/>
                 </a:solidFill>
                 <a:latin typeface="Adobe Clean Light"/>
               </a:rPr>
-              <a:t>Standard | Business |</a:t>
-            </a:r>
-            <a:r>
-              <a:rPr lang="en-US" sz="1200" b="1" dirty="0">
+              <a:t>標準 | 商務 |</a:t>
+            </a:r>
+            <a:r>
+              <a:rPr lang="ja-jp" sz="1200" b="1" dirty="0">
                 <a:solidFill>
                   <a:schemeClr val="bg1"/>
                 </a:solidFill>
@@ -3338,15 +2896,15 @@
               <a:t> </a:t>
             </a:r>
             <a:r>
-              <a:rPr lang="en-US" sz="1200" b="1" dirty="0">
+              <a:rPr lang="ja-jp" sz="1200" b="1" dirty="0">
                 <a:solidFill>
                   <a:schemeClr val="bg1"/>
                 </a:solidFill>
               </a:rPr>
-              <a:t>Enterprise</a:t>
-            </a:r>
-            <a:r>
-              <a:rPr lang="en-US" sz="1200" b="1" dirty="0">
+              <a:t>企業</a:t>
+            </a:r>
+            <a:r>
+              <a:rPr lang="ja-jp" sz="1200" b="1" dirty="0">
                 <a:solidFill>
                   <a:schemeClr val="bg1"/>
                 </a:solidFill>
@@ -3355,27 +2913,169 @@
               <a:t> </a:t>
             </a:r>
             <a:r>
-              <a:rPr lang="en-US" sz="1200" dirty="0">
+              <a:rPr lang="ja-jp" sz="1200" dirty="0">
                 <a:solidFill>
                   <a:schemeClr val="bg1"/>
                 </a:solidFill>
                 <a:latin typeface="Adobe Clean Light"/>
               </a:rPr>
-              <a:t>| Elite</a:t>
+              <a:t>| 菁英</a:t>
             </a:r>
             <a:br>
-              <a:rPr lang="en-US" sz="900" dirty="0">
-                <a:latin typeface="Adobe Clean Light" panose="020B0303020404020204" pitchFamily="34" charset="0"/>
-              </a:rPr>
+              <a:rPr dirty="0"/>
             </a:br>
             <a:r>
-              <a:rPr lang="en-US" sz="1000" dirty="0">
+              <a:rPr lang="ja-jp" sz="1000" dirty="0">
                 <a:solidFill>
                   <a:schemeClr val="bg1"/>
                 </a:solidFill>
                 <a:latin typeface="Adobe Clean SemiLight"/>
               </a:rPr>
-              <a:t>Adobe provides a comprehensive range of technical resources to help support your business included as part of your Adobe enterprise subscription. This is enhanced with the ENTERPRISE support plan. ENTERPRISE customers will benefit from our Named Support Engineer service, where a designated technical contact in the Adobe Support Team with deep experience in your solution will work in partnership with you and your technical teams to ensure timely resolution of all support requests. Your support team can also help coordinate and arrange delivery of the additional ENTERPRISE benefits ensuring minimal disruption to your business at the most critical times.  ENTERPRISE support plan customers can also take advantage of our detailed and in-depth technical product documentation and current release notes. </a:t>
+              <a:t>Adobe 提供全方位的技術資源來支援您的</a:t>
+            </a:r>
+            <a:r>
+              <a:rPr lang="ja-jp" sz="1000">
+                <a:solidFill>
+                  <a:schemeClr val="bg1"/>
+                </a:solidFill>
+                <a:latin typeface="Adobe Clean SemiLight"/>
+              </a:rPr>
+              <a:t>業務</a:t>
+            </a:r>
+            <a:r>
+              <a:rPr lang="ja-JP" altLang="en-US" sz="1000">
+                <a:solidFill>
+                  <a:schemeClr val="bg1"/>
+                </a:solidFill>
+                <a:latin typeface="Adobe Clean SemiLight"/>
+              </a:rPr>
+              <a:t>、</a:t>
+            </a:r>
+            <a:r>
+              <a:rPr lang="ja-jp" sz="1000">
+                <a:solidFill>
+                  <a:schemeClr val="bg1"/>
+                </a:solidFill>
+                <a:latin typeface="Adobe Clean SemiLight"/>
+              </a:rPr>
+              <a:t>這</a:t>
+            </a:r>
+            <a:r>
+              <a:rPr lang="ja-jp" sz="1000" dirty="0">
+                <a:solidFill>
+                  <a:schemeClr val="bg1"/>
+                </a:solidFill>
+                <a:latin typeface="Adobe Clean SemiLight"/>
+              </a:rPr>
+              <a:t>些資源包括在您的 Adobe 企業訂閱中。企業支援計劃增強了這一點。企業客戶可受益於我們的指定支援工程師</a:t>
+            </a:r>
+            <a:r>
+              <a:rPr lang="ja-jp" sz="1000">
+                <a:solidFill>
+                  <a:schemeClr val="bg1"/>
+                </a:solidFill>
+                <a:latin typeface="Adobe Clean SemiLight"/>
+              </a:rPr>
+              <a:t>服務</a:t>
+            </a:r>
+            <a:r>
+              <a:rPr lang="ja-JP" altLang="en-US" sz="1000">
+                <a:solidFill>
+                  <a:schemeClr val="bg1"/>
+                </a:solidFill>
+                <a:latin typeface="Adobe Clean SemiLight"/>
+              </a:rPr>
+              <a:t>、</a:t>
+            </a:r>
+            <a:r>
+              <a:rPr lang="ja-jp" sz="1000">
+                <a:solidFill>
+                  <a:schemeClr val="bg1"/>
+                </a:solidFill>
+                <a:latin typeface="Adobe Clean SemiLight"/>
+              </a:rPr>
+              <a:t>A</a:t>
+            </a:r>
+            <a:r>
+              <a:rPr lang="ja-jp" sz="1000" dirty="0">
+                <a:solidFill>
+                  <a:schemeClr val="bg1"/>
+                </a:solidFill>
+                <a:latin typeface="Adobe Clean SemiLight"/>
+              </a:rPr>
+              <a:t>dobe 支援團隊中具有解決方案深厚經驗的指定技術聯絡人將與您和您的技術團隊</a:t>
+            </a:r>
+            <a:r>
+              <a:rPr lang="ja-jp" sz="1000">
+                <a:solidFill>
+                  <a:schemeClr val="bg1"/>
+                </a:solidFill>
+                <a:latin typeface="Adobe Clean SemiLight"/>
+              </a:rPr>
+              <a:t>合作</a:t>
+            </a:r>
+            <a:r>
+              <a:rPr lang="ja-JP" altLang="en-US" sz="1000">
+                <a:solidFill>
+                  <a:schemeClr val="bg1"/>
+                </a:solidFill>
+                <a:latin typeface="Adobe Clean SemiLight"/>
+              </a:rPr>
+              <a:t>、</a:t>
+            </a:r>
+            <a:r>
+              <a:rPr lang="ja-jp" sz="1000">
+                <a:solidFill>
+                  <a:schemeClr val="bg1"/>
+                </a:solidFill>
+                <a:latin typeface="Adobe Clean SemiLight"/>
+              </a:rPr>
+              <a:t>確</a:t>
+            </a:r>
+            <a:r>
+              <a:rPr lang="ja-jp" sz="1000" dirty="0">
+                <a:solidFill>
+                  <a:schemeClr val="bg1"/>
+                </a:solidFill>
+                <a:latin typeface="Adobe Clean SemiLight"/>
+              </a:rPr>
+              <a:t>保及時解決所有支援請求。您的支援團隊還可以幫助協調和安排交付額外的企業</a:t>
+            </a:r>
+            <a:r>
+              <a:rPr lang="ja-jp" sz="1000">
+                <a:solidFill>
+                  <a:schemeClr val="bg1"/>
+                </a:solidFill>
+                <a:latin typeface="Adobe Clean SemiLight"/>
+              </a:rPr>
+              <a:t>利益</a:t>
+            </a:r>
+            <a:r>
+              <a:rPr lang="ja-JP" altLang="en-US" sz="1000">
+                <a:solidFill>
+                  <a:schemeClr val="bg1"/>
+                </a:solidFill>
+                <a:latin typeface="Adobe Clean SemiLight"/>
+              </a:rPr>
+              <a:t>、</a:t>
+            </a:r>
+            <a:r>
+              <a:rPr lang="ja-jp" sz="1000">
+                <a:solidFill>
+                  <a:schemeClr val="bg1"/>
+                </a:solidFill>
+                <a:latin typeface="Adobe Clean SemiLight"/>
+              </a:rPr>
+              <a:t>確</a:t>
+            </a:r>
+            <a:r>
+              <a:rPr lang="ja-jp" sz="1000" dirty="0">
+                <a:solidFill>
+                  <a:schemeClr val="bg1"/>
+                </a:solidFill>
+                <a:latin typeface="Adobe Clean SemiLight"/>
+              </a:rPr>
+              <a:t>保在最關鍵的時刻對您的業務造成最小的干擾。企業支援計劃客戶還可以善用我們詳細和深入的技術產品文件和目前的版本注意事項。</a:t>
             </a:r>
             <a:endParaRPr lang="en-US" sz="900" dirty="0">
               <a:solidFill>
@@ -3491,14 +3191,14 @@
                         <a:defRPr/>
                       </a:pPr>
                       <a:r>
-                        <a:rPr lang="en-US" sz="1200" spc="0" dirty="0">
+                        <a:rPr lang="ja-jp" sz="1200" spc="0" dirty="0">
                           <a:solidFill>
                             <a:srgbClr val="404040"/>
                           </a:solidFill>
                           <a:latin typeface="Adobe Clean"/>
                           <a:cs typeface="Adobe Clean"/>
                         </a:rPr>
-                        <a:t>Standard  Support</a:t>
+                        <a:t>標準支援</a:t>
                       </a:r>
                       <a:endParaRPr lang="en-US" sz="1200" spc="0" dirty="0">
                         <a:latin typeface="Adobe Clean"/>
@@ -3544,24 +3244,14 @@
                         </a:spcBef>
                       </a:pPr>
                       <a:r>
-                        <a:rPr lang="en-US" sz="1200" spc="0" dirty="0">
+                        <a:rPr lang="ja-jp" sz="1200" spc="0" dirty="0">
                           <a:solidFill>
                             <a:srgbClr val="FFFFFF"/>
                           </a:solidFill>
                           <a:latin typeface="Adobe Clean"/>
                           <a:cs typeface="Adobe Clean"/>
                         </a:rPr>
-                        <a:t>Enterprise </a:t>
-                      </a:r>
-                      <a:r>
-                        <a:rPr sz="1200" spc="0" dirty="0">
-                          <a:solidFill>
-                            <a:srgbClr val="FFFFFF"/>
-                          </a:solidFill>
-                          <a:latin typeface="Adobe Clean"/>
-                          <a:cs typeface="Adobe Clean"/>
-                        </a:rPr>
-                        <a:t>Support</a:t>
+                        <a:t>企業支援</a:t>
                       </a:r>
                       <a:endParaRPr sz="1200" spc="0" dirty="0">
                         <a:latin typeface="Adobe Clean"/>
@@ -3715,13 +3405,13 @@
                         <a:defRPr/>
                       </a:pPr>
                       <a:r>
-                        <a:rPr lang="en-US" sz="1200" b="1" i="1" dirty="0">
+                        <a:rPr lang="ja-jp" sz="1200" b="1" i="1" dirty="0">
                           <a:solidFill>
                             <a:schemeClr val="bg1"/>
                           </a:solidFill>
                           <a:latin typeface="Adobe Clean" panose="020B0503020404020204" pitchFamily="34" charset="0"/>
                         </a:rPr>
-                        <a:t>Paid Support ($)</a:t>
+                        <a:t>付費支援 ($)</a:t>
                       </a:r>
                     </a:p>
                   </a:txBody>
@@ -3785,14 +3475,14 @@
                         </a:spcBef>
                       </a:pPr>
                       <a:r>
-                        <a:rPr lang="en-US" sz="1200" b="1" i="0" spc="0" dirty="0">
+                        <a:rPr lang="ja-jp" sz="1200" b="1" i="0" spc="0" dirty="0">
                           <a:solidFill>
                             <a:schemeClr val="bg1"/>
                           </a:solidFill>
                           <a:latin typeface="Adobe Clean" panose="020B0503020404020204" pitchFamily="34" charset="0"/>
                           <a:cs typeface="AdobeClean-Light"/>
                         </a:rPr>
-                        <a:t>Assigned Experts</a:t>
+                        <a:t>指派的專家</a:t>
                       </a:r>
                       <a:endParaRPr sz="1200" b="1" i="0" spc="0" dirty="0">
                         <a:solidFill>
@@ -3847,14 +3537,14 @@
                         </a:spcBef>
                       </a:pPr>
                       <a:r>
-                        <a:rPr sz="1100" spc="0" dirty="0">
+                        <a:rPr lang="ja-jp" sz="1100" spc="0" dirty="0">
                           <a:solidFill>
                             <a:srgbClr val="020302"/>
                           </a:solidFill>
                           <a:latin typeface="AdobeClean-Light"/>
                           <a:cs typeface="AdobeClean-Light"/>
                         </a:rPr>
-                        <a:t>Account Support Lead</a:t>
+                        <a:t>帳戶支援負責人</a:t>
                       </a:r>
                       <a:endParaRPr sz="1100" spc="0" dirty="0">
                         <a:latin typeface="AdobeClean-Light"/>
@@ -4021,14 +3711,14 @@
                         </a:spcBef>
                       </a:pPr>
                       <a:r>
-                        <a:rPr sz="1100" spc="0" dirty="0">
+                        <a:rPr lang="ja-jp" sz="1100" spc="0" dirty="0">
                           <a:solidFill>
                             <a:srgbClr val="020302"/>
                           </a:solidFill>
                           <a:latin typeface="AdobeClean-Light"/>
                           <a:cs typeface="AdobeClean-Light"/>
                         </a:rPr>
-                        <a:t>Named Support Engineer</a:t>
+                        <a:t>指定的支援工程師</a:t>
                       </a:r>
                       <a:endParaRPr sz="1100" spc="0" dirty="0">
                         <a:latin typeface="AdobeClean-Light"/>
@@ -4094,7 +3784,7 @@
                         </a:spcBef>
                       </a:pPr>
                       <a:r>
-                        <a:rPr sz="900" spc="0" dirty="0">
+                        <a:rPr lang="ja-jp" sz="900" spc="0" dirty="0">
                           <a:solidFill>
                             <a:srgbClr val="020302"/>
                           </a:solidFill>
@@ -4187,14 +3877,14 @@
                         </a:spcBef>
                       </a:pPr>
                       <a:r>
-                        <a:rPr sz="1100" spc="0" dirty="0">
+                        <a:rPr lang="ja-jp" sz="1100" spc="0" dirty="0">
                           <a:solidFill>
                             <a:srgbClr val="020302"/>
                           </a:solidFill>
                           <a:latin typeface="AdobeClean-Light"/>
                           <a:cs typeface="AdobeClean-Light"/>
                         </a:rPr>
-                        <a:t>Technical Account Manager</a:t>
+                        <a:t>技術客戶經理</a:t>
                       </a:r>
                       <a:endParaRPr sz="1100" spc="0" dirty="0">
                         <a:latin typeface="AdobeClean-Light"/>
@@ -4317,14 +4007,14 @@
                         </a:spcBef>
                       </a:pPr>
                       <a:r>
-                        <a:rPr lang="en-US" sz="1200" b="1" i="0" spc="0" dirty="0">
+                        <a:rPr lang="ja-jp" sz="1200" b="1" i="0" spc="0" dirty="0">
                           <a:solidFill>
                             <a:schemeClr val="bg1"/>
                           </a:solidFill>
                           <a:latin typeface="Adobe Clean" panose="020B0503020404020204" pitchFamily="34" charset="0"/>
                           <a:cs typeface="AdobeClean-Light"/>
                         </a:rPr>
-                        <a:t>Support Services</a:t>
+                        <a:t>支援服務</a:t>
                       </a:r>
                       <a:endParaRPr sz="1200" b="1" i="0" spc="0" dirty="0">
                         <a:solidFill>
@@ -4379,14 +4069,14 @@
                         </a:spcBef>
                       </a:pPr>
                       <a:r>
-                        <a:rPr lang="en-US" sz="1100" spc="0" dirty="0">
+                        <a:rPr lang="ja-jp" sz="1100" spc="0" dirty="0">
                           <a:solidFill>
                             <a:srgbClr val="020302"/>
                           </a:solidFill>
                           <a:latin typeface="AdobeClean-Light"/>
                           <a:cs typeface="AdobeClean-Light"/>
                         </a:rPr>
-                        <a:t>24x7 Self-Help Support </a:t>
+                        <a:t>全年無休的自助式支援</a:t>
                       </a:r>
                       <a:endParaRPr lang="en-US" sz="1100" spc="0" dirty="0">
                         <a:latin typeface="AdobeClean-Light"/>
@@ -4429,7 +4119,7 @@
                         </a:spcBef>
                       </a:pPr>
                       <a:r>
-                        <a:rPr sz="900" dirty="0">
+                        <a:rPr lang="ja-jp" sz="900" dirty="0">
                           <a:solidFill>
                             <a:srgbClr val="020302"/>
                           </a:solidFill>
@@ -4489,7 +4179,7 @@
                         <a:defRPr/>
                       </a:pPr>
                       <a:r>
-                        <a:rPr kumimoji="0" lang="en-US" sz="900" b="0" i="0" u="none" strike="noStrike" kern="0" cap="none" spc="0" normalizeH="0" baseline="0" noProof="0" dirty="0">
+                        <a:rPr kumimoji="0" lang="ja-jp" sz="900" b="0" i="0" u="none" strike="noStrike" kern="0" cap="none" spc="0" normalizeH="0" baseline="0" noProof="0" dirty="0">
                           <a:ln>
                             <a:noFill/>
                           </a:ln>
@@ -4601,14 +4291,14 @@
                         </a:spcBef>
                       </a:pPr>
                       <a:r>
-                        <a:rPr lang="en-US" sz="1100" b="0" i="0" spc="0" dirty="0">
+                        <a:rPr lang="ja-jp" sz="1100" b="0" i="0" spc="0" dirty="0">
                           <a:solidFill>
                             <a:srgbClr val="020302"/>
                           </a:solidFill>
                           <a:latin typeface="Adobe Clean Light" panose="020B0303020404020204" pitchFamily="34" charset="0"/>
                           <a:cs typeface="AdobeClean-Light"/>
                         </a:rPr>
-                        <a:t>24x7 Support via Chat / Phone</a:t>
+                        <a:t>全年無休的聊天/電話支援</a:t>
                       </a:r>
                       <a:endParaRPr sz="1100" b="0" i="0" spc="0" dirty="0">
                         <a:latin typeface="Adobe Clean Light" panose="020B0303020404020204" pitchFamily="34" charset="0"/>
@@ -4645,7 +4335,7 @@
                         </a:spcBef>
                       </a:pPr>
                       <a:r>
-                        <a:rPr sz="900" dirty="0">
+                        <a:rPr lang="ja-jp" sz="900" dirty="0">
                           <a:solidFill>
                             <a:srgbClr val="020302"/>
                           </a:solidFill>
@@ -4687,7 +4377,7 @@
                         </a:spcBef>
                       </a:pPr>
                       <a:r>
-                        <a:rPr sz="900" spc="0" dirty="0">
+                        <a:rPr lang="ja-jp" sz="900" spc="0" dirty="0">
                           <a:solidFill>
                             <a:srgbClr val="020302"/>
                           </a:solidFill>
@@ -4780,11 +4470,11 @@
                         </a:spcBef>
                       </a:pPr>
                       <a:r>
-                        <a:rPr lang="en-US" sz="1100" spc="0" dirty="0">
+                        <a:rPr lang="ja-jp" sz="1100" spc="0" dirty="0">
                           <a:latin typeface="AdobeClean-Light"/>
                           <a:cs typeface="AdobeClean-Light"/>
                         </a:rPr>
-                        <a:t>Web Case Submissions </a:t>
+                        <a:t>網頁案例提交</a:t>
                       </a:r>
                       <a:endParaRPr sz="1100" spc="0" dirty="0">
                         <a:latin typeface="AdobeClean-Light"/>
@@ -4827,7 +4517,7 @@
                         </a:spcBef>
                       </a:pPr>
                       <a:r>
-                        <a:rPr sz="900" dirty="0">
+                        <a:rPr lang="ja-jp" sz="900" dirty="0">
                           <a:solidFill>
                             <a:srgbClr val="020302"/>
                           </a:solidFill>
@@ -4869,7 +4559,7 @@
                         </a:spcBef>
                       </a:pPr>
                       <a:r>
-                        <a:rPr sz="900" spc="0" dirty="0">
+                        <a:rPr lang="ja-jp" sz="900" spc="0" dirty="0">
                           <a:solidFill>
                             <a:srgbClr val="020302"/>
                           </a:solidFill>
@@ -4953,14 +4643,14 @@
                         </a:spcBef>
                       </a:pPr>
                       <a:r>
-                        <a:rPr lang="en-US" sz="1100" spc="0" dirty="0">
+                        <a:rPr lang="ja-jp" sz="1100" spc="0" dirty="0">
                           <a:solidFill>
                             <a:srgbClr val="020302"/>
                           </a:solidFill>
                           <a:latin typeface="AdobeClean-Light"/>
                           <a:cs typeface="AdobeClean-Light"/>
                         </a:rPr>
-                        <a:t>Priority Case Routing</a:t>
+                        <a:t>優先案例路由</a:t>
                       </a:r>
                       <a:endParaRPr sz="1100" spc="0" dirty="0">
                         <a:latin typeface="AdobeClean-Light"/>
@@ -5029,7 +4719,7 @@
                         </a:spcBef>
                       </a:pPr>
                       <a:r>
-                        <a:rPr sz="900" spc="0" dirty="0">
+                        <a:rPr lang="ja-jp" sz="900" spc="0" dirty="0">
                           <a:solidFill>
                             <a:srgbClr val="020302"/>
                           </a:solidFill>
@@ -5122,11 +4812,11 @@
                         <a:defRPr/>
                       </a:pPr>
                       <a:r>
-                        <a:rPr lang="en-US" sz="1100" spc="0" dirty="0">
+                        <a:rPr lang="ja-jp" sz="1100" spc="0" dirty="0">
                           <a:latin typeface="AdobeClean-Light"/>
                           <a:cs typeface="AdobeClean-Light"/>
                         </a:rPr>
-                        <a:t>Accelerated Issue Prioritization</a:t>
+                        <a:t>加速問題優先順序</a:t>
                       </a:r>
                     </a:p>
                   </a:txBody>
@@ -5200,7 +4890,7 @@
                         <a:defRPr/>
                       </a:pPr>
                       <a:r>
-                        <a:rPr lang="en-US" sz="900" spc="0" dirty="0">
+                        <a:rPr lang="ja-jp" sz="900" spc="0" dirty="0">
                           <a:solidFill>
                             <a:srgbClr val="020302"/>
                           </a:solidFill>
@@ -5273,11 +4963,11 @@
                         </a:spcBef>
                       </a:pPr>
                       <a:r>
-                        <a:rPr lang="en-US" sz="1100" spc="0" dirty="0">
+                        <a:rPr lang="ja-jp" sz="1100" spc="0" dirty="0">
                           <a:latin typeface="AdobeClean-Light"/>
                           <a:cs typeface="AdobeClean-Light"/>
                         </a:rPr>
-                        <a:t>Escalation Management</a:t>
+                        <a:t>向上呈報管理</a:t>
                       </a:r>
                       <a:endParaRPr sz="1100" spc="0" dirty="0">
                         <a:latin typeface="AdobeClean-Light"/>
@@ -5343,7 +5033,7 @@
                         </a:spcBef>
                       </a:pPr>
                       <a:r>
-                        <a:rPr sz="900" spc="0" dirty="0">
+                        <a:rPr lang="ja-jp" sz="900" spc="0" dirty="0">
                           <a:solidFill>
                             <a:srgbClr val="020302"/>
                           </a:solidFill>
@@ -5397,11 +5087,11 @@
                         </a:spcBef>
                       </a:pPr>
                       <a:r>
-                        <a:rPr lang="en-US" sz="1100" spc="0" dirty="0">
+                        <a:rPr lang="ja-jp" sz="1100" spc="0" dirty="0">
                           <a:latin typeface="AdobeClean-Light"/>
                           <a:cs typeface="AdobeClean-Light"/>
                         </a:rPr>
-                        <a:t>Proactive Case Monitoring</a:t>
+                        <a:t>主動案例監控</a:t>
                       </a:r>
                       <a:endParaRPr sz="1100" spc="0" dirty="0">
                         <a:latin typeface="AdobeClean-Light"/>
@@ -5473,7 +5163,7 @@
                         </a:spcBef>
                       </a:pPr>
                       <a:r>
-                        <a:rPr sz="900" spc="0" dirty="0">
+                        <a:rPr lang="ja-jp" sz="900" spc="0" dirty="0">
                           <a:solidFill>
                             <a:srgbClr val="020302"/>
                           </a:solidFill>
@@ -5539,13 +5229,13 @@
                         <a:buNone/>
                       </a:pPr>
                       <a:r>
-                        <a:rPr lang="en-US" sz="1100" b="0" i="0" u="none" strike="noStrike" spc="0" noProof="0" dirty="0">
+                        <a:rPr lang="ja-jp" sz="1100" b="0" i="0" u="none" strike="noStrike" spc="0" noProof="0" dirty="0">
                           <a:solidFill>
                             <a:srgbClr val="020302"/>
                           </a:solidFill>
                           <a:latin typeface="Adobe Clean Light"/>
                         </a:rPr>
-                        <a:t>In-Region Support Option</a:t>
+                        <a:t>區域內支援選項</a:t>
                       </a:r>
                       <a:endParaRPr dirty="0"/>
                     </a:p>
@@ -5623,7 +5313,7 @@
                         <a:defRPr/>
                       </a:pPr>
                       <a:r>
-                        <a:rPr lang="en-US" sz="900" spc="0" dirty="0">
+                        <a:rPr lang="ja-jp" sz="900" spc="0" dirty="0">
                           <a:solidFill>
                             <a:srgbClr val="020302"/>
                           </a:solidFill>
@@ -5716,14 +5406,14 @@
                         </a:spcBef>
                       </a:pPr>
                       <a:r>
-                        <a:rPr lang="en-US" sz="1100" spc="0" dirty="0">
+                        <a:rPr lang="ja-jp" sz="1100" spc="0" dirty="0">
                           <a:solidFill>
                             <a:srgbClr val="020302"/>
                           </a:solidFill>
                           <a:latin typeface="AdobeClean-Light"/>
                           <a:cs typeface="AdobeClean-Light"/>
                         </a:rPr>
-                        <a:t>Service Reviews</a:t>
+                        <a:t>服務審查</a:t>
                       </a:r>
                       <a:endParaRPr sz="1100" spc="0" dirty="0">
                         <a:latin typeface="AdobeClean-Light"/>
@@ -5795,24 +5485,14 @@
                         </a:spcBef>
                       </a:pPr>
                       <a:r>
-                        <a:rPr sz="900" spc="0" dirty="0">
+                        <a:rPr lang="ja-jp" sz="900" spc="0" dirty="0">
                           <a:solidFill>
                             <a:srgbClr val="020302"/>
                           </a:solidFill>
                           <a:latin typeface="AdobeClean-Light"/>
                           <a:cs typeface="AdobeClean-Light"/>
                         </a:rPr>
-                        <a:t>2</a:t>
-                      </a:r>
-                      <a:r>
-                        <a:rPr lang="en-US" sz="900" spc="0" dirty="0">
-                          <a:solidFill>
-                            <a:srgbClr val="020302"/>
-                          </a:solidFill>
-                          <a:latin typeface="AdobeClean-Light"/>
-                          <a:cs typeface="AdobeClean-Light"/>
-                        </a:rPr>
-                        <a:t>/year</a:t>
+                        <a:t>2 次/年</a:t>
                       </a:r>
                       <a:endParaRPr sz="900" spc="0" dirty="0">
                         <a:latin typeface="AdobeClean-Light"/>
@@ -5889,11 +5569,11 @@
                         </a:spcBef>
                       </a:pPr>
                       <a:r>
-                        <a:rPr lang="en-US" sz="1100" spc="0" dirty="0">
+                        <a:rPr lang="ja-jp" sz="1100" spc="0" dirty="0">
                           <a:latin typeface="AdobeClean-Light"/>
                           <a:cs typeface="AdobeClean-Light"/>
                         </a:rPr>
-                        <a:t>Case Reviews</a:t>
+                        <a:t>案件審查</a:t>
                       </a:r>
                       <a:endParaRPr sz="1100" spc="0" dirty="0">
                         <a:latin typeface="AdobeClean-Light"/>
@@ -5959,11 +5639,11 @@
                         </a:spcBef>
                       </a:pPr>
                       <a:r>
-                        <a:rPr lang="en-US" sz="900" spc="0" dirty="0">
+                        <a:rPr lang="ja-jp" sz="900" spc="0" dirty="0">
                           <a:latin typeface="AdobeClean-Light"/>
                           <a:cs typeface="AdobeClean-Light"/>
                         </a:rPr>
-                        <a:t>1/month</a:t>
+                        <a:t>1 次/月</a:t>
                       </a:r>
                       <a:endParaRPr sz="900" spc="0" dirty="0">
                         <a:latin typeface="AdobeClean-Light"/>
@@ -6038,11 +5718,11 @@
                         <a:defRPr/>
                       </a:pPr>
                       <a:r>
-                        <a:rPr lang="en-US" sz="1100" spc="0" dirty="0">
+                        <a:rPr lang="ja-jp" sz="1100" spc="0" dirty="0">
                           <a:latin typeface="AdobeClean-Light"/>
                           <a:cs typeface="AdobeClean-Light"/>
                         </a:rPr>
-                        <a:t>Solution Review</a:t>
+                        <a:t>解決方案審查</a:t>
                       </a:r>
                     </a:p>
                   </a:txBody>
@@ -6185,11 +5865,11 @@
                         <a:defRPr/>
                       </a:pPr>
                       <a:r>
-                        <a:rPr lang="en-US" sz="1100" spc="0" dirty="0">
+                        <a:rPr lang="ja-jp" sz="1100" spc="0" dirty="0">
                           <a:latin typeface="AdobeClean-Light"/>
                           <a:cs typeface="AdobeClean-Light"/>
                         </a:rPr>
-                        <a:t>Roadmap Review </a:t>
+                        <a:t>藍圖審查</a:t>
                       </a:r>
                     </a:p>
                   </a:txBody>
@@ -6363,14 +6043,14 @@
                         <a:defRPr/>
                       </a:pPr>
                       <a:r>
-                        <a:rPr lang="en-US" sz="1100" spc="0" dirty="0">
+                        <a:rPr lang="ja-jp" sz="1100" spc="0" dirty="0">
                           <a:solidFill>
                             <a:srgbClr val="020302"/>
                           </a:solidFill>
                           <a:latin typeface="AdobeClean-Light"/>
                           <a:cs typeface="AdobeClean-Light"/>
                         </a:rPr>
-                        <a:t>Additional Named Support Contacts</a:t>
+                        <a:t>其他指定的支援聯絡人</a:t>
                       </a:r>
                       <a:endParaRPr lang="en-US" sz="1100" spc="0" dirty="0">
                         <a:latin typeface="AdobeClean-Light"/>
@@ -6570,11 +6250,11 @@
                         </a:spcBef>
                       </a:pPr>
                       <a:r>
-                        <a:rPr lang="en-US" sz="1100" spc="0" dirty="0">
+                        <a:rPr lang="ja-jp" sz="1100" spc="0" dirty="0">
                           <a:latin typeface="AdobeClean-Light"/>
                           <a:cs typeface="AdobeClean-Light"/>
                         </a:rPr>
-                        <a:t>Upgrade/Migration Planning</a:t>
+                        <a:t>升級/遷移計劃</a:t>
                       </a:r>
                       <a:endParaRPr sz="1100" spc="0" dirty="0">
                         <a:latin typeface="AdobeClean-Light"/>
@@ -6749,11 +6429,11 @@
                         <a:defRPr/>
                       </a:pPr>
                       <a:r>
-                        <a:rPr lang="en-US" sz="1100" b="0" i="0" spc="0" dirty="0">
+                        <a:rPr lang="ja-jp" sz="1100" b="0" i="0" spc="0" dirty="0">
                           <a:latin typeface="Adobe Clean Light" panose="020B0303020404020204" pitchFamily="34" charset="0"/>
                           <a:cs typeface="AdobeClean-Light"/>
                         </a:rPr>
-                        <a:t>Release Preparation and Planning</a:t>
+                        <a:t>發行準備與規劃</a:t>
                       </a:r>
                     </a:p>
                   </a:txBody>
@@ -6954,11 +6634,11 @@
                         </a:spcBef>
                       </a:pPr>
                       <a:r>
-                        <a:rPr lang="en-US" sz="1100" spc="0" dirty="0">
+                        <a:rPr lang="ja-jp" sz="1100" spc="0" dirty="0">
                           <a:latin typeface="AdobeClean-Light"/>
                           <a:cs typeface="AdobeClean-Light"/>
                         </a:rPr>
-                        <a:t>Executive Sponsor</a:t>
+                        <a:t>高階主管支持人</a:t>
                       </a:r>
                       <a:endParaRPr sz="1100" spc="0" dirty="0">
                         <a:latin typeface="AdobeClean-Light"/>
@@ -7117,14 +6797,14 @@
           <p:nvPr>
             <p:extLst>
               <p:ext uri="{D42A27DB-BD31-4B8C-83A1-F6EECF244321}">
-                <p14:modId xmlns:p14="http://schemas.microsoft.com/office/powerpoint/2010/main" val="1204616534"/>
+                <p14:modId xmlns:p14="http://schemas.microsoft.com/office/powerpoint/2010/main" val="4172610669"/>
               </p:ext>
             </p:extLst>
           </p:nvPr>
         </p:nvGraphicFramePr>
         <p:xfrm>
           <a:off x="121146" y="7483227"/>
-          <a:ext cx="7498851" cy="2361428"/>
+          <a:ext cx="7498851" cy="2103437"/>
         </p:xfrm>
         <a:graphic>
           <a:graphicData uri="http://schemas.openxmlformats.org/drawingml/2006/table">
@@ -7184,14 +6864,14 @@
                         </a:spcBef>
                       </a:pPr>
                       <a:r>
-                        <a:rPr sz="1000" spc="0" dirty="0">
+                        <a:rPr lang="ja-jp" sz="1000" spc="0" dirty="0">
                           <a:solidFill>
                             <a:srgbClr val="020302"/>
                           </a:solidFill>
                           <a:latin typeface="Adobe Clean"/>
                           <a:cs typeface="Adobe Clean"/>
                         </a:rPr>
-                        <a:t>Priority</a:t>
+                        <a:t>優先順序</a:t>
                       </a:r>
                       <a:endParaRPr sz="1000" spc="0" dirty="0">
                         <a:latin typeface="Adobe Clean"/>
@@ -7243,44 +6923,14 @@
                         </a:spcBef>
                       </a:pPr>
                       <a:r>
-                        <a:rPr lang="en-US" sz="900" spc="0" dirty="0">
+                        <a:rPr lang="ja-jp" sz="900" spc="0" dirty="0">
                           <a:solidFill>
                             <a:srgbClr val="020302"/>
                           </a:solidFill>
                           <a:latin typeface="Adobe Clean"/>
                           <a:cs typeface="Adobe Clean"/>
                         </a:rPr>
-                        <a:t>Standard</a:t>
-                      </a:r>
-                      <a:r>
-                        <a:rPr sz="900" spc="0" dirty="0">
-                          <a:solidFill>
-                            <a:srgbClr val="020302"/>
-                          </a:solidFill>
-                          <a:latin typeface="Adobe Clean"/>
-                          <a:cs typeface="Adobe Clean"/>
-                        </a:rPr>
-                        <a:t> </a:t>
-                      </a:r>
-                      <a:r>
-                        <a:rPr lang="en-US" sz="900" spc="0" dirty="0">
-                          <a:solidFill>
-                            <a:srgbClr val="020302"/>
-                          </a:solidFill>
-                          <a:latin typeface="Adobe Clean"/>
-                          <a:cs typeface="Adobe Clean"/>
-                        </a:rPr>
-                        <a:t> </a:t>
-                      </a:r>
-                      <a:r>
-                        <a:rPr sz="900" spc="0" dirty="0">
-                          <a:solidFill>
-                            <a:srgbClr val="020302"/>
-                          </a:solidFill>
-                          <a:latin typeface="Adobe Clean"/>
-                          <a:cs typeface="Adobe Clean"/>
-                        </a:rPr>
-                        <a:t>Support</a:t>
+                        <a:t>標準支援</a:t>
                       </a:r>
                       <a:endParaRPr sz="900" spc="0" dirty="0">
                         <a:latin typeface="Adobe Clean"/>
@@ -7335,34 +6985,14 @@
                         </a:spcBef>
                       </a:pPr>
                       <a:r>
-                        <a:rPr sz="900" spc="0" dirty="0">
+                        <a:rPr lang="ja-jp" sz="900" spc="0" dirty="0">
                           <a:solidFill>
                             <a:srgbClr val="FFFFFF"/>
                           </a:solidFill>
                           <a:latin typeface="Adobe Clean"/>
                           <a:cs typeface="Adobe Clean"/>
                         </a:rPr>
-                        <a:t>Business</a:t>
-                      </a:r>
-                      <a:r>
-                        <a:rPr lang="en-US" sz="900" spc="0" dirty="0">
-                          <a:solidFill>
-                            <a:srgbClr val="FFFFFF"/>
-                          </a:solidFill>
-                          <a:latin typeface="Adobe Clean"/>
-                          <a:cs typeface="Adobe Clean"/>
-                        </a:rPr>
-                        <a:t> </a:t>
-                      </a:r>
-                      <a:r>
-                        <a:rPr sz="900" spc="0" dirty="0">
-                          <a:solidFill>
-                            <a:srgbClr val="FFFFFF"/>
-                          </a:solidFill>
-                          <a:latin typeface="Adobe Clean"/>
-                          <a:cs typeface="Adobe Clean"/>
-                        </a:rPr>
-                        <a:t>Support</a:t>
+                        <a:t>商務支援</a:t>
                       </a:r>
                       <a:endParaRPr sz="900" spc="0" dirty="0">
                         <a:latin typeface="Adobe Clean"/>
@@ -7414,34 +7044,14 @@
                         </a:spcBef>
                       </a:pPr>
                       <a:r>
-                        <a:rPr sz="900" spc="0" dirty="0">
+                        <a:rPr lang="ja-jp" sz="900" spc="0" dirty="0">
                           <a:solidFill>
                             <a:srgbClr val="FFFFFF"/>
                           </a:solidFill>
                           <a:latin typeface="Adobe Clean"/>
                           <a:cs typeface="Adobe Clean"/>
                         </a:rPr>
-                        <a:t>Enterprise </a:t>
-                      </a:r>
-                      <a:r>
-                        <a:rPr lang="en-US" sz="900" spc="0" dirty="0">
-                          <a:solidFill>
-                            <a:srgbClr val="FFFFFF"/>
-                          </a:solidFill>
-                          <a:latin typeface="Adobe Clean"/>
-                          <a:cs typeface="Adobe Clean"/>
-                        </a:rPr>
-                        <a:t> </a:t>
-                      </a:r>
-                      <a:r>
-                        <a:rPr sz="900" spc="0" dirty="0">
-                          <a:solidFill>
-                            <a:srgbClr val="FFFFFF"/>
-                          </a:solidFill>
-                          <a:latin typeface="Adobe Clean"/>
-                          <a:cs typeface="Adobe Clean"/>
-                        </a:rPr>
-                        <a:t>Support</a:t>
+                        <a:t>企業支援</a:t>
                       </a:r>
                       <a:endParaRPr sz="900" spc="0" dirty="0">
                         <a:latin typeface="Adobe Clean"/>
@@ -7493,34 +7103,14 @@
                         </a:spcBef>
                       </a:pPr>
                       <a:r>
-                        <a:rPr sz="900" spc="0" dirty="0">
+                        <a:rPr lang="ja-jp" sz="900" spc="0" dirty="0">
                           <a:solidFill>
                             <a:srgbClr val="FFFFFF"/>
                           </a:solidFill>
                           <a:latin typeface="Adobe Clean"/>
                           <a:cs typeface="Adobe Clean"/>
                         </a:rPr>
-                        <a:t>Elite</a:t>
-                      </a:r>
-                      <a:r>
-                        <a:rPr lang="en-US" sz="900" spc="0" dirty="0">
-                          <a:solidFill>
-                            <a:srgbClr val="FFFFFF"/>
-                          </a:solidFill>
-                          <a:latin typeface="Adobe Clean"/>
-                          <a:cs typeface="Adobe Clean"/>
-                        </a:rPr>
-                        <a:t> </a:t>
-                      </a:r>
-                      <a:r>
-                        <a:rPr sz="900" spc="0" dirty="0">
-                          <a:solidFill>
-                            <a:srgbClr val="FFFFFF"/>
-                          </a:solidFill>
-                          <a:latin typeface="Adobe Clean"/>
-                          <a:cs typeface="Adobe Clean"/>
-                        </a:rPr>
-                        <a:t>Support</a:t>
+                        <a:t>菁英支援</a:t>
                       </a:r>
                       <a:endParaRPr sz="900" spc="0" dirty="0">
                         <a:latin typeface="Adobe Clean"/>
@@ -7579,14 +7169,14 @@
                         </a:spcBef>
                       </a:pPr>
                       <a:r>
-                        <a:rPr sz="900" b="1" spc="0" dirty="0">
+                        <a:rPr lang="ja-jp" sz="900" b="1" spc="0" dirty="0">
                           <a:solidFill>
                             <a:srgbClr val="020302"/>
                           </a:solidFill>
                           <a:latin typeface="Adobe Clean"/>
                           <a:cs typeface="Adobe Clean"/>
                         </a:rPr>
-                        <a:t>PRIORITY 1</a:t>
+                        <a:t>優先順序 1</a:t>
                       </a:r>
                       <a:endParaRPr sz="900" spc="0" dirty="0">
                         <a:latin typeface="Adobe Clean"/>
@@ -7603,14 +7193,54 @@
                         </a:spcBef>
                       </a:pPr>
                       <a:r>
-                        <a:rPr lang="en-US" sz="900" b="0" i="0" spc="0" dirty="0">
+                        <a:rPr lang="ja-jp" sz="900" b="0" i="0" spc="0" dirty="0">
                           <a:solidFill>
                             <a:srgbClr val="000000"/>
                           </a:solidFill>
                           <a:effectLst/>
                           <a:latin typeface="Adobe Clean Light" panose="020B0303020404020204" pitchFamily="34" charset="0"/>
                         </a:rPr>
-                        <a:t>Customer's production business functions are down or have significant data loss or service degradation and immediate attention is required to restore functionality and usability. </a:t>
+                        <a:t>客戶的生產業務功能已停止或發生重大資料遺失或服務降級</a:t>
+                      </a:r>
+                      <a:r>
+                        <a:rPr lang="ja-jp" sz="900" b="0" i="0" spc="0">
+                          <a:solidFill>
+                            <a:srgbClr val="000000"/>
+                          </a:solidFill>
+                          <a:effectLst/>
+                          <a:latin typeface="Adobe Clean Light" panose="020B0303020404020204" pitchFamily="34" charset="0"/>
+                        </a:rPr>
+                        <a:t>狀況</a:t>
+                      </a:r>
+                      <a:r>
+                        <a:rPr lang="ja-JP" altLang="en-US" sz="900" b="0" i="0" spc="0">
+                          <a:solidFill>
+                            <a:srgbClr val="000000"/>
+                          </a:solidFill>
+                          <a:effectLst/>
+                          <a:latin typeface="Adobe Clean Light" panose="020B0303020404020204" pitchFamily="34" charset="0"/>
+                        </a:rPr>
+                        <a:t>、</a:t>
+                      </a:r>
+                      <a:r>
+                        <a:rPr lang="ja-jp" sz="900" b="0" i="0" spc="0">
+                          <a:solidFill>
+                            <a:srgbClr val="000000"/>
+                          </a:solidFill>
+                          <a:effectLst/>
+                          <a:latin typeface="Adobe Clean Light" panose="020B0303020404020204" pitchFamily="34" charset="0"/>
+                        </a:rPr>
+                        <a:t>需</a:t>
+                      </a:r>
+                      <a:r>
+                        <a:rPr lang="ja-jp" sz="900" b="0" i="0" spc="0" dirty="0">
+                          <a:solidFill>
+                            <a:srgbClr val="000000"/>
+                          </a:solidFill>
+                          <a:effectLst/>
+                          <a:latin typeface="Adobe Clean Light" panose="020B0303020404020204" pitchFamily="34" charset="0"/>
+                        </a:rPr>
+                        <a:t>要立即關注以恢復功能與可用性。</a:t>
                       </a:r>
                       <a:endParaRPr sz="900" spc="0" dirty="0">
                         <a:latin typeface="AdobeClean-Light"/>
@@ -7662,14 +7292,14 @@
                         </a:spcBef>
                       </a:pPr>
                       <a:r>
-                        <a:rPr lang="en-US" sz="900" spc="0" dirty="0">
+                        <a:rPr lang="ja-jp" sz="900" spc="0" dirty="0">
                           <a:solidFill>
                             <a:srgbClr val="020302"/>
                           </a:solidFill>
                           <a:latin typeface="AdobeClean-Light"/>
                           <a:cs typeface="AdobeClean-Light"/>
                         </a:rPr>
-                        <a:t>24x7 /</a:t>
+                        <a:t>全年無休 / </a:t>
                       </a:r>
                     </a:p>
                     <a:p>
@@ -7682,14 +7312,14 @@
                         </a:spcBef>
                       </a:pPr>
                       <a:r>
-                        <a:rPr lang="en-US" sz="900" spc="0" dirty="0">
+                        <a:rPr lang="ja-jp" sz="900" spc="0" dirty="0">
                           <a:solidFill>
                             <a:srgbClr val="020302"/>
                           </a:solidFill>
                           <a:latin typeface="AdobeClean-Light"/>
                           <a:cs typeface="AdobeClean-Light"/>
                         </a:rPr>
-                        <a:t> 30 minutes</a:t>
+                        <a:t>30 分鐘</a:t>
                       </a:r>
                       <a:endParaRPr lang="en-US" sz="900" spc="0" dirty="0">
                         <a:latin typeface="AdobeClean-Light"/>
@@ -7739,10 +7369,34 @@
                         <a:tabLst/>
                       </a:pPr>
                       <a:r>
-                        <a:rPr lang="en-US" sz="1000" i="0" spc="0" dirty="0">
+                        <a:rPr lang="ja-jp" sz="1000" i="0" spc="0" dirty="0">
                           <a:latin typeface="AdobeClean-Light"/>
                         </a:rPr>
-                        <a:t>Customers who purchase a Support Plan for applicable Adobe Products and Services receive priority case routing that fast-tracks cases to Adobe’s Support Engineers. </a:t>
+                        <a:t>為適用的 Adobe 產品和服務購買支援計劃的客戶將獲得優先案例</a:t>
+                      </a:r>
+                      <a:r>
+                        <a:rPr lang="ja-jp" sz="1000" i="0" spc="0">
+                          <a:latin typeface="AdobeClean-Light"/>
+                        </a:rPr>
+                        <a:t>路由</a:t>
+                      </a:r>
+                      <a:r>
+                        <a:rPr lang="ja-JP" altLang="en-US" sz="1000" i="0" spc="0">
+                          <a:latin typeface="AdobeClean-Light"/>
+                        </a:rPr>
+                        <a:t>、</a:t>
+                      </a:r>
+                      <a:r>
+                        <a:rPr lang="ja-jp" sz="1000" i="0" spc="0">
+                          <a:latin typeface="AdobeClean-Light"/>
+                        </a:rPr>
+                        <a:t>以</a:t>
+                      </a:r>
+                      <a:r>
+                        <a:rPr lang="ja-jp" sz="1000" i="0" spc="0" dirty="0">
+                          <a:latin typeface="AdobeClean-Light"/>
+                        </a:rPr>
+                        <a:t>便快速將案例發送給 Adobe 的支援工程師。</a:t>
                       </a:r>
                     </a:p>
                   </a:txBody>
@@ -7790,7 +7444,7 @@
                         </a:spcBef>
                       </a:pPr>
                       <a:r>
-                        <a:rPr sz="900" spc="0" dirty="0">
+                        <a:rPr lang="ja-jp" sz="900" spc="0" dirty="0">
                           <a:solidFill>
                             <a:srgbClr val="020302"/>
                           </a:solidFill>
@@ -7800,59 +7454,7 @@
                           <a:latin typeface="AdobeClean-Light"/>
                           <a:cs typeface="AdobeClean-Light"/>
                         </a:rPr>
-                        <a:t>24x7 /  </a:t>
-                      </a:r>
-                      <a:r>
-                        <a:rPr lang="en-US" sz="900" spc="0" dirty="0">
-                          <a:solidFill>
-                            <a:srgbClr val="020302"/>
-                          </a:solidFill>
-                          <a:highlight>
-                            <a:srgbClr val="FFFF00"/>
-                          </a:highlight>
-                          <a:latin typeface="AdobeClean-Light"/>
-                          <a:cs typeface="AdobeClean-Light"/>
-                        </a:rPr>
-                        <a:t>         </a:t>
-                      </a:r>
-                      <a:r>
-                        <a:rPr sz="900" spc="0" dirty="0">
-                          <a:solidFill>
-                            <a:srgbClr val="020302"/>
-                          </a:solidFill>
-                          <a:highlight>
-                            <a:srgbClr val="FFFF00"/>
-                          </a:highlight>
-                          <a:latin typeface="AdobeClean-Light"/>
-                          <a:cs typeface="AdobeClean-Light"/>
-                        </a:rPr>
-                        <a:t>30</a:t>
-                      </a:r>
-                      <a:r>
-                        <a:rPr lang="en-US" sz="900" spc="0" dirty="0">
-                          <a:solidFill>
-                            <a:srgbClr val="020302"/>
-                          </a:solidFill>
-                          <a:highlight>
-                            <a:srgbClr val="FFFF00"/>
-                          </a:highlight>
-                          <a:latin typeface="AdobeClean-Light"/>
-                          <a:cs typeface="AdobeClean-Light"/>
-                        </a:rPr>
-                        <a:t> </a:t>
-                      </a:r>
-                      <a:r>
-                        <a:rPr sz="900" spc="0" dirty="0">
-                          <a:solidFill>
-                            <a:srgbClr val="020302"/>
-                          </a:solidFill>
-                          <a:highlight>
-                            <a:srgbClr val="FFFF00"/>
-                          </a:highlight>
-                          <a:latin typeface="AdobeClean-Light"/>
-                          <a:cs typeface="AdobeClean-Light"/>
-                        </a:rPr>
-                        <a:t>minutes</a:t>
+                        <a:t>全年無休 /           30 分鐘</a:t>
                       </a:r>
                       <a:endParaRPr sz="900" spc="0" dirty="0">
                         <a:highlight>
@@ -7904,7 +7506,7 @@
                         </a:spcBef>
                       </a:pPr>
                       <a:r>
-                        <a:rPr sz="900" spc="0" dirty="0">
+                        <a:rPr lang="ja-jp" sz="900" spc="0" dirty="0">
                           <a:solidFill>
                             <a:srgbClr val="020302"/>
                           </a:solidFill>
@@ -7914,59 +7516,7 @@
                           <a:latin typeface="AdobeClean-Light"/>
                           <a:cs typeface="AdobeClean-Light"/>
                         </a:rPr>
-                        <a:t>24x7 / </a:t>
-                      </a:r>
-                      <a:r>
-                        <a:rPr lang="en-US" sz="900" spc="0" dirty="0">
-                          <a:solidFill>
-                            <a:srgbClr val="020302"/>
-                          </a:solidFill>
-                          <a:highlight>
-                            <a:srgbClr val="FFFF00"/>
-                          </a:highlight>
-                          <a:latin typeface="AdobeClean-Light"/>
-                          <a:cs typeface="AdobeClean-Light"/>
-                        </a:rPr>
-                        <a:t>       </a:t>
-                      </a:r>
-                      <a:r>
-                        <a:rPr sz="900" spc="0" dirty="0">
-                          <a:solidFill>
-                            <a:srgbClr val="020302"/>
-                          </a:solidFill>
-                          <a:highlight>
-                            <a:srgbClr val="FFFF00"/>
-                          </a:highlight>
-                          <a:latin typeface="AdobeClean-Light"/>
-                          <a:cs typeface="AdobeClean-Light"/>
-                        </a:rPr>
-                        <a:t> 15</a:t>
-                      </a:r>
-                      <a:r>
-                        <a:rPr lang="en-US" sz="900" spc="0" dirty="0">
-                          <a:solidFill>
-                            <a:srgbClr val="020302"/>
-                          </a:solidFill>
-                          <a:highlight>
-                            <a:srgbClr val="FFFF00"/>
-                          </a:highlight>
-                          <a:latin typeface="AdobeClean-Light"/>
-                          <a:cs typeface="AdobeClean-Light"/>
-                        </a:rPr>
-                        <a:t> </a:t>
-                      </a:r>
-                      <a:r>
-                        <a:rPr sz="900" spc="0" dirty="0">
-                          <a:solidFill>
-                            <a:srgbClr val="020302"/>
-                          </a:solidFill>
-                          <a:highlight>
-                            <a:srgbClr val="FFFF00"/>
-                          </a:highlight>
-                          <a:latin typeface="AdobeClean-Light"/>
-                          <a:cs typeface="AdobeClean-Light"/>
-                        </a:rPr>
-                        <a:t>minutes</a:t>
+                        <a:t>全年無休 /         15 分鐘</a:t>
                       </a:r>
                       <a:endParaRPr sz="900" spc="0" dirty="0">
                         <a:highlight>
@@ -8025,14 +7575,14 @@
                         </a:spcBef>
                       </a:pPr>
                       <a:r>
-                        <a:rPr sz="900" b="1" spc="0" dirty="0">
+                        <a:rPr lang="ja-jp" sz="900" b="1" spc="0" dirty="0">
                           <a:solidFill>
                             <a:srgbClr val="020302"/>
                           </a:solidFill>
                           <a:latin typeface="Adobe Clean"/>
                           <a:cs typeface="Adobe Clean"/>
                         </a:rPr>
-                        <a:t>PRIORITY 2</a:t>
+                        <a:t>優先順序 2</a:t>
                       </a:r>
                       <a:endParaRPr sz="900" spc="0" dirty="0">
                         <a:latin typeface="Adobe Clean"/>
@@ -8058,16 +7608,96 @@
                         <a:defRPr/>
                       </a:pPr>
                       <a:r>
-                        <a:rPr lang="en-US" sz="900" b="0" i="0" spc="0" dirty="0">
+                        <a:rPr lang="ja-jp" sz="900" b="0" i="0" spc="-30" baseline="0" dirty="0">
                           <a:solidFill>
                             <a:srgbClr val="000000"/>
                           </a:solidFill>
                           <a:effectLst/>
                           <a:latin typeface="Adobe Clean Light" panose="020B0303020404020204" pitchFamily="34" charset="0"/>
                         </a:rPr>
-                        <a:t>Customer's business functions have major service degradation or potential data loss, or a major feature is impacted.  </a:t>
+                        <a:t>客戶的業務功能發生嚴重的服務降級</a:t>
                       </a:r>
-                      <a:endParaRPr sz="900" b="0" i="0" spc="0" dirty="0">
+                      <a:r>
+                        <a:rPr lang="ja-jp" sz="900" b="0" i="0" spc="-30" baseline="0">
+                          <a:solidFill>
+                            <a:srgbClr val="000000"/>
+                          </a:solidFill>
+                          <a:effectLst/>
+                          <a:latin typeface="Adobe Clean Light" panose="020B0303020404020204" pitchFamily="34" charset="0"/>
+                        </a:rPr>
+                        <a:t>狀況</a:t>
+                      </a:r>
+                      <a:r>
+                        <a:rPr lang="ja-JP" altLang="en-US" sz="900" b="0" i="0" spc="-30" baseline="0">
+                          <a:solidFill>
+                            <a:srgbClr val="000000"/>
+                          </a:solidFill>
+                          <a:effectLst/>
+                          <a:latin typeface="Adobe Clean Light" panose="020B0303020404020204" pitchFamily="34" charset="0"/>
+                        </a:rPr>
+                        <a:t>、</a:t>
+                      </a:r>
+                      <a:r>
+                        <a:rPr lang="ja-jp" sz="900" b="0" i="0" spc="-30" baseline="0">
+                          <a:solidFill>
+                            <a:srgbClr val="000000"/>
+                          </a:solidFill>
+                          <a:effectLst/>
+                          <a:latin typeface="Adobe Clean Light" panose="020B0303020404020204" pitchFamily="34" charset="0"/>
+                        </a:rPr>
+                        <a:t>或</a:t>
+                      </a:r>
+                      <a:r>
+                        <a:rPr lang="ja-jp" sz="900" b="0" i="0" spc="-30" baseline="0" dirty="0">
+                          <a:solidFill>
+                            <a:srgbClr val="000000"/>
+                          </a:solidFill>
+                          <a:effectLst/>
+                          <a:latin typeface="Adobe Clean Light" panose="020B0303020404020204" pitchFamily="34" charset="0"/>
+                        </a:rPr>
+                        <a:t>是可能發生資料</a:t>
+                      </a:r>
+                      <a:r>
+                        <a:rPr lang="ja-jp" sz="900" b="0" i="0" spc="-30" baseline="0">
+                          <a:solidFill>
+                            <a:srgbClr val="000000"/>
+                          </a:solidFill>
+                          <a:effectLst/>
+                          <a:latin typeface="Adobe Clean Light" panose="020B0303020404020204" pitchFamily="34" charset="0"/>
+                        </a:rPr>
+                        <a:t>遺失</a:t>
+                      </a:r>
+                      <a:r>
+                        <a:rPr lang="ja-JP" altLang="en-US" sz="900" b="0" i="0" spc="-30" baseline="0">
+                          <a:solidFill>
+                            <a:srgbClr val="000000"/>
+                          </a:solidFill>
+                          <a:effectLst/>
+                          <a:latin typeface="Adobe Clean Light" panose="020B0303020404020204" pitchFamily="34" charset="0"/>
+                        </a:rPr>
+                        <a:t>、</a:t>
+                      </a:r>
+                      <a:r>
+                        <a:rPr lang="ja-jp" sz="900" b="0" i="0" spc="-30" baseline="0">
+                          <a:solidFill>
+                            <a:srgbClr val="000000"/>
+                          </a:solidFill>
+                          <a:effectLst/>
+                          <a:latin typeface="Adobe Clean Light" panose="020B0303020404020204" pitchFamily="34" charset="0"/>
+                        </a:rPr>
+                        <a:t>或</a:t>
+                      </a:r>
+                      <a:r>
+                        <a:rPr lang="ja-jp" sz="900" b="0" i="0" spc="-30" baseline="0" dirty="0">
+                          <a:solidFill>
+                            <a:srgbClr val="000000"/>
+                          </a:solidFill>
+                          <a:effectLst/>
+                          <a:latin typeface="Adobe Clean Light" panose="020B0303020404020204" pitchFamily="34" charset="0"/>
+                        </a:rPr>
+                        <a:t>是主要功能受到了影響。</a:t>
+                      </a:r>
+                      <a:endParaRPr sz="900" b="0" i="0" spc="-30" baseline="0" dirty="0">
                         <a:latin typeface="Adobe Clean Light" panose="020B0303020404020204" pitchFamily="34" charset="0"/>
                         <a:cs typeface="AdobeClean-Light"/>
                       </a:endParaRPr>
@@ -8117,14 +7747,14 @@
                         </a:spcBef>
                       </a:pPr>
                       <a:r>
-                        <a:rPr lang="en-US" sz="900" spc="0" dirty="0">
+                        <a:rPr lang="ja-jp" sz="900" spc="-50" baseline="0" dirty="0">
                           <a:solidFill>
                             <a:srgbClr val="020302"/>
                           </a:solidFill>
                           <a:latin typeface="AdobeClean-Light"/>
                           <a:cs typeface="AdobeClean-Light"/>
                         </a:rPr>
-                        <a:t>      24x7 /</a:t>
+                        <a:t>      全年無休 /</a:t>
                       </a:r>
                     </a:p>
                     <a:p>
@@ -8137,16 +7767,16 @@
                         </a:spcBef>
                       </a:pPr>
                       <a:r>
-                        <a:rPr lang="en-US" sz="900" spc="0" dirty="0">
+                        <a:rPr lang="ja-jp" sz="900" spc="-50" baseline="0" dirty="0">
                           <a:solidFill>
                             <a:srgbClr val="020302"/>
                           </a:solidFill>
                           <a:latin typeface="AdobeClean-Light"/>
                           <a:cs typeface="AdobeClean-Light"/>
                         </a:rPr>
-                        <a:t>     1 hour</a:t>
+                        <a:t>     1 小時</a:t>
                       </a:r>
-                      <a:endParaRPr lang="en-US" sz="900" spc="0" dirty="0">
+                      <a:endParaRPr lang="en-US" sz="900" spc="-50" baseline="0" dirty="0">
                         <a:latin typeface="AdobeClean-Light"/>
                         <a:cs typeface="AdobeClean-Light"/>
                       </a:endParaRPr>
@@ -8350,24 +7980,14 @@
                         </a:spcBef>
                       </a:pPr>
                       <a:r>
-                        <a:rPr sz="900" b="1" spc="0" dirty="0">
+                        <a:rPr lang="ja-jp" sz="900" b="1" spc="0" dirty="0">
                           <a:solidFill>
                             <a:srgbClr val="020302"/>
                           </a:solidFill>
                           <a:latin typeface="Adobe Clean"/>
                           <a:cs typeface="Adobe Clean"/>
                         </a:rPr>
-                        <a:t>PRIORITY</a:t>
-                      </a:r>
-                      <a:r>
-                        <a:rPr lang="en-US" sz="900" b="1" spc="0" dirty="0">
-                          <a:solidFill>
-                            <a:srgbClr val="020302"/>
-                          </a:solidFill>
-                          <a:latin typeface="Adobe Clean"/>
-                          <a:cs typeface="Adobe Clean"/>
-                        </a:rPr>
-                        <a:t> 3</a:t>
+                        <a:t>優先順序 3</a:t>
                       </a:r>
                       <a:endParaRPr lang="en-US" sz="900" spc="0" dirty="0">
                         <a:latin typeface="Adobe Clean"/>
@@ -8393,7 +8013,7 @@
                         <a:defRPr/>
                       </a:pPr>
                       <a:r>
-                        <a:rPr kumimoji="0" lang="en-US" sz="900" b="0" i="0" u="none" strike="noStrike" kern="1200" cap="none" spc="0" normalizeH="0" baseline="0" noProof="0" dirty="0">
+                        <a:rPr kumimoji="0" lang="ja-jp" sz="900" b="0" i="0" u="none" strike="noStrike" kern="1200" cap="none" spc="0" normalizeH="0" baseline="0" noProof="0" dirty="0">
                           <a:ln>
                             <a:noFill/>
                           </a:ln>
@@ -8407,7 +8027,75 @@
                           <a:ea typeface="+mn-ea"/>
                           <a:cs typeface="+mn-cs"/>
                         </a:rPr>
-                        <a:t>Customer's business functions have minor service degradation but there exists a solution/workaround allowing business functions to continue normally. </a:t>
+                        <a:t>客戶的業務功能發生了輕微服務降級</a:t>
+                      </a:r>
+                      <a:r>
+                        <a:rPr kumimoji="0" lang="ja-jp" sz="900" b="0" i="0" u="none" strike="noStrike" kern="1200" cap="none" spc="0" normalizeH="0" baseline="0" noProof="0">
+                          <a:ln>
+                            <a:noFill/>
+                          </a:ln>
+                          <a:solidFill>
+                            <a:srgbClr val="000000"/>
+                          </a:solidFill>
+                          <a:effectLst/>
+                          <a:uLnTx/>
+                          <a:uFillTx/>
+                          <a:latin typeface="Adobe Clean Light" panose="020B0303020404020204" pitchFamily="34" charset="0"/>
+                          <a:ea typeface="+mn-ea"/>
+                          <a:cs typeface="+mn-cs"/>
+                        </a:rPr>
+                        <a:t>狀況</a:t>
+                      </a:r>
+                      <a:r>
+                        <a:rPr kumimoji="0" lang="ja-JP" altLang="en-US" sz="900" b="0" i="0" u="none" strike="noStrike" kern="1200" cap="none" spc="0" normalizeH="0" baseline="0" noProof="0">
+                          <a:ln>
+                            <a:noFill/>
+                          </a:ln>
+                          <a:solidFill>
+                            <a:srgbClr val="000000"/>
+                          </a:solidFill>
+                          <a:effectLst/>
+                          <a:uLnTx/>
+                          <a:uFillTx/>
+                          <a:latin typeface="Adobe Clean Light" panose="020B0303020404020204" pitchFamily="34" charset="0"/>
+                          <a:ea typeface="+mn-ea"/>
+                          <a:cs typeface="+mn-cs"/>
+                        </a:rPr>
+                        <a:t>、</a:t>
+                      </a:r>
+                      <a:r>
+                        <a:rPr kumimoji="0" lang="ja-jp" sz="900" b="0" i="0" u="none" strike="noStrike" kern="1200" cap="none" spc="0" normalizeH="0" baseline="0" noProof="0">
+                          <a:ln>
+                            <a:noFill/>
+                          </a:ln>
+                          <a:solidFill>
+                            <a:srgbClr val="000000"/>
+                          </a:solidFill>
+                          <a:effectLst/>
+                          <a:uLnTx/>
+                          <a:uFillTx/>
+                          <a:latin typeface="Adobe Clean Light" panose="020B0303020404020204" pitchFamily="34" charset="0"/>
+                          <a:ea typeface="+mn-ea"/>
+                          <a:cs typeface="+mn-cs"/>
+                        </a:rPr>
+                        <a:t>但</a:t>
+                      </a:r>
+                      <a:r>
+                        <a:rPr kumimoji="0" lang="ja-jp" sz="900" b="0" i="0" u="none" strike="noStrike" kern="1200" cap="none" spc="0" normalizeH="0" baseline="0" noProof="0" dirty="0">
+                          <a:ln>
+                            <a:noFill/>
+                          </a:ln>
+                          <a:solidFill>
+                            <a:srgbClr val="000000"/>
+                          </a:solidFill>
+                          <a:effectLst/>
+                          <a:uLnTx/>
+                          <a:uFillTx/>
+                          <a:latin typeface="Adobe Clean Light" panose="020B0303020404020204" pitchFamily="34" charset="0"/>
+                          <a:ea typeface="+mn-ea"/>
+                          <a:cs typeface="+mn-cs"/>
+                        </a:rPr>
+                        <a:t>有解決/變通方法讓業務功能得以繼續正常運作。</a:t>
                       </a:r>
                       <a:endParaRPr lang="en-US" sz="900" b="0" i="0" spc="0" dirty="0">
                         <a:latin typeface="Adobe Clean Light" panose="020B0303020404020204" pitchFamily="34" charset="0"/>
@@ -8462,14 +8150,14 @@
                         </a:tabLst>
                       </a:pPr>
                       <a:r>
-                        <a:rPr lang="en-US" sz="900" spc="0" dirty="0">
+                        <a:rPr lang="ja-jp" sz="900" spc="0" dirty="0">
                           <a:solidFill>
                             <a:srgbClr val="020302"/>
                           </a:solidFill>
                           <a:latin typeface="AdobeClean-Light"/>
                           <a:cs typeface="AdobeClean-Light"/>
                         </a:rPr>
-                        <a:t>Business day /   </a:t>
+                        <a:t>營業日 / </a:t>
                       </a:r>
                     </a:p>
                     <a:p>
@@ -8482,14 +8170,14 @@
                         </a:spcBef>
                       </a:pPr>
                       <a:r>
-                        <a:rPr lang="en-US" sz="900" spc="0" dirty="0">
+                        <a:rPr lang="ja-jp" sz="900" spc="0" dirty="0">
                           <a:solidFill>
                             <a:srgbClr val="020302"/>
                           </a:solidFill>
                           <a:latin typeface="AdobeClean-Light"/>
                           <a:cs typeface="AdobeClean-Light"/>
                         </a:rPr>
-                        <a:t>4 hours</a:t>
+                        <a:t>4 小時</a:t>
                       </a:r>
                       <a:endParaRPr lang="en-US" sz="900" spc="0" dirty="0">
                         <a:latin typeface="AdobeClean-Light"/>
@@ -8695,14 +8383,14 @@
                         </a:spcBef>
                       </a:pPr>
                       <a:r>
-                        <a:rPr sz="900" b="1" spc="0" dirty="0">
+                        <a:rPr lang="ja-jp" sz="900" b="1" spc="0" dirty="0">
                           <a:solidFill>
                             <a:srgbClr val="020302"/>
                           </a:solidFill>
                           <a:latin typeface="Adobe Clean"/>
                           <a:cs typeface="Adobe Clean"/>
                         </a:rPr>
-                        <a:t>PRIORITY 4</a:t>
+                        <a:t>優先順序 4</a:t>
                       </a:r>
                       <a:endParaRPr sz="900" spc="0" dirty="0">
                         <a:latin typeface="Adobe Clean"/>
@@ -8728,14 +8416,14 @@
                         <a:defRPr/>
                       </a:pPr>
                       <a:r>
-                        <a:rPr lang="en-US" sz="900" b="0" i="0" spc="0" dirty="0">
+                        <a:rPr lang="ja-jp" sz="900" b="0" i="0" spc="0" dirty="0">
                           <a:solidFill>
                             <a:srgbClr val="000000"/>
                           </a:solidFill>
                           <a:effectLst/>
                           <a:latin typeface="Adobe Clean Light" panose="020B0303020404020204" pitchFamily="34" charset="0"/>
                         </a:rPr>
-                        <a:t>General question regarding current product functionality or an enhancement request.</a:t>
+                        <a:t>有關目前產品功能或增強要求的一般性問題。</a:t>
                       </a:r>
                       <a:endParaRPr sz="900" b="0" i="0" spc="0" dirty="0">
                         <a:latin typeface="Adobe Clean Light" panose="020B0303020404020204" pitchFamily="34" charset="0"/>
@@ -8790,14 +8478,14 @@
                         </a:tabLst>
                       </a:pPr>
                       <a:r>
-                        <a:rPr lang="en-US" sz="900" spc="0" dirty="0">
+                        <a:rPr lang="ja-jp" sz="900" spc="0" dirty="0">
                           <a:solidFill>
                             <a:srgbClr val="020302"/>
                           </a:solidFill>
                           <a:latin typeface="AdobeClean-Light"/>
                           <a:cs typeface="AdobeClean-Light"/>
                         </a:rPr>
-                        <a:t>  Business day /   </a:t>
+                        <a:t>營業日 / </a:t>
                       </a:r>
                     </a:p>
                     <a:p>
@@ -8810,14 +8498,14 @@
                         </a:spcBef>
                       </a:pPr>
                       <a:r>
-                        <a:rPr lang="en-US" sz="900" spc="0" dirty="0">
+                        <a:rPr lang="ja-jp" sz="900" spc="0" dirty="0">
                           <a:solidFill>
                             <a:srgbClr val="020302"/>
                           </a:solidFill>
                           <a:latin typeface="AdobeClean-Light"/>
                           <a:cs typeface="AdobeClean-Light"/>
                         </a:rPr>
-                        <a:t>1 day </a:t>
+                        <a:t>1 天</a:t>
                       </a:r>
                       <a:endParaRPr lang="en-US" sz="900" spc="0" dirty="0">
                         <a:latin typeface="AdobeClean-Light"/>
@@ -9100,14 +8788,14 @@
               </a:spcBef>
             </a:pPr>
             <a:r>
-              <a:rPr lang="en-US" sz="1400" b="1" spc="-10" dirty="0">
+              <a:rPr lang="ja-jp" sz="1400" b="1" spc="-10" dirty="0">
                 <a:solidFill>
                   <a:srgbClr val="020302"/>
                 </a:solidFill>
                 <a:latin typeface="Adobe Clean"/>
                 <a:cs typeface="Adobe Clean"/>
               </a:rPr>
-              <a:t>Enterprise Support Features</a:t>
+              <a:t>企業支援特色</a:t>
             </a:r>
             <a:endParaRPr lang="en-US" sz="1400" dirty="0">
               <a:latin typeface="Adobe Clean"/>
@@ -9152,144 +8840,24 @@
               </a:spcBef>
             </a:pPr>
             <a:r>
-              <a:rPr sz="1200" b="1" spc="-20" dirty="0">
+              <a:rPr lang="ja-jp" sz="1200" b="1" spc="-20" dirty="0">
                 <a:solidFill>
                   <a:srgbClr val="020302"/>
                 </a:solidFill>
                 <a:latin typeface="Adobe Clean"/>
                 <a:cs typeface="Adobe Clean"/>
               </a:rPr>
-              <a:t>S</a:t>
-            </a:r>
-            <a:r>
-              <a:rPr sz="1200" b="1" spc="-25" dirty="0">
+              <a:t>服務審查</a:t>
+            </a:r>
+            <a:r>
+              <a:rPr lang="ja-jp" sz="1200" b="1" spc="-80" dirty="0">
                 <a:solidFill>
                   <a:srgbClr val="020302"/>
                 </a:solidFill>
                 <a:latin typeface="Adobe Clean"/>
                 <a:cs typeface="Adobe Clean"/>
               </a:rPr>
-              <a:t>e</a:t>
-            </a:r>
-            <a:r>
-              <a:rPr sz="1200" b="1" spc="-20" dirty="0">
-                <a:solidFill>
-                  <a:srgbClr val="020302"/>
-                </a:solidFill>
-                <a:latin typeface="Adobe Clean"/>
-                <a:cs typeface="Adobe Clean"/>
-              </a:rPr>
-              <a:t>r</a:t>
-            </a:r>
-            <a:r>
-              <a:rPr sz="1200" b="1" spc="-25" dirty="0">
-                <a:solidFill>
-                  <a:srgbClr val="020302"/>
-                </a:solidFill>
-                <a:latin typeface="Adobe Clean"/>
-                <a:cs typeface="Adobe Clean"/>
-              </a:rPr>
-              <a:t>v</a:t>
-            </a:r>
-            <a:r>
-              <a:rPr sz="1200" b="1" spc="-20" dirty="0">
-                <a:solidFill>
-                  <a:srgbClr val="020302"/>
-                </a:solidFill>
-                <a:latin typeface="Adobe Clean"/>
-                <a:cs typeface="Adobe Clean"/>
-              </a:rPr>
-              <a:t>i</a:t>
-            </a:r>
-            <a:r>
-              <a:rPr sz="1200" b="1" spc="-30" dirty="0">
-                <a:solidFill>
-                  <a:srgbClr val="020302"/>
-                </a:solidFill>
-                <a:latin typeface="Adobe Clean"/>
-                <a:cs typeface="Adobe Clean"/>
-              </a:rPr>
-              <a:t>c</a:t>
-            </a:r>
-            <a:r>
-              <a:rPr sz="1200" b="1" dirty="0">
-                <a:solidFill>
-                  <a:srgbClr val="020302"/>
-                </a:solidFill>
-                <a:latin typeface="Adobe Clean"/>
-                <a:cs typeface="Adobe Clean"/>
-              </a:rPr>
-              <a:t>e</a:t>
-            </a:r>
-            <a:r>
-              <a:rPr sz="1200" b="1" spc="-80" dirty="0">
-                <a:solidFill>
-                  <a:srgbClr val="020302"/>
-                </a:solidFill>
-                <a:latin typeface="Adobe Clean"/>
-                <a:cs typeface="Adobe Clean"/>
-              </a:rPr>
               <a:t> </a:t>
-            </a:r>
-            <a:r>
-              <a:rPr sz="1200" b="1" spc="-20" dirty="0">
-                <a:solidFill>
-                  <a:srgbClr val="020302"/>
-                </a:solidFill>
-                <a:latin typeface="Adobe Clean"/>
-                <a:cs typeface="Adobe Clean"/>
-              </a:rPr>
-              <a:t>R</a:t>
-            </a:r>
-            <a:r>
-              <a:rPr sz="1200" b="1" spc="-25" dirty="0">
-                <a:solidFill>
-                  <a:srgbClr val="020302"/>
-                </a:solidFill>
-                <a:latin typeface="Adobe Clean"/>
-                <a:cs typeface="Adobe Clean"/>
-              </a:rPr>
-              <a:t>e</a:t>
-            </a:r>
-            <a:r>
-              <a:rPr sz="1200" b="1" spc="-30" dirty="0">
-                <a:solidFill>
-                  <a:srgbClr val="020302"/>
-                </a:solidFill>
-                <a:latin typeface="Adobe Clean"/>
-                <a:cs typeface="Adobe Clean"/>
-              </a:rPr>
-              <a:t>v</a:t>
-            </a:r>
-            <a:r>
-              <a:rPr sz="1200" b="1" spc="-20" dirty="0">
-                <a:solidFill>
-                  <a:srgbClr val="020302"/>
-                </a:solidFill>
-                <a:latin typeface="Adobe Clean"/>
-                <a:cs typeface="Adobe Clean"/>
-              </a:rPr>
-              <a:t>i</a:t>
-            </a:r>
-            <a:r>
-              <a:rPr sz="1200" b="1" spc="-25" dirty="0">
-                <a:solidFill>
-                  <a:srgbClr val="020302"/>
-                </a:solidFill>
-                <a:latin typeface="Adobe Clean"/>
-                <a:cs typeface="Adobe Clean"/>
-              </a:rPr>
-              <a:t>ew</a:t>
-            </a:r>
-            <a:r>
-              <a:rPr sz="1200" b="1" dirty="0">
-                <a:solidFill>
-                  <a:srgbClr val="020302"/>
-                </a:solidFill>
-                <a:latin typeface="Adobe Clean"/>
-                <a:cs typeface="Adobe Clean"/>
-              </a:rPr>
-              <a:t>s</a:t>
             </a:r>
             <a:endParaRPr sz="1200" dirty="0">
               <a:latin typeface="Adobe Clean"/>
@@ -9334,10 +8902,10 @@
               </a:spcBef>
             </a:pPr>
             <a:r>
-              <a:rPr lang="en-US" sz="1000" dirty="0">
+              <a:rPr lang="ja-jp" sz="1000" dirty="0">
                 <a:latin typeface="Adobe Clean Light" panose="020B0303020404020204" pitchFamily="34" charset="0"/>
               </a:rPr>
-              <a:t>Comprehensive bi-annual review of Enterprise program services, benefits and support performance. May be combined with other strategic business reviews held with Adobe.</a:t>
+              <a:t>每兩年對企業計劃服務、權益和支援績效進行一次全面審查。可與 Adobe 舉行的其他策略業務審查結合使用。</a:t>
             </a:r>
             <a:endParaRPr lang="en-US" sz="1000" dirty="0">
               <a:latin typeface="Adobe Clean Light" panose="020B0303020404020204" pitchFamily="34" charset="0"/>
@@ -9382,94 +8950,14 @@
               </a:spcBef>
             </a:pPr>
             <a:r>
-              <a:rPr lang="en-US" sz="1200" b="1" spc="-20" dirty="0">
+              <a:rPr lang="ja-jp" sz="1200" b="1" spc="-20" dirty="0">
                 <a:solidFill>
                   <a:srgbClr val="020302"/>
                 </a:solidFill>
                 <a:latin typeface="Adobe Clean"/>
                 <a:cs typeface="Adobe Clean"/>
               </a:rPr>
-              <a:t>Cas</a:t>
-            </a:r>
-            <a:r>
-              <a:rPr sz="1200" b="1" dirty="0">
-                <a:solidFill>
-                  <a:srgbClr val="020302"/>
-                </a:solidFill>
-                <a:latin typeface="Adobe Clean"/>
-                <a:cs typeface="Adobe Clean"/>
-              </a:rPr>
-              <a:t>e</a:t>
-            </a:r>
-            <a:r>
-              <a:rPr sz="1200" b="1" spc="-80" dirty="0">
-                <a:solidFill>
-                  <a:srgbClr val="020302"/>
-                </a:solidFill>
-                <a:latin typeface="Adobe Clean"/>
-                <a:cs typeface="Adobe Clean"/>
-              </a:rPr>
-              <a:t> </a:t>
-            </a:r>
-            <a:r>
-              <a:rPr sz="1200" b="1" spc="-20" dirty="0">
-                <a:solidFill>
-                  <a:srgbClr val="020302"/>
-                </a:solidFill>
-                <a:latin typeface="Adobe Clean"/>
-                <a:cs typeface="Adobe Clean"/>
-              </a:rPr>
-              <a:t>R</a:t>
-            </a:r>
-            <a:r>
-              <a:rPr sz="1200" b="1" spc="-25" dirty="0">
-                <a:solidFill>
-                  <a:srgbClr val="020302"/>
-                </a:solidFill>
-                <a:latin typeface="Adobe Clean"/>
-                <a:cs typeface="Adobe Clean"/>
-              </a:rPr>
-              <a:t>e</a:t>
-            </a:r>
-            <a:r>
-              <a:rPr sz="1200" b="1" spc="-30" dirty="0">
-                <a:solidFill>
-                  <a:srgbClr val="020302"/>
-                </a:solidFill>
-                <a:latin typeface="Adobe Clean"/>
-                <a:cs typeface="Adobe Clean"/>
-              </a:rPr>
-              <a:t>v</a:t>
-            </a:r>
-            <a:r>
-              <a:rPr sz="1200" b="1" spc="-20" dirty="0">
-                <a:solidFill>
-                  <a:srgbClr val="020302"/>
-                </a:solidFill>
-                <a:latin typeface="Adobe Clean"/>
-                <a:cs typeface="Adobe Clean"/>
-              </a:rPr>
-              <a:t>i</a:t>
-            </a:r>
-            <a:r>
-              <a:rPr sz="1200" b="1" spc="-25" dirty="0">
-                <a:solidFill>
-                  <a:srgbClr val="020302"/>
-                </a:solidFill>
-                <a:latin typeface="Adobe Clean"/>
-                <a:cs typeface="Adobe Clean"/>
-              </a:rPr>
-              <a:t>ew</a:t>
-            </a:r>
-            <a:r>
-              <a:rPr sz="1200" b="1" dirty="0">
-                <a:solidFill>
-                  <a:srgbClr val="020302"/>
-                </a:solidFill>
-                <a:latin typeface="Adobe Clean"/>
-                <a:cs typeface="Adobe Clean"/>
-              </a:rPr>
-              <a:t>s</a:t>
+              <a:t>案件審查</a:t>
             </a:r>
             <a:endParaRPr sz="1200" dirty="0">
               <a:latin typeface="Adobe Clean"/>
@@ -9493,7 +8981,7 @@
         <p:spPr>
           <a:xfrm>
             <a:off x="5356260" y="3033091"/>
-            <a:ext cx="2231236" cy="782265"/>
+            <a:ext cx="2231236" cy="628377"/>
           </a:xfrm>
           <a:prstGeom prst="rect">
             <a:avLst/>
@@ -9514,19 +9002,43 @@
               </a:spcBef>
             </a:pPr>
             <a:r>
-              <a:rPr lang="en-US" sz="1000" dirty="0">
+              <a:rPr lang="ja-jp" sz="1000" dirty="0">
                 <a:latin typeface="Adobe Clean Light" panose="020B0303020404020204" pitchFamily="34" charset="0"/>
               </a:rPr>
-              <a:t>Regularly scheduled reviews of open support requests, ensuring customer alignment on case description, business impact, status, priority and agreement on next steps required to ensure a timely resolution</a:t>
-            </a:r>
-            <a:r>
-              <a:rPr lang="en-US" sz="1000" dirty="0">
+              <a:t>定期審查未解決的支援</a:t>
+            </a:r>
+            <a:r>
+              <a:rPr lang="ja-jp" sz="1000">
+                <a:latin typeface="Adobe Clean Light" panose="020B0303020404020204" pitchFamily="34" charset="0"/>
+              </a:rPr>
+              <a:t>請求</a:t>
+            </a:r>
+            <a:r>
+              <a:rPr lang="ja-JP" altLang="en-US" sz="1000">
+                <a:latin typeface="Adobe Clean Light" panose="020B0303020404020204" pitchFamily="34" charset="0"/>
+              </a:rPr>
+              <a:t>、</a:t>
+            </a:r>
+            <a:r>
+              <a:rPr lang="ja-jp" sz="1000">
+                <a:latin typeface="Adobe Clean Light" panose="020B0303020404020204" pitchFamily="34" charset="0"/>
+              </a:rPr>
+              <a:t>以</a:t>
+            </a:r>
+            <a:r>
+              <a:rPr lang="ja-jp" sz="1000" dirty="0">
+                <a:latin typeface="Adobe Clean Light" panose="020B0303020404020204" pitchFamily="34" charset="0"/>
+              </a:rPr>
+              <a:t>確保客戶在案件描述、業務影響、狀態、優先順序及確保及時解決所需的後續步驟方面都達成一致</a:t>
+            </a:r>
+            <a:r>
+              <a:rPr lang="ja-jp" sz="1000" dirty="0">
                 <a:solidFill>
                   <a:srgbClr val="4B4B4B"/>
                 </a:solidFill>
                 <a:latin typeface="Adobe Clean Light" panose="020B0303020404020204" pitchFamily="34" charset="0"/>
               </a:rPr>
-              <a:t>.</a:t>
+              <a:t>。</a:t>
             </a:r>
             <a:endParaRPr sz="1000" dirty="0">
               <a:latin typeface="Adobe Clean Light" panose="020B0303020404020204" pitchFamily="34" charset="0"/>
@@ -9746,14 +9258,14 @@
               </a:spcBef>
             </a:pPr>
             <a:r>
-              <a:rPr lang="en-US" sz="1400" b="1" spc="-10" dirty="0">
+              <a:rPr lang="ja-jp" sz="1400" b="1" spc="-10" dirty="0">
                 <a:solidFill>
                   <a:srgbClr val="020302"/>
                 </a:solidFill>
                 <a:latin typeface="Adobe Clean"/>
                 <a:cs typeface="Adobe Clean"/>
               </a:rPr>
-              <a:t>Standard Support Features</a:t>
+              <a:t>標準支援特色</a:t>
             </a:r>
             <a:endParaRPr lang="en-US" sz="1400" dirty="0">
               <a:latin typeface="Adobe Clean"/>
@@ -9943,14 +9455,14 @@
               </a:spcBef>
             </a:pPr>
             <a:r>
-              <a:rPr lang="en-US" sz="1200" b="1" spc="-20">
+              <a:rPr lang="ja-jp" sz="1200" b="1" spc="-20">
                 <a:solidFill>
                   <a:srgbClr val="020302"/>
                 </a:solidFill>
                 <a:latin typeface="Adobe Clean"/>
                 <a:cs typeface="Adobe Clean"/>
               </a:rPr>
-              <a:t>In-Region Support Option</a:t>
+              <a:t>區域內支援選項</a:t>
             </a:r>
             <a:endParaRPr lang="en-US" sz="1200">
               <a:latin typeface="Adobe Clean"/>
@@ -9994,10 +9506,10 @@
               </a:spcBef>
             </a:pPr>
             <a:r>
-              <a:rPr lang="en-US" sz="1000" dirty="0">
+              <a:rPr lang="ja-jp" sz="1000" dirty="0">
                 <a:latin typeface="Adobe Clean Light" panose="020B0303020404020204" pitchFamily="34" charset="0"/>
               </a:rPr>
-              <a:t>Receive support from members of our Adobe Support Team located within your global region. This may include in-country and/or in-language support. </a:t>
+              <a:t>獲得位於全球區域內的 Adobe 支援團隊成員的支援。這可能包括國內和/或語言支援。</a:t>
             </a:r>
           </a:p>
         </p:txBody>
@@ -10095,12 +9607,12 @@
               </a:spcAft>
             </a:pPr>
             <a:r>
-              <a:rPr lang="en-US" sz="1200" b="1" dirty="0">
+              <a:rPr lang="ja-jp" sz="1200" b="1" dirty="0">
                 <a:latin typeface="Adobe Clean" panose="020B0503020404020204" pitchFamily="34" charset="0"/>
                 <a:ea typeface="Open Sans" pitchFamily="34" charset="0"/>
                 <a:cs typeface="Open Sans" pitchFamily="34" charset="0"/>
               </a:rPr>
-              <a:t>Community Forums</a:t>
+              <a:t>社群論壇</a:t>
             </a:r>
           </a:p>
         </p:txBody>
@@ -10120,7 +9632,7 @@
         <p:spPr>
           <a:xfrm>
             <a:off x="405282" y="7089855"/>
-            <a:ext cx="2148840" cy="959237"/>
+            <a:ext cx="2148840" cy="651460"/>
           </a:xfrm>
           <a:prstGeom prst="rect">
             <a:avLst/>
@@ -10133,13 +9645,49 @@
           <a:lstStyle/>
           <a:p>
             <a:r>
-              <a:rPr lang="en-US" sz="1000" dirty="0">
+              <a:rPr lang="ja-jp" sz="1000" spc="-20" dirty="0">
                 <a:solidFill>
                   <a:srgbClr val="000000"/>
                 </a:solidFill>
                 <a:latin typeface="Adobe Clean Light" panose="020B0303020404020204" pitchFamily="34" charset="0"/>
               </a:rPr>
-              <a:t>Continuous online access to a growing database of technical solutions, product documentation, FAQs and more. Connect with other customers on Adobe Community to share best practices and lessons learned..</a:t>
+              <a:t>可持續在線上存取不斷增加的技術解決方案、產品文件、常見問答等內容的資料庫。與 Adobe 社群上的其他客戶</a:t>
+            </a:r>
+            <a:r>
+              <a:rPr lang="ja-jp" sz="1000" spc="-20">
+                <a:solidFill>
+                  <a:srgbClr val="000000"/>
+                </a:solidFill>
+                <a:latin typeface="Adobe Clean Light" panose="020B0303020404020204" pitchFamily="34" charset="0"/>
+              </a:rPr>
+              <a:t>交流</a:t>
+            </a:r>
+            <a:r>
+              <a:rPr lang="ja-JP" altLang="en-US" sz="1000" spc="-20">
+                <a:solidFill>
+                  <a:srgbClr val="000000"/>
+                </a:solidFill>
+                <a:latin typeface="Adobe Clean Light" panose="020B0303020404020204" pitchFamily="34" charset="0"/>
+              </a:rPr>
+              <a:t>、</a:t>
+            </a:r>
+            <a:r>
+              <a:rPr lang="ja-jp" sz="1000" spc="-20">
+                <a:solidFill>
+                  <a:srgbClr val="000000"/>
+                </a:solidFill>
+                <a:latin typeface="Adobe Clean Light" panose="020B0303020404020204" pitchFamily="34" charset="0"/>
+              </a:rPr>
+              <a:t>彼</a:t>
+            </a:r>
+            <a:r>
+              <a:rPr lang="ja-jp" sz="1000" spc="-20" dirty="0">
+                <a:solidFill>
+                  <a:srgbClr val="000000"/>
+                </a:solidFill>
+                <a:latin typeface="Adobe Clean Light" panose="020B0303020404020204" pitchFamily="34" charset="0"/>
+              </a:rPr>
+              <a:t>此分享學到的最佳實務和經驗教訓。</a:t>
             </a:r>
           </a:p>
         </p:txBody>
@@ -10182,12 +9730,12 @@
               </a:spcAft>
             </a:pPr>
             <a:r>
-              <a:rPr lang="en-US" sz="1200" b="1" dirty="0">
+              <a:rPr lang="ja-jp" sz="1200" b="1" dirty="0">
                 <a:latin typeface="Adobe Clean" panose="020B0503020404020204" pitchFamily="34" charset="0"/>
                 <a:ea typeface="Open Sans" pitchFamily="34" charset="0"/>
                 <a:cs typeface="Open Sans" pitchFamily="34" charset="0"/>
               </a:rPr>
-              <a:t>Self-Help Portal</a:t>
+              <a:t>自助式入口網站</a:t>
             </a:r>
           </a:p>
         </p:txBody>
@@ -10207,7 +9755,7 @@
         <p:spPr>
           <a:xfrm>
             <a:off x="2894025" y="7079726"/>
-            <a:ext cx="2148840" cy="805349"/>
+            <a:ext cx="2257838" cy="497572"/>
           </a:xfrm>
           <a:prstGeom prst="rect">
             <a:avLst/>
@@ -10220,13 +9768,121 @@
           <a:lstStyle/>
           <a:p>
             <a:r>
-              <a:rPr lang="en-US" sz="1000" dirty="0">
+              <a:rPr lang="ja-jp" sz="1000" dirty="0">
                 <a:solidFill>
                   <a:srgbClr val="000000"/>
                 </a:solidFill>
                 <a:latin typeface="Adobe Clean Light" panose="020B0303020404020204" pitchFamily="34" charset="0"/>
               </a:rPr>
-              <a:t>On-demand access to the online Self-help Support Portal review case status, and browse other resources, like our  news and alerts, knowledge base, featured tips, and more.</a:t>
+              <a:t>隨需存取線上自助式支援入口</a:t>
+            </a:r>
+            <a:r>
+              <a:rPr lang="ja-jp" sz="1000">
+                <a:solidFill>
+                  <a:srgbClr val="000000"/>
+                </a:solidFill>
+                <a:latin typeface="Adobe Clean Light" panose="020B0303020404020204" pitchFamily="34" charset="0"/>
+              </a:rPr>
+              <a:t>網站</a:t>
+            </a:r>
+            <a:r>
+              <a:rPr lang="ja-JP" altLang="en-US" sz="1000">
+                <a:solidFill>
+                  <a:srgbClr val="000000"/>
+                </a:solidFill>
+                <a:latin typeface="Adobe Clean Light" panose="020B0303020404020204" pitchFamily="34" charset="0"/>
+              </a:rPr>
+              <a:t>、</a:t>
+            </a:r>
+            <a:r>
+              <a:rPr lang="ja-jp" sz="1000">
+                <a:solidFill>
+                  <a:srgbClr val="000000"/>
+                </a:solidFill>
+                <a:latin typeface="Adobe Clean Light" panose="020B0303020404020204" pitchFamily="34" charset="0"/>
+              </a:rPr>
+              <a:t>以</a:t>
+            </a:r>
+            <a:r>
+              <a:rPr lang="ja-jp" sz="1000" dirty="0">
+                <a:solidFill>
+                  <a:srgbClr val="000000"/>
+                </a:solidFill>
+                <a:latin typeface="Adobe Clean Light" panose="020B0303020404020204" pitchFamily="34" charset="0"/>
+              </a:rPr>
+              <a:t>檢閱案件</a:t>
+            </a:r>
+            <a:r>
+              <a:rPr lang="ja-jp" sz="1000">
+                <a:solidFill>
+                  <a:srgbClr val="000000"/>
+                </a:solidFill>
+                <a:latin typeface="Adobe Clean Light" panose="020B0303020404020204" pitchFamily="34" charset="0"/>
+              </a:rPr>
+              <a:t>狀態</a:t>
+            </a:r>
+            <a:r>
+              <a:rPr lang="ja-JP" altLang="en-US" sz="1000">
+                <a:solidFill>
+                  <a:srgbClr val="000000"/>
+                </a:solidFill>
+                <a:latin typeface="Adobe Clean Light" panose="020B0303020404020204" pitchFamily="34" charset="0"/>
+              </a:rPr>
+              <a:t>、</a:t>
+            </a:r>
+            <a:r>
+              <a:rPr lang="ja-jp" sz="1000">
+                <a:solidFill>
+                  <a:srgbClr val="000000"/>
+                </a:solidFill>
+                <a:latin typeface="Adobe Clean Light" panose="020B0303020404020204" pitchFamily="34" charset="0"/>
+              </a:rPr>
+              <a:t>並</a:t>
+            </a:r>
+            <a:r>
+              <a:rPr lang="ja-jp" sz="1000" dirty="0">
+                <a:solidFill>
+                  <a:srgbClr val="000000"/>
+                </a:solidFill>
+                <a:latin typeface="Adobe Clean Light" panose="020B0303020404020204" pitchFamily="34" charset="0"/>
+              </a:rPr>
+              <a:t>瀏覽其他</a:t>
+            </a:r>
+            <a:r>
+              <a:rPr lang="ja-jp" sz="1000">
+                <a:solidFill>
+                  <a:srgbClr val="000000"/>
+                </a:solidFill>
+                <a:latin typeface="Adobe Clean Light" panose="020B0303020404020204" pitchFamily="34" charset="0"/>
+              </a:rPr>
+              <a:t>資源</a:t>
+            </a:r>
+            <a:r>
+              <a:rPr lang="ja-JP" altLang="en-US" sz="1000">
+                <a:solidFill>
+                  <a:srgbClr val="000000"/>
+                </a:solidFill>
+                <a:latin typeface="Adobe Clean Light" panose="020B0303020404020204" pitchFamily="34" charset="0"/>
+              </a:rPr>
+              <a:t>、</a:t>
+            </a:r>
+            <a:r>
+              <a:rPr lang="ja-jp" sz="1000">
+                <a:solidFill>
+                  <a:srgbClr val="000000"/>
+                </a:solidFill>
+                <a:latin typeface="Adobe Clean Light" panose="020B0303020404020204" pitchFamily="34" charset="0"/>
+              </a:rPr>
+              <a:t>像</a:t>
+            </a:r>
+            <a:r>
+              <a:rPr lang="ja-jp" sz="1000" dirty="0">
+                <a:solidFill>
+                  <a:srgbClr val="000000"/>
+                </a:solidFill>
+                <a:latin typeface="Adobe Clean Light" panose="020B0303020404020204" pitchFamily="34" charset="0"/>
+              </a:rPr>
+              <a:t>是我們的新聞與提醒、知識庫、特定的提示等。</a:t>
             </a:r>
           </a:p>
         </p:txBody>
@@ -10270,104 +9926,64 @@
               </a:tabLst>
             </a:pPr>
             <a:r>
-              <a:rPr lang="en-US" sz="1000" spc="-20" dirty="0">
+              <a:rPr lang="ja-jp" sz="1000" spc="-20" dirty="0">
                 <a:solidFill>
                   <a:srgbClr val="020302"/>
                 </a:solidFill>
                 <a:latin typeface="AdobeClean-Light"/>
                 <a:cs typeface="AdobeClean-Light"/>
               </a:rPr>
-              <a:t>Authorized Users (Admins) can start a chat session with Adobe Support </a:t>
-            </a:r>
-            <a:r>
-              <a:rPr lang="en-US" sz="1000" spc="-5" dirty="0">
+              <a:t>授權的使用者 (管理員) 可與 Adobe Support 開始聊天式</a:t>
+            </a:r>
+            <a:r>
+              <a:rPr lang="ja-jp" sz="1000" spc="-20">
                 <a:solidFill>
                   <a:srgbClr val="020302"/>
                 </a:solidFill>
                 <a:latin typeface="AdobeClean-Light"/>
                 <a:cs typeface="AdobeClean-Light"/>
               </a:rPr>
-              <a:t>to </a:t>
-            </a:r>
-            <a:r>
-              <a:rPr lang="en-US" sz="1000" spc="-10" dirty="0">
+              <a:t>諮詢</a:t>
+            </a:r>
+            <a:r>
+              <a:rPr lang="ja-JP" altLang="en-US" sz="1000" spc="-5">
                 <a:solidFill>
                   <a:srgbClr val="020302"/>
                 </a:solidFill>
                 <a:latin typeface="AdobeClean-Light"/>
                 <a:cs typeface="AdobeClean-Light"/>
               </a:rPr>
-              <a:t>get </a:t>
-            </a:r>
-            <a:r>
-              <a:rPr lang="en-US" sz="1000" spc="-20" dirty="0">
+              <a:t>、</a:t>
+            </a:r>
+            <a:r>
+              <a:rPr lang="ja-jp" sz="1000" spc="-10">
                 <a:solidFill>
                   <a:srgbClr val="020302"/>
                 </a:solidFill>
                 <a:latin typeface="AdobeClean-Light"/>
                 <a:cs typeface="AdobeClean-Light"/>
               </a:rPr>
-              <a:t>answers</a:t>
-            </a:r>
-            <a:r>
-              <a:rPr lang="en-US" sz="1000" spc="-45" dirty="0">
+              <a:t>以</a:t>
+            </a:r>
+            <a:r>
+              <a:rPr lang="ja-jp" sz="1000" spc="-10" dirty="0">
                 <a:solidFill>
                   <a:srgbClr val="020302"/>
                 </a:solidFill>
                 <a:latin typeface="AdobeClean-Light"/>
                 <a:cs typeface="AdobeClean-Light"/>
               </a:rPr>
-              <a:t> and </a:t>
-            </a:r>
-            <a:r>
-              <a:rPr lang="en-US" sz="1000" spc="-15" dirty="0">
+              <a:t>獲得</a:t>
+            </a:r>
+            <a:r>
+              <a:rPr lang="ja-jp" sz="1000" spc="-20" dirty="0">
                 <a:solidFill>
                   <a:srgbClr val="020302"/>
                 </a:solidFill>
                 <a:latin typeface="AdobeClean-Light"/>
                 <a:cs typeface="AdobeClean-Light"/>
               </a:rPr>
-              <a:t>help </a:t>
-            </a:r>
-            <a:r>
-              <a:rPr lang="en-US" sz="1000" spc="-10" dirty="0">
-                <a:solidFill>
-                  <a:srgbClr val="020302"/>
-                </a:solidFill>
-                <a:latin typeface="AdobeClean-Light"/>
-                <a:cs typeface="AdobeClean-Light"/>
-              </a:rPr>
-              <a:t>with</a:t>
-            </a:r>
-            <a:r>
-              <a:rPr lang="en-US" sz="1000" spc="85" dirty="0">
-                <a:solidFill>
-                  <a:srgbClr val="020302"/>
-                </a:solidFill>
-                <a:latin typeface="AdobeClean-Light"/>
-                <a:cs typeface="AdobeClean-Light"/>
-              </a:rPr>
-              <a:t> </a:t>
-            </a:r>
-            <a:r>
-              <a:rPr lang="en-US" sz="1000" spc="-10" dirty="0">
-                <a:solidFill>
-                  <a:srgbClr val="020302"/>
-                </a:solidFill>
-                <a:latin typeface="AdobeClean-Light"/>
-                <a:cs typeface="AdobeClean-Light"/>
-              </a:rPr>
-              <a:t>case </a:t>
-            </a:r>
-            <a:r>
-              <a:rPr lang="en-US" sz="1000" spc="-20" dirty="0">
-                <a:solidFill>
-                  <a:srgbClr val="020302"/>
-                </a:solidFill>
-                <a:latin typeface="AdobeClean-Light"/>
-                <a:cs typeface="AdobeClean-Light"/>
-              </a:rPr>
-              <a:t>submission.</a:t>
+              <a:t>案件提交的解答與協助。</a:t>
             </a:r>
           </a:p>
           <a:p>
@@ -10383,14 +9999,14 @@
               </a:tabLst>
             </a:pPr>
             <a:r>
-              <a:rPr lang="en-US" sz="1000" i="1" spc="-10" dirty="0">
+              <a:rPr lang="ja-jp" sz="1000" i="1" spc="-10" dirty="0">
                 <a:solidFill>
                   <a:srgbClr val="7A7A7A"/>
                 </a:solidFill>
                 <a:latin typeface="AdobeClean-LightIt"/>
                 <a:cs typeface="AdobeClean-LightIt"/>
               </a:rPr>
-              <a:t>Subject to local hours</a:t>
+              <a:t>以當地時間為準</a:t>
             </a:r>
             <a:endParaRPr lang="en-US" sz="1000" dirty="0">
               <a:latin typeface="AdobeClean-Light"/>
@@ -10437,12 +10053,12 @@
               </a:spcAft>
             </a:pPr>
             <a:r>
-              <a:rPr lang="en-US" sz="1200" b="1" dirty="0">
+              <a:rPr lang="ja-jp" sz="1200" b="1" dirty="0">
                 <a:latin typeface="Adobe Clean" panose="020B0503020404020204" pitchFamily="34" charset="0"/>
                 <a:ea typeface="Open Sans" pitchFamily="34" charset="0"/>
                 <a:cs typeface="Open Sans" pitchFamily="34" charset="0"/>
               </a:rPr>
-              <a:t>Chat Support</a:t>
+              <a:t>聊天支援</a:t>
             </a:r>
           </a:p>
         </p:txBody>
@@ -10485,12 +10101,12 @@
               </a:spcAft>
             </a:pPr>
             <a:r>
-              <a:rPr lang="en-US" sz="1200" b="1" dirty="0">
+              <a:rPr lang="ja-jp" sz="1200" b="1" dirty="0">
                 <a:latin typeface="Adobe Clean" panose="020B0503020404020204" pitchFamily="34" charset="0"/>
                 <a:ea typeface="Open Sans" pitchFamily="34" charset="0"/>
                 <a:cs typeface="Open Sans" pitchFamily="34" charset="0"/>
               </a:rPr>
-              <a:t>Phone Support</a:t>
+              <a:t>電話支援</a:t>
             </a:r>
           </a:p>
         </p:txBody>
@@ -10523,111 +10139,81 @@
           <a:lstStyle/>
           <a:p>
             <a:r>
-              <a:rPr lang="en-US" sz="1000" dirty="0">
+              <a:rPr lang="ja-jp" sz="1000" dirty="0">
                 <a:solidFill>
                   <a:srgbClr val="020302"/>
                 </a:solidFill>
                 <a:latin typeface="AdobeClean-Light"/>
               </a:rPr>
-              <a:t>Authorized Users (Admins) </a:t>
-            </a:r>
-            <a:r>
-              <a:rPr lang="en-US" sz="1000" dirty="0">
+              <a:t>授權的使用者 (管理員) </a:t>
+            </a:r>
+            <a:r>
+              <a:rPr lang="ja-jp" sz="1000" dirty="0">
                 <a:latin typeface="Adobe Clean Light"/>
               </a:rPr>
-              <a:t>can call Adobe Support via phone </a:t>
-            </a:r>
-            <a:r>
-              <a:rPr lang="en-US" sz="1000" spc="-5" dirty="0">
+              <a:t>可以透過電話</a:t>
+            </a:r>
+            <a:r>
+              <a:rPr lang="ja-jp" sz="1000" spc="-5" dirty="0">
                 <a:solidFill>
                   <a:srgbClr val="020302"/>
                 </a:solidFill>
                 <a:latin typeface="AdobeClean-Light"/>
                 <a:cs typeface="AdobeClean-Light"/>
               </a:rPr>
-              <a:t>to </a:t>
-            </a:r>
-            <a:r>
-              <a:rPr lang="en-US" sz="1000" spc="-10" dirty="0">
+              <a:t>聯絡 Adobe Suppo</a:t>
+            </a:r>
+            <a:r>
+              <a:rPr lang="ja-jp" sz="1000" spc="-5">
                 <a:solidFill>
                   <a:srgbClr val="020302"/>
                 </a:solidFill>
                 <a:latin typeface="AdobeClean-Light"/>
                 <a:cs typeface="AdobeClean-Light"/>
               </a:rPr>
-              <a:t>get </a:t>
-            </a:r>
-            <a:r>
-              <a:rPr lang="en-US" sz="1000" spc="-20" dirty="0">
+              <a:t>rt</a:t>
+            </a:r>
+            <a:r>
+              <a:rPr lang="ja-JP" altLang="en-US" sz="1000" spc="-5">
                 <a:solidFill>
                   <a:srgbClr val="020302"/>
                 </a:solidFill>
                 <a:latin typeface="AdobeClean-Light"/>
                 <a:cs typeface="AdobeClean-Light"/>
               </a:rPr>
-              <a:t>answers</a:t>
-            </a:r>
-            <a:r>
-              <a:rPr lang="en-US" sz="1000" spc="-45" dirty="0">
+              <a:t>、</a:t>
+            </a:r>
+            <a:r>
+              <a:rPr lang="ja-jp" sz="1000" spc="-5">
                 <a:solidFill>
                   <a:srgbClr val="020302"/>
                 </a:solidFill>
                 <a:latin typeface="AdobeClean-Light"/>
                 <a:cs typeface="AdobeClean-Light"/>
               </a:rPr>
-              <a:t> and</a:t>
-            </a:r>
-            <a:r>
-              <a:rPr lang="en-US" sz="1000" dirty="0">
+              <a:t>以</a:t>
+            </a:r>
+            <a:r>
+              <a:rPr lang="ja-jp" sz="1000" spc="-5" dirty="0">
                 <a:solidFill>
                   <a:srgbClr val="020302"/>
                 </a:solidFill>
                 <a:latin typeface="AdobeClean-Light"/>
                 <a:cs typeface="AdobeClean-Light"/>
               </a:rPr>
-              <a:t> </a:t>
-            </a:r>
-            <a:r>
-              <a:rPr lang="en-US" sz="1000" spc="-15" dirty="0">
-                <a:solidFill>
-                  <a:srgbClr val="020302"/>
-                </a:solidFill>
-                <a:latin typeface="AdobeClean-Light"/>
-                <a:cs typeface="AdobeClean-Light"/>
-              </a:rPr>
-              <a:t>help </a:t>
-            </a:r>
-            <a:r>
-              <a:rPr lang="en-US" sz="1000" spc="-10" dirty="0">
-                <a:solidFill>
-                  <a:srgbClr val="020302"/>
-                </a:solidFill>
-                <a:latin typeface="AdobeClean-Light"/>
-                <a:cs typeface="AdobeClean-Light"/>
-              </a:rPr>
-              <a:t>with case </a:t>
-            </a:r>
-            <a:r>
-              <a:rPr lang="en-US" sz="1000" spc="-20" dirty="0">
-                <a:solidFill>
-                  <a:srgbClr val="020302"/>
-                </a:solidFill>
-                <a:latin typeface="AdobeClean-Light"/>
-                <a:cs typeface="AdobeClean-Light"/>
-              </a:rPr>
-              <a:t>submission.</a:t>
+              <a:t>獲得案件提交的解答與協助。</a:t>
             </a:r>
           </a:p>
           <a:p>
             <a:r>
-              <a:rPr lang="en-US" sz="1000" i="1" spc="-10" dirty="0">
+              <a:rPr lang="ja-jp" sz="1000" i="1" spc="-10" dirty="0">
                 <a:solidFill>
                   <a:srgbClr val="7A7A7A"/>
                 </a:solidFill>
                 <a:latin typeface="Adobe Clean Light" panose="020B0303020404020204" pitchFamily="34" charset="0"/>
                 <a:cs typeface="AdobeClean-LightIt"/>
               </a:rPr>
-              <a:t>Subject to local hours</a:t>
+              <a:t>以當地時間為準</a:t>
             </a:r>
             <a:endParaRPr lang="en-US" sz="1000" i="1" dirty="0">
               <a:latin typeface="Adobe Clean Light" panose="020B0303020404020204" pitchFamily="34" charset="0"/>
@@ -10674,12 +10260,12 @@
               </a:spcAft>
             </a:pPr>
             <a:r>
-              <a:rPr lang="en-US" sz="1200" b="1" dirty="0">
+              <a:rPr lang="ja-jp" sz="1200" b="1" dirty="0">
                 <a:latin typeface="Adobe Clean" panose="020B0503020404020204" pitchFamily="34" charset="0"/>
                 <a:ea typeface="Open Sans" pitchFamily="34" charset="0"/>
                 <a:cs typeface="Open Sans" pitchFamily="34" charset="0"/>
               </a:rPr>
-              <a:t>Web Case Submission</a:t>
+              <a:t>網頁案例提交</a:t>
             </a:r>
           </a:p>
         </p:txBody>
@@ -10699,7 +10285,7 @@
         <p:spPr>
           <a:xfrm>
             <a:off x="4170025" y="8834114"/>
-            <a:ext cx="2148840" cy="707886"/>
+            <a:ext cx="2148840" cy="553998"/>
           </a:xfrm>
           <a:prstGeom prst="rect">
             <a:avLst/>
@@ -10712,19 +10298,43 @@
           <a:lstStyle/>
           <a:p>
             <a:r>
-              <a:rPr lang="en-US" sz="1000" dirty="0">
+              <a:rPr lang="ja-jp" sz="1000" dirty="0">
                 <a:solidFill>
                   <a:srgbClr val="020302"/>
                 </a:solidFill>
                 <a:latin typeface="AdobeClean-Light"/>
               </a:rPr>
-              <a:t>Authorized Users (Admins) </a:t>
-            </a:r>
-            <a:r>
-              <a:rPr lang="en-US" sz="1000" dirty="0">
+              <a:t>授權的使用者 (管理員) </a:t>
+            </a:r>
+            <a:r>
+              <a:rPr lang="ja-jp" sz="1000" dirty="0">
                 <a:latin typeface="Adobe Clean Light"/>
               </a:rPr>
-              <a:t>can submit unlimited web cases at any time for support issues for review by our technical support team.</a:t>
+              <a:t>可以針對支援問題隨時提交不限數量的網頁</a:t>
+            </a:r>
+            <a:r>
+              <a:rPr lang="ja-jp" sz="1000">
+                <a:latin typeface="Adobe Clean Light"/>
+              </a:rPr>
+              <a:t>案例</a:t>
+            </a:r>
+            <a:r>
+              <a:rPr lang="ja-JP" altLang="en-US" sz="1000">
+                <a:latin typeface="Adobe Clean Light"/>
+              </a:rPr>
+              <a:t>、</a:t>
+            </a:r>
+            <a:r>
+              <a:rPr lang="ja-jp" sz="1000">
+                <a:latin typeface="Adobe Clean Light"/>
+              </a:rPr>
+              <a:t>以</a:t>
+            </a:r>
+            <a:r>
+              <a:rPr lang="ja-jp" sz="1000" dirty="0">
+                <a:latin typeface="Adobe Clean Light"/>
+              </a:rPr>
+              <a:t>供我們的技術支援團隊審查。</a:t>
             </a:r>
             <a:endParaRPr lang="en-US" sz="1000" dirty="0">
               <a:solidFill>
@@ -10945,7 +10555,7 @@
         <p:spPr>
           <a:xfrm>
             <a:off x="449714" y="1271858"/>
-            <a:ext cx="2148840" cy="959237"/>
+            <a:ext cx="2148840" cy="651460"/>
           </a:xfrm>
           <a:prstGeom prst="rect">
             <a:avLst/>
@@ -10964,10 +10574,34 @@
               <a:defRPr/>
             </a:pPr>
             <a:r>
-              <a:rPr lang="en-US" sz="1000" dirty="0">
+              <a:rPr lang="ja-jp" sz="1000" dirty="0">
                 <a:latin typeface="Adobe Clean Light" panose="020B0303020404020204" pitchFamily="34" charset="0"/>
               </a:rPr>
-              <a:t>A designated Support Engineer who becomes familiar with your solution environment and business goals. The NSE is an experienced support engineer that helps coordinate your Enterprise Support experience.</a:t>
+              <a:t>已熟悉您的解決方案環境與業務目標的指定支援工程師。NSE 是經驗豐富的支援工</a:t>
+            </a:r>
+            <a:r>
+              <a:rPr lang="ja-jp" sz="1000">
+                <a:latin typeface="Adobe Clean Light" panose="020B0303020404020204" pitchFamily="34" charset="0"/>
+              </a:rPr>
+              <a:t>程師</a:t>
+            </a:r>
+            <a:r>
+              <a:rPr lang="ja-JP" altLang="en-US" sz="1000">
+                <a:latin typeface="Adobe Clean Light" panose="020B0303020404020204" pitchFamily="34" charset="0"/>
+              </a:rPr>
+              <a:t>、</a:t>
+            </a:r>
+            <a:r>
+              <a:rPr lang="ja-jp" sz="1000">
+                <a:latin typeface="Adobe Clean Light" panose="020B0303020404020204" pitchFamily="34" charset="0"/>
+              </a:rPr>
+              <a:t>可</a:t>
+            </a:r>
+            <a:r>
+              <a:rPr lang="ja-jp" sz="1000" dirty="0">
+                <a:latin typeface="Adobe Clean Light" panose="020B0303020404020204" pitchFamily="34" charset="0"/>
+              </a:rPr>
+              <a:t>幫忙協調您的企業支援體驗。</a:t>
             </a:r>
           </a:p>
         </p:txBody>
@@ -11010,13 +10644,13 @@
               </a:spcAft>
             </a:pPr>
             <a:r>
-              <a:rPr lang="en-US" sz="1200" b="1" spc="-10" dirty="0">
+              <a:rPr lang="ja-jp" sz="1200" b="1" spc="-10" dirty="0">
                 <a:solidFill>
                   <a:srgbClr val="020302"/>
                 </a:solidFill>
                 <a:latin typeface="Adobe Clean" panose="020B0503020404020204" pitchFamily="34" charset="0"/>
               </a:rPr>
-              <a:t>Named Support Engineer</a:t>
+              <a:t>指定的支援工程師</a:t>
             </a:r>
           </a:p>
         </p:txBody>
@@ -11036,7 +10670,7 @@
         <p:spPr>
           <a:xfrm>
             <a:off x="2803357" y="1285201"/>
-            <a:ext cx="2148840" cy="497572"/>
+            <a:ext cx="2148840" cy="343684"/>
           </a:xfrm>
           <a:prstGeom prst="rect">
             <a:avLst/>
@@ -11054,11 +10688,39 @@
               </a:spcBef>
             </a:pPr>
             <a:r>
-              <a:rPr lang="en-US" sz="1000" dirty="0">
+              <a:rPr lang="ja-jp" sz="1000" dirty="0">
                 <a:latin typeface="Adobe Clean Light" panose="020B0303020404020204" pitchFamily="34" charset="0"/>
                 <a:cs typeface="AdobeClean-Light"/>
               </a:rPr>
-              <a:t>Receive prioritized routing to ensure faster connection to more senior support resources on submitted cases. </a:t>
+              <a:t>獲得優先</a:t>
+            </a:r>
+            <a:r>
+              <a:rPr lang="ja-jp" sz="1000">
+                <a:latin typeface="Adobe Clean Light" panose="020B0303020404020204" pitchFamily="34" charset="0"/>
+                <a:cs typeface="AdobeClean-Light"/>
+              </a:rPr>
+              <a:t>路由</a:t>
+            </a:r>
+            <a:r>
+              <a:rPr lang="ja-JP" altLang="en-US" sz="1000">
+                <a:latin typeface="Adobe Clean Light" panose="020B0303020404020204" pitchFamily="34" charset="0"/>
+                <a:cs typeface="AdobeClean-Light"/>
+              </a:rPr>
+              <a:t>、</a:t>
+            </a:r>
+            <a:r>
+              <a:rPr lang="ja-jp" sz="1000">
+                <a:latin typeface="Adobe Clean Light" panose="020B0303020404020204" pitchFamily="34" charset="0"/>
+                <a:cs typeface="AdobeClean-Light"/>
+              </a:rPr>
+              <a:t>以</a:t>
+            </a:r>
+            <a:r>
+              <a:rPr lang="ja-jp" sz="1000" dirty="0">
+                <a:latin typeface="Adobe Clean Light" panose="020B0303020404020204" pitchFamily="34" charset="0"/>
+                <a:cs typeface="AdobeClean-Light"/>
+              </a:rPr>
+              <a:t>確保根據提交案例更快聯繫到更資深的支援資源。</a:t>
             </a:r>
           </a:p>
         </p:txBody>
@@ -11101,13 +10763,13 @@
               </a:spcAft>
             </a:pPr>
             <a:r>
-              <a:rPr lang="en-US" sz="1200" b="1" spc="-10" dirty="0">
+              <a:rPr lang="ja-jp" sz="1200" b="1" spc="-10" dirty="0">
                 <a:solidFill>
                   <a:srgbClr val="020302"/>
                 </a:solidFill>
                 <a:latin typeface="Adobe Clean" panose="020B0503020404020204" pitchFamily="34" charset="0"/>
               </a:rPr>
-              <a:t>Priority Case Routing</a:t>
+              <a:t>優先案例路由</a:t>
             </a:r>
           </a:p>
         </p:txBody>
@@ -11127,7 +10789,7 @@
         <p:spPr>
           <a:xfrm>
             <a:off x="5356260" y="1287481"/>
-            <a:ext cx="2148840" cy="651460"/>
+            <a:ext cx="2148840" cy="497572"/>
           </a:xfrm>
           <a:prstGeom prst="rect">
             <a:avLst/>
@@ -11148,10 +10810,58 @@
               </a:spcBef>
             </a:pPr>
             <a:r>
-              <a:rPr lang="en-US" sz="1000" dirty="0">
+              <a:rPr lang="ja-jp" sz="1000" dirty="0">
                 <a:latin typeface="Adobe Clean Light" panose="020B0303020404020204" pitchFamily="34" charset="0"/>
               </a:rPr>
-              <a:t>A designated point of contact within Adobe who can provide escalation assistance, regular updates and ensure priority is given to your most critical open support requests.</a:t>
+              <a:t>Adobe 內的指定聯</a:t>
+            </a:r>
+            <a:r>
+              <a:rPr lang="ja-jp" sz="1000">
+                <a:latin typeface="Adobe Clean Light" panose="020B0303020404020204" pitchFamily="34" charset="0"/>
+              </a:rPr>
+              <a:t>絡人</a:t>
+            </a:r>
+            <a:r>
+              <a:rPr lang="ja-JP" altLang="en-US" sz="1000">
+                <a:latin typeface="Adobe Clean Light" panose="020B0303020404020204" pitchFamily="34" charset="0"/>
+              </a:rPr>
+              <a:t>、</a:t>
+            </a:r>
+            <a:r>
+              <a:rPr lang="ja-jp" sz="1000">
+                <a:latin typeface="Adobe Clean Light" panose="020B0303020404020204" pitchFamily="34" charset="0"/>
+              </a:rPr>
+              <a:t>他</a:t>
+            </a:r>
+            <a:r>
+              <a:rPr lang="ja-jp" sz="1000" dirty="0">
+                <a:latin typeface="Adobe Clean Light" panose="020B0303020404020204" pitchFamily="34" charset="0"/>
+              </a:rPr>
+              <a:t>可提供向上呈報協助、定期</a:t>
+            </a:r>
+            <a:r>
+              <a:rPr lang="ja-jp" sz="1000">
+                <a:latin typeface="Adobe Clean Light" panose="020B0303020404020204" pitchFamily="34" charset="0"/>
+              </a:rPr>
+              <a:t>更新</a:t>
+            </a:r>
+            <a:r>
+              <a:rPr lang="ja-JP" altLang="en-US" sz="1000">
+                <a:latin typeface="Adobe Clean Light" panose="020B0303020404020204" pitchFamily="34" charset="0"/>
+              </a:rPr>
+              <a:t>、</a:t>
+            </a:r>
+            <a:r>
+              <a:rPr lang="ja-jp" sz="1000">
+                <a:latin typeface="Adobe Clean Light" panose="020B0303020404020204" pitchFamily="34" charset="0"/>
+              </a:rPr>
+              <a:t>並</a:t>
+            </a:r>
+            <a:r>
+              <a:rPr lang="ja-jp" sz="1000" dirty="0">
+                <a:latin typeface="Adobe Clean Light" panose="020B0303020404020204" pitchFamily="34" charset="0"/>
+              </a:rPr>
+              <a:t>確保優先處理您最緊急且未解決的支援請求。</a:t>
             </a:r>
             <a:endParaRPr lang="en-US" sz="1000" dirty="0">
               <a:latin typeface="Adobe Clean Light" panose="020B0303020404020204" pitchFamily="34" charset="0"/>
@@ -11198,13 +10908,13 @@
               </a:spcAft>
             </a:pPr>
             <a:r>
-              <a:rPr lang="en-US" sz="1200" b="1" spc="-10" dirty="0">
+              <a:rPr lang="ja-jp" sz="1200" b="1" spc="-10" dirty="0">
                 <a:solidFill>
                   <a:srgbClr val="020302"/>
                 </a:solidFill>
                 <a:latin typeface="Adobe Clean" panose="020B0503020404020204" pitchFamily="34" charset="0"/>
               </a:rPr>
-              <a:t>Escalation Management</a:t>
+              <a:t>向上呈報管理</a:t>
             </a:r>
           </a:p>
         </p:txBody>
@@ -11369,10 +11079,10 @@
           <a:lstStyle/>
           <a:p>
             <a:r>
-              <a:rPr lang="en-US" sz="1200" b="1" dirty="0">
+              <a:rPr lang="ja-jp" sz="1200" b="1" dirty="0">
                 <a:latin typeface="Adobe Clean" panose="020B0503020404020204" pitchFamily="34" charset="0"/>
               </a:rPr>
-              <a:t>Accelerated Issue Prioritization</a:t>
+              <a:t>加速問題優先順序</a:t>
             </a:r>
           </a:p>
         </p:txBody>
@@ -11392,7 +11102,7 @@
         <p:spPr>
           <a:xfrm>
             <a:off x="430064" y="3050824"/>
-            <a:ext cx="2051550" cy="497572"/>
+            <a:ext cx="2051550" cy="343684"/>
           </a:xfrm>
           <a:prstGeom prst="rect">
             <a:avLst/>
@@ -11411,11 +11121,39 @@
               <a:defRPr/>
             </a:pPr>
             <a:r>
-              <a:rPr lang="en-US" sz="1000" dirty="0">
+              <a:rPr lang="ja-jp" sz="1000" dirty="0">
                 <a:latin typeface="Adobe Clean Light" panose="020B0303020404020204" pitchFamily="34" charset="0"/>
                 <a:cs typeface="Adobe Clean Light"/>
               </a:rPr>
-              <a:t>Receive higher prioritization on support case work through facilitated engagement with Engineering.</a:t>
+              <a:t>透過促進與工程部門</a:t>
+            </a:r>
+            <a:r>
+              <a:rPr lang="ja-jp" sz="1000">
+                <a:latin typeface="Adobe Clean Light" panose="020B0303020404020204" pitchFamily="34" charset="0"/>
+                <a:cs typeface="Adobe Clean Light"/>
+              </a:rPr>
+              <a:t>互動</a:t>
+            </a:r>
+            <a:r>
+              <a:rPr lang="ja-JP" altLang="en-US" sz="1000">
+                <a:latin typeface="Adobe Clean Light" panose="020B0303020404020204" pitchFamily="34" charset="0"/>
+                <a:cs typeface="Adobe Clean Light"/>
+              </a:rPr>
+              <a:t>、</a:t>
+            </a:r>
+            <a:r>
+              <a:rPr lang="ja-jp" sz="1000">
+                <a:latin typeface="Adobe Clean Light" panose="020B0303020404020204" pitchFamily="34" charset="0"/>
+                <a:cs typeface="Adobe Clean Light"/>
+              </a:rPr>
+              <a:t>獲</a:t>
+            </a:r>
+            <a:r>
+              <a:rPr lang="ja-jp" sz="1000" dirty="0">
+                <a:latin typeface="Adobe Clean Light" panose="020B0303020404020204" pitchFamily="34" charset="0"/>
+                <a:cs typeface="Adobe Clean Light"/>
+              </a:rPr>
+              <a:t>得支援案例工作的更高優先順序。</a:t>
             </a:r>
           </a:p>
         </p:txBody>
@@ -11663,10 +11401,10 @@
           <a:lstStyle/>
           <a:p>
             <a:r>
-              <a:rPr lang="en-US" sz="1200" b="1" dirty="0">
+              <a:rPr lang="ja-jp" sz="1200" b="1" dirty="0">
                 <a:latin typeface="Adobe Clean" panose="020B0503020404020204" pitchFamily="34" charset="0"/>
               </a:rPr>
-              <a:t>Proactive Case Monitoring</a:t>
+              <a:t>主動案例監控</a:t>
             </a:r>
           </a:p>
         </p:txBody>
@@ -11686,7 +11424,7 @@
         <p:spPr>
           <a:xfrm>
             <a:off x="2761827" y="3033782"/>
-            <a:ext cx="2051550" cy="651460"/>
+            <a:ext cx="2051550" cy="497572"/>
           </a:xfrm>
           <a:prstGeom prst="rect">
             <a:avLst/>
@@ -11705,10 +11443,82 @@
               <a:defRPr/>
             </a:pPr>
             <a:r>
-              <a:rPr lang="en-US" sz="1000" dirty="0">
+              <a:rPr lang="ja-jp" sz="1000" dirty="0">
                 <a:latin typeface="Adobe Clean Light" panose="020B0303020404020204" pitchFamily="34" charset="0"/>
               </a:rPr>
-              <a:t>A designated point of contact within Adobe will actively monitor open cases and take proactive and preventive actions to ensure timely resolution.</a:t>
+              <a:t>Adobe 內的指定聯</a:t>
+            </a:r>
+            <a:r>
+              <a:rPr lang="ja-jp" sz="1000">
+                <a:latin typeface="Adobe Clean Light" panose="020B0303020404020204" pitchFamily="34" charset="0"/>
+              </a:rPr>
+              <a:t>絡人</a:t>
+            </a:r>
+            <a:r>
+              <a:rPr lang="ja-JP" altLang="en-US" sz="1000">
+                <a:latin typeface="Adobe Clean Light" panose="020B0303020404020204" pitchFamily="34" charset="0"/>
+              </a:rPr>
+              <a:t>、</a:t>
+            </a:r>
+            <a:r>
+              <a:rPr lang="ja-jp" sz="1000">
+                <a:latin typeface="Adobe Clean Light" panose="020B0303020404020204" pitchFamily="34" charset="0"/>
+              </a:rPr>
+              <a:t>負</a:t>
+            </a:r>
+            <a:r>
+              <a:rPr lang="ja-jp" sz="1000" dirty="0">
+                <a:latin typeface="Adobe Clean Light" panose="020B0303020404020204" pitchFamily="34" charset="0"/>
+              </a:rPr>
+              <a:t>責主動監控未解決的</a:t>
+            </a:r>
+            <a:r>
+              <a:rPr lang="ja-jp" sz="1000">
+                <a:latin typeface="Adobe Clean Light" panose="020B0303020404020204" pitchFamily="34" charset="0"/>
+              </a:rPr>
+              <a:t>案件</a:t>
+            </a:r>
+            <a:r>
+              <a:rPr lang="ja-JP" altLang="en-US" sz="1000">
+                <a:latin typeface="Adobe Clean Light" panose="020B0303020404020204" pitchFamily="34" charset="0"/>
+              </a:rPr>
+              <a:t>、</a:t>
+            </a:r>
+            <a:r>
+              <a:rPr lang="ja-jp" sz="1000">
+                <a:latin typeface="Adobe Clean Light" panose="020B0303020404020204" pitchFamily="34" charset="0"/>
+              </a:rPr>
+              <a:t>並</a:t>
+            </a:r>
+            <a:r>
+              <a:rPr lang="ja-jp" sz="1000" dirty="0">
+                <a:latin typeface="Adobe Clean Light" panose="020B0303020404020204" pitchFamily="34" charset="0"/>
+              </a:rPr>
+              <a:t>可採取主動和預防</a:t>
+            </a:r>
+            <a:r>
+              <a:rPr lang="ja-jp" sz="1000">
+                <a:latin typeface="Adobe Clean Light" panose="020B0303020404020204" pitchFamily="34" charset="0"/>
+              </a:rPr>
+              <a:t>措施</a:t>
+            </a:r>
+            <a:r>
+              <a:rPr lang="ja-JP" altLang="en-US" sz="1000">
+                <a:latin typeface="Adobe Clean Light" panose="020B0303020404020204" pitchFamily="34" charset="0"/>
+              </a:rPr>
+              <a:t>、</a:t>
+            </a:r>
+            <a:r>
+              <a:rPr lang="ja-jp" sz="1000">
+                <a:latin typeface="Adobe Clean Light" panose="020B0303020404020204" pitchFamily="34" charset="0"/>
+              </a:rPr>
+              <a:t>確</a:t>
+            </a:r>
+            <a:r>
+              <a:rPr lang="ja-jp" sz="1000" dirty="0">
+                <a:latin typeface="Adobe Clean Light" panose="020B0303020404020204" pitchFamily="34" charset="0"/>
+              </a:rPr>
+              <a:t>保及時解決。</a:t>
             </a:r>
             <a:endParaRPr lang="en-US" sz="1000" dirty="0">
               <a:latin typeface="Adobe Clean Light" panose="020B0303020404020204" pitchFamily="34" charset="0"/>
@@ -11790,40 +11600,36 @@
               </a:spcBef>
             </a:pPr>
             <a:r>
-              <a:rPr spc="-10" dirty="0"/>
-              <a:t>©202</a:t>
-            </a:r>
-            <a:r>
-              <a:rPr lang="en-US" spc="-10" dirty="0"/>
-              <a:t>2 </a:t>
-            </a:r>
-            <a:r>
-              <a:rPr spc="-5" dirty="0"/>
-              <a:t>Adobe. All</a:t>
-            </a:r>
-            <a:r>
-              <a:rPr spc="-10" dirty="0"/>
+              <a:rPr lang="ja-jp" spc="-10" dirty="0"/>
+              <a:t>©2022</a:t>
+            </a:r>
+            <a:r>
+              <a:rPr lang="ja-jp" spc="-5" dirty="0"/>
+              <a:t> Adobe。All</a:t>
+            </a:r>
+            <a:r>
+              <a:rPr lang="ja-jp" spc="-10" dirty="0"/>
               <a:t> Rights</a:t>
             </a:r>
             <a:r>
-              <a:rPr spc="-5" dirty="0"/>
+              <a:rPr lang="ja-jp" spc="-5" dirty="0"/>
               <a:t> </a:t>
             </a:r>
             <a:r>
-              <a:rPr spc="-10" dirty="0"/>
-              <a:t>Reserved.</a:t>
-            </a:r>
-            <a:r>
-              <a:rPr spc="-5" dirty="0"/>
-              <a:t> Adobe</a:t>
-            </a:r>
-            <a:r>
-              <a:rPr spc="60" dirty="0"/>
+              <a:rPr lang="ja-jp" spc="-10" dirty="0"/>
+              <a:t>Reserved。</a:t>
+            </a:r>
+            <a:r>
+              <a:rPr lang="ja-jp" spc="-5" dirty="0"/>
+              <a:t>Adobe</a:t>
+            </a:r>
+            <a:r>
+              <a:rPr lang="ja-jp" spc="60" dirty="0"/>
               <a:t> </a:t>
             </a:r>
             <a:r>
-              <a:rPr spc="-10" dirty="0"/>
-              <a:t>Confidential.</a:t>
+              <a:rPr lang="ja-jp" spc="-10" dirty="0"/>
+              <a:t>機密資訊。</a:t>
             </a:r>
           </a:p>
         </p:txBody>
@@ -11885,17 +11691,17 @@
               </a:lnSpc>
             </a:pPr>
             <a:r>
-              <a:rPr sz="500" spc="-5">
+              <a:rPr lang="ja-jp" sz="500" spc="-5">
                 <a:solidFill>
                   <a:srgbClr val="6C6C6C"/>
                 </a:solidFill>
                 <a:latin typeface="Adobe Clean"/>
                 <a:cs typeface="Adobe Clean"/>
               </a:rPr>
-              <a:t>©2020 Adobe. All Rights Reserved. </a:t>
-            </a:r>
-            <a:r>
-              <a:rPr sz="500">
+              <a:t>© 2020 Adobe. All rights reserved.</a:t>
+            </a:r>
+            <a:r>
+              <a:rPr lang="ja-jp" sz="500">
                 <a:solidFill>
                   <a:srgbClr val="6C6C6C"/>
                 </a:solidFill>
@@ -11905,7 +11711,7 @@
               <a:t>Adobe</a:t>
             </a:r>
             <a:r>
-              <a:rPr sz="500" spc="5">
+              <a:rPr lang="ja-jp" sz="500" spc="5">
                 <a:solidFill>
                   <a:srgbClr val="6C6C6C"/>
                 </a:solidFill>
@@ -11915,14 +11721,14 @@
               <a:t> </a:t>
             </a:r>
             <a:r>
-              <a:rPr sz="500" spc="-5">
+              <a:rPr lang="ja-jp" sz="500" spc="-5">
                 <a:solidFill>
                   <a:srgbClr val="6C6C6C"/>
                 </a:solidFill>
                 <a:latin typeface="Adobe Clean"/>
                 <a:cs typeface="Adobe Clean"/>
               </a:rPr>
-              <a:t>Confidential.</a:t>
+              <a:t> 機密資訊。</a:t>
             </a:r>
             <a:endParaRPr sz="500">
               <a:latin typeface="Adobe Clean"/>
@@ -11953,17 +11759,17 @@
               </a:spcBef>
             </a:pPr>
             <a:r>
-              <a:rPr sz="800" spc="-5">
+              <a:rPr lang="ja-jp" sz="800" spc="-5">
                 <a:solidFill>
                   <a:srgbClr val="6D6D6D"/>
                 </a:solidFill>
                 <a:latin typeface="Adobe Clean"/>
                 <a:cs typeface="Adobe Clean"/>
               </a:rPr>
-              <a:t>©2020 Adobe. All Rights Reserved. Adobe</a:t>
-            </a:r>
-            <a:r>
-              <a:rPr sz="800" spc="75">
+              <a:t>© 2020 Adobe. All rights reserved.Adobe</a:t>
+            </a:r>
+            <a:r>
+              <a:rPr lang="ja-jp" sz="800" spc="75">
                 <a:solidFill>
                   <a:srgbClr val="6D6D6D"/>
                 </a:solidFill>
@@ -11973,14 +11779,14 @@
               <a:t> </a:t>
             </a:r>
             <a:r>
-              <a:rPr sz="800" spc="-5">
+              <a:rPr lang="ja-jp" sz="800" spc="-5">
                 <a:solidFill>
                   <a:srgbClr val="6D6D6D"/>
                 </a:solidFill>
                 <a:latin typeface="Adobe Clean"/>
                 <a:cs typeface="Adobe Clean"/>
               </a:rPr>
-              <a:t>Confidential.</a:t>
+              <a:t>機密資訊。</a:t>
             </a:r>
             <a:endParaRPr sz="800">
               <a:latin typeface="Adobe Clean"/>
@@ -12069,14 +11875,14 @@
               </a:spcBef>
             </a:pPr>
             <a:r>
-              <a:rPr lang="en-US" sz="1400" b="1" spc="-15">
+              <a:rPr lang="ja-jp" sz="1400" b="1" spc="-15">
                 <a:solidFill>
                   <a:srgbClr val="020302"/>
                 </a:solidFill>
                 <a:latin typeface="Adobe Clean"/>
                 <a:cs typeface="Adobe Clean"/>
               </a:rPr>
-              <a:t>Resources</a:t>
+              <a:t>資源</a:t>
             </a:r>
             <a:endParaRPr sz="1400">
               <a:latin typeface="Adobe Clean"/>
@@ -12094,7 +11900,7 @@
         <p:spPr>
           <a:xfrm>
             <a:off x="6754821" y="9283729"/>
-            <a:ext cx="930275" cy="662305"/>
+            <a:ext cx="930275" cy="758541"/>
           </a:xfrm>
           <a:prstGeom prst="rect">
             <a:avLst/>
@@ -12115,7 +11921,7 @@
               </a:spcBef>
             </a:pPr>
             <a:r>
-              <a:rPr sz="800" spc="-15">
+              <a:rPr lang="ja-jp" sz="800" spc="-15">
                 <a:solidFill>
                   <a:srgbClr val="777879"/>
                 </a:solidFill>
@@ -12124,7 +11930,7 @@
               </a:rPr>
               <a:t>Adobe</a:t>
             </a:r>
-            <a:endParaRPr sz="800">
+            <a:endParaRPr sz="800" dirty="0">
               <a:latin typeface="Adobe Clean"/>
               <a:cs typeface="Adobe Clean"/>
             </a:endParaRPr>
@@ -12136,7 +11942,7 @@
               </a:lnSpc>
             </a:pPr>
             <a:r>
-              <a:rPr sz="800" spc="-15">
+              <a:rPr lang="ja-jp" sz="800" spc="-15">
                 <a:solidFill>
                   <a:srgbClr val="777879"/>
                 </a:solidFill>
@@ -12146,7 +11952,7 @@
               <a:t>345 Park</a:t>
             </a:r>
             <a:r>
-              <a:rPr sz="800" spc="-100">
+              <a:rPr lang="ja-jp" sz="800" spc="-100">
                 <a:solidFill>
                   <a:srgbClr val="777879"/>
                 </a:solidFill>
@@ -12156,7 +11962,7 @@
               <a:t> </a:t>
             </a:r>
             <a:r>
-              <a:rPr sz="800" spc="-15">
+              <a:rPr lang="ja-jp" sz="800" spc="-15">
                 <a:solidFill>
                   <a:srgbClr val="777879"/>
                 </a:solidFill>
@@ -12165,7 +11971,7 @@
               </a:rPr>
               <a:t>Avenue</a:t>
             </a:r>
-            <a:endParaRPr sz="800">
+            <a:endParaRPr sz="800" dirty="0">
               <a:latin typeface="Adobe Clean"/>
               <a:cs typeface="Adobe Clean"/>
             </a:endParaRPr>
@@ -12177,7 +11983,7 @@
               </a:lnSpc>
             </a:pPr>
             <a:r>
-              <a:rPr sz="800" spc="-10">
+              <a:rPr lang="ja-jp" sz="800" spc="-10">
                 <a:solidFill>
                   <a:srgbClr val="777879"/>
                 </a:solidFill>
@@ -12187,36 +11993,46 @@
               <a:t>San </a:t>
             </a:r>
             <a:r>
-              <a:rPr sz="800" spc="-15">
+              <a:rPr lang="ja-jp" sz="800" spc="-15">
                 <a:solidFill>
                   <a:srgbClr val="777879"/>
                 </a:solidFill>
                 <a:latin typeface="Adobe Clean"/>
                 <a:cs typeface="Adobe Clean"/>
               </a:rPr>
-              <a:t>Jose,</a:t>
-            </a:r>
-            <a:r>
-              <a:rPr sz="800" spc="-140">
+              <a:t>Jose</a:t>
+            </a:r>
+            <a:r>
+              <a:rPr lang="ja-JP" altLang="en-US" sz="800" spc="-15">
                 <a:solidFill>
                   <a:srgbClr val="777879"/>
                 </a:solidFill>
                 <a:latin typeface="Adobe Clean"/>
                 <a:cs typeface="Adobe Clean"/>
               </a:rPr>
-              <a:t> </a:t>
-            </a:r>
-            <a:r>
-              <a:rPr sz="800" spc="-20">
+              <a:t>、</a:t>
+            </a:r>
+            <a:r>
+              <a:rPr lang="ja-jp" sz="800" spc="-140">
                 <a:solidFill>
                   <a:srgbClr val="777879"/>
                 </a:solidFill>
                 <a:latin typeface="Adobe Clean"/>
                 <a:cs typeface="Adobe Clean"/>
               </a:rPr>
+              <a:t> </a:t>
+            </a:r>
+            <a:r>
+              <a:rPr lang="ja-jp" sz="800" spc="-20">
+                <a:solidFill>
+                  <a:srgbClr val="777879"/>
+                </a:solidFill>
+                <a:latin typeface="Adobe Clean"/>
+                <a:cs typeface="Adobe Clean"/>
+              </a:rPr>
               <a:t>CA95110-2704</a:t>
             </a:r>
-            <a:endParaRPr sz="800">
+            <a:endParaRPr sz="800" dirty="0">
               <a:latin typeface="Adobe Clean"/>
               <a:cs typeface="Adobe Clean"/>
             </a:endParaRPr>
@@ -12231,7 +12047,7 @@
               </a:spcBef>
             </a:pPr>
             <a:r>
-              <a:rPr sz="800" spc="-10">
+              <a:rPr lang="ja-jp" sz="800" spc="-10">
                 <a:solidFill>
                   <a:srgbClr val="777879"/>
                 </a:solidFill>
@@ -12240,7 +12056,7 @@
               </a:rPr>
               <a:t>USA</a:t>
             </a:r>
-            <a:endParaRPr sz="800">
+            <a:endParaRPr sz="800" dirty="0">
               <a:latin typeface="Adobe Clean"/>
               <a:cs typeface="Adobe Clean"/>
             </a:endParaRPr>
@@ -12255,7 +12071,7 @@
               </a:spcBef>
             </a:pPr>
             <a:r>
-              <a:rPr sz="800" u="sng" spc="-25">
+              <a:rPr lang="ja-jp" sz="800" u="sng" spc="-25">
                 <a:solidFill>
                   <a:srgbClr val="5F5F5F"/>
                 </a:solidFill>
@@ -12268,9 +12084,9 @@
                 <a:cs typeface="Adobe Clean"/>
                 <a:hlinkClick r:id="rId4"/>
               </a:rPr>
-              <a:t>www.adobe.com</a:t>
-            </a:r>
-            <a:endParaRPr sz="800">
+              <a:t>www.adobe.com/tw/</a:t>
+            </a:r>
+            <a:endParaRPr sz="800" dirty="0">
               <a:latin typeface="Adobe Clean"/>
               <a:cs typeface="Adobe Clean"/>
             </a:endParaRPr>
@@ -12448,17 +12264,17 @@
               </a:spcBef>
             </a:pPr>
             <a:r>
-              <a:rPr sz="1100" i="1" spc="-10" dirty="0">
+              <a:rPr lang="ja-jp" sz="1100" i="1" spc="-10" dirty="0">
                 <a:solidFill>
                   <a:srgbClr val="777879"/>
                 </a:solidFill>
                 <a:latin typeface="AdobeClean-LightIt"/>
                 <a:cs typeface="AdobeClean-LightIt"/>
               </a:rPr>
-              <a:t>To</a:t>
-            </a:r>
-            <a:r>
-              <a:rPr sz="1100" i="1" spc="-50" dirty="0">
+              <a:t>如需</a:t>
+            </a:r>
+            <a:r>
+              <a:rPr lang="ja-jp" sz="1100" i="1" spc="-50" dirty="0">
                 <a:solidFill>
                   <a:srgbClr val="777879"/>
                 </a:solidFill>
@@ -12468,17 +12284,17 @@
               <a:t> </a:t>
             </a:r>
             <a:r>
-              <a:rPr sz="1100" i="1" spc="-15" dirty="0">
+              <a:rPr lang="ja-jp" sz="1100" i="1" spc="-15" dirty="0">
                 <a:solidFill>
                   <a:srgbClr val="777879"/>
                 </a:solidFill>
                 <a:latin typeface="AdobeClean-LightIt"/>
                 <a:cs typeface="AdobeClean-LightIt"/>
               </a:rPr>
-              <a:t>learn</a:t>
-            </a:r>
-            <a:r>
-              <a:rPr sz="1100" i="1" spc="-40" dirty="0">
+              <a:t>了解</a:t>
+            </a:r>
+            <a:r>
+              <a:rPr lang="ja-jp" sz="1100" i="1" spc="-40" dirty="0">
                 <a:solidFill>
                   <a:srgbClr val="777879"/>
                 </a:solidFill>
@@ -12488,87 +12304,87 @@
               <a:t> </a:t>
             </a:r>
             <a:r>
-              <a:rPr sz="1100" i="1" spc="-15" dirty="0">
+              <a:rPr lang="ja-jp" sz="1100" i="1" spc="-45" dirty="0">
                 <a:solidFill>
                   <a:srgbClr val="777879"/>
                 </a:solidFill>
                 <a:latin typeface="AdobeClean-LightIt"/>
                 <a:cs typeface="AdobeClean-LightIt"/>
               </a:rPr>
-              <a:t>more</a:t>
-            </a:r>
-            <a:r>
-              <a:rPr sz="1100" i="1" spc="-45" dirty="0">
+              <a:t>  </a:t>
+            </a:r>
+            <a:r>
+              <a:rPr lang="ja-jp" sz="1100" i="1" spc="-15" dirty="0">
                 <a:solidFill>
                   <a:srgbClr val="777879"/>
                 </a:solidFill>
                 <a:latin typeface="AdobeClean-LightIt"/>
                 <a:cs typeface="AdobeClean-LightIt"/>
               </a:rPr>
-              <a:t> </a:t>
-            </a:r>
-            <a:r>
-              <a:rPr sz="1100" i="1" spc="-15" dirty="0">
+              <a:t>Adobe</a:t>
+            </a:r>
+            <a:r>
+              <a:rPr lang="ja-jp" sz="1100" i="1" spc="-50" dirty="0">
                 <a:solidFill>
                   <a:srgbClr val="777879"/>
                 </a:solidFill>
                 <a:latin typeface="AdobeClean-LightIt"/>
                 <a:cs typeface="AdobeClean-LightIt"/>
               </a:rPr>
-              <a:t>about</a:t>
-            </a:r>
-            <a:r>
-              <a:rPr sz="1100" i="1" spc="-45" dirty="0">
+              <a:t> </a:t>
+            </a:r>
+            <a:r>
+              <a:rPr lang="ja-jp" sz="1100" i="1" spc="-15" dirty="0">
                 <a:solidFill>
                   <a:srgbClr val="777879"/>
                 </a:solidFill>
                 <a:latin typeface="AdobeClean-LightIt"/>
                 <a:cs typeface="AdobeClean-LightIt"/>
               </a:rPr>
-              <a:t> </a:t>
-            </a:r>
-            <a:r>
-              <a:rPr sz="1100" i="1" spc="-15" dirty="0">
+              <a:t>支援方案</a:t>
+            </a:r>
+            <a:r>
+              <a:rPr lang="ja-jp" sz="1100" i="1" spc="-75" dirty="0">
                 <a:solidFill>
                   <a:srgbClr val="777879"/>
                 </a:solidFill>
                 <a:latin typeface="AdobeClean-LightIt"/>
                 <a:cs typeface="AdobeClean-LightIt"/>
               </a:rPr>
-              <a:t>Adobe</a:t>
-            </a:r>
-            <a:r>
-              <a:rPr sz="1100" i="1" spc="-50" dirty="0">
+              <a:t>的詳細資訊</a:t>
+            </a:r>
+            <a:r>
+              <a:rPr lang="ja-jp" sz="1100" i="1" spc="-15" dirty="0">
                 <a:solidFill>
                   <a:srgbClr val="777879"/>
                 </a:solidFill>
                 <a:latin typeface="AdobeClean-LightIt"/>
                 <a:cs typeface="AdobeClean-LightIt"/>
               </a:rPr>
-              <a:t> </a:t>
-            </a:r>
-            <a:r>
-              <a:rPr sz="1100" i="1" spc="-15" dirty="0">
+              <a:t>以及</a:t>
+            </a:r>
+            <a:r>
+              <a:rPr lang="ja-jp" sz="1100" i="1" spc="-50" dirty="0">
                 <a:solidFill>
                   <a:srgbClr val="777879"/>
                 </a:solidFill>
                 <a:latin typeface="AdobeClean-LightIt"/>
                 <a:cs typeface="AdobeClean-LightIt"/>
               </a:rPr>
-              <a:t>Support</a:t>
-            </a:r>
-            <a:r>
-              <a:rPr lang="en-US" sz="1100" i="1" spc="-15" dirty="0">
+              <a:t> </a:t>
+            </a:r>
+            <a:r>
+              <a:rPr lang="ja-jp" sz="1100" i="1" spc="-15" dirty="0">
                 <a:solidFill>
                   <a:srgbClr val="777879"/>
                 </a:solidFill>
                 <a:latin typeface="AdobeClean-LightIt"/>
                 <a:cs typeface="AdobeClean-LightIt"/>
               </a:rPr>
-              <a:t> Offerings</a:t>
-            </a:r>
-            <a:r>
-              <a:rPr sz="1100" i="1" spc="-75" dirty="0">
+              <a:t>適合</a:t>
+            </a:r>
+            <a:r>
+              <a:rPr lang="ja-jp" sz="1100" i="1" spc="-55" dirty="0">
                 <a:solidFill>
                   <a:srgbClr val="777879"/>
                 </a:solidFill>
@@ -12578,177 +12394,177 @@
               <a:t> </a:t>
             </a:r>
             <a:r>
-              <a:rPr sz="1100" i="1" spc="-15" dirty="0">
+              <a:rPr lang="ja-jp" sz="1100" i="1" spc="-95" dirty="0">
                 <a:solidFill>
                   <a:srgbClr val="777879"/>
                 </a:solidFill>
                 <a:latin typeface="AdobeClean-LightIt"/>
                 <a:cs typeface="AdobeClean-LightIt"/>
               </a:rPr>
-              <a:t>and</a:t>
-            </a:r>
-            <a:r>
-              <a:rPr sz="1100" i="1" spc="-50" dirty="0">
+              <a:t> </a:t>
+            </a:r>
+            <a:r>
+              <a:rPr lang="ja-jp" sz="1100" i="1" spc="-15" dirty="0">
                 <a:solidFill>
                   <a:srgbClr val="777879"/>
                 </a:solidFill>
                 <a:latin typeface="AdobeClean-LightIt"/>
                 <a:cs typeface="AdobeClean-LightIt"/>
               </a:rPr>
-              <a:t> </a:t>
-            </a:r>
-            <a:r>
-              <a:rPr sz="1100" i="1" spc="-15" dirty="0">
+              <a:t>您的</a:t>
+            </a:r>
+            <a:r>
+              <a:rPr lang="ja-jp" sz="1100" i="1" spc="-15">
                 <a:solidFill>
                   <a:srgbClr val="777879"/>
                 </a:solidFill>
                 <a:latin typeface="AdobeClean-LightIt"/>
                 <a:cs typeface="AdobeClean-LightIt"/>
               </a:rPr>
-              <a:t>the</a:t>
-            </a:r>
-            <a:r>
-              <a:rPr sz="1100" i="1" spc="-55" dirty="0">
+              <a:t>層級</a:t>
+            </a:r>
+            <a:r>
+              <a:rPr lang="ja-JP" altLang="en-US" sz="1100" i="1" spc="-15">
                 <a:solidFill>
                   <a:srgbClr val="777879"/>
                 </a:solidFill>
                 <a:latin typeface="AdobeClean-LightIt"/>
                 <a:cs typeface="AdobeClean-LightIt"/>
               </a:rPr>
-              <a:t> </a:t>
-            </a:r>
-            <a:r>
-              <a:rPr sz="1100" i="1" spc="-15" dirty="0">
+              <a:t>、</a:t>
+            </a:r>
+            <a:r>
+              <a:rPr lang="ja-jp" sz="1100" i="1" spc="-65">
                 <a:solidFill>
                   <a:srgbClr val="777879"/>
                 </a:solidFill>
                 <a:latin typeface="AdobeClean-LightIt"/>
                 <a:cs typeface="AdobeClean-LightIt"/>
               </a:rPr>
-              <a:t>right</a:t>
-            </a:r>
-            <a:r>
-              <a:rPr sz="1100" i="1" spc="-95" dirty="0">
+              <a:t> </a:t>
+            </a:r>
+            <a:r>
+              <a:rPr lang="ja-jp" sz="1100" i="1" spc="-15" dirty="0">
                 <a:solidFill>
                   <a:srgbClr val="777879"/>
                 </a:solidFill>
                 <a:latin typeface="AdobeClean-LightIt"/>
                 <a:cs typeface="AdobeClean-LightIt"/>
               </a:rPr>
-              <a:t> </a:t>
-            </a:r>
-            <a:r>
-              <a:rPr sz="1100" i="1" spc="-15" dirty="0">
+              <a:t>請聯絡</a:t>
+            </a:r>
+            <a:r>
+              <a:rPr lang="ja-jp" sz="1100" i="1" spc="-85" dirty="0">
                 <a:solidFill>
                   <a:srgbClr val="777879"/>
                 </a:solidFill>
                 <a:latin typeface="AdobeClean-LightIt"/>
                 <a:cs typeface="AdobeClean-LightIt"/>
               </a:rPr>
-              <a:t>level</a:t>
-            </a:r>
-            <a:r>
-              <a:rPr sz="1100" i="1" spc="-55" dirty="0">
+              <a:t> </a:t>
+            </a:r>
+            <a:r>
+              <a:rPr lang="ja-jp" sz="1100" i="1" spc="-15" dirty="0">
                 <a:solidFill>
                   <a:srgbClr val="777879"/>
                 </a:solidFill>
                 <a:latin typeface="AdobeClean-LightIt"/>
                 <a:cs typeface="AdobeClean-LightIt"/>
               </a:rPr>
-              <a:t> </a:t>
-            </a:r>
-            <a:r>
-              <a:rPr sz="1100" i="1" spc="-15" dirty="0">
+              <a:t>您</a:t>
+            </a:r>
+            <a:r>
+              <a:rPr lang="ja-jp" sz="1100" i="1" spc="-70" dirty="0">
                 <a:solidFill>
                   <a:srgbClr val="777879"/>
                 </a:solidFill>
                 <a:latin typeface="AdobeClean-LightIt"/>
                 <a:cs typeface="AdobeClean-LightIt"/>
               </a:rPr>
-              <a:t>for</a:t>
-            </a:r>
-            <a:r>
-              <a:rPr sz="1100" i="1" spc="-85" dirty="0">
+              <a:t> </a:t>
+            </a:r>
+            <a:r>
+              <a:rPr lang="ja-jp" sz="1100" i="1" spc="-15" dirty="0">
                 <a:solidFill>
                   <a:srgbClr val="777879"/>
                 </a:solidFill>
                 <a:latin typeface="AdobeClean-LightIt"/>
                 <a:cs typeface="AdobeClean-LightIt"/>
               </a:rPr>
-              <a:t> </a:t>
-            </a:r>
-            <a:r>
-              <a:rPr sz="1100" i="1" spc="-15" dirty="0">
+              <a:t>指定的</a:t>
+            </a:r>
+            <a:r>
+              <a:rPr lang="ja-jp" sz="1100" i="1" spc="-55" dirty="0">
                 <a:solidFill>
                   <a:srgbClr val="777879"/>
                 </a:solidFill>
                 <a:latin typeface="AdobeClean-LightIt"/>
                 <a:cs typeface="AdobeClean-LightIt"/>
               </a:rPr>
-              <a:t>you,</a:t>
-            </a:r>
-            <a:r>
-              <a:rPr sz="1100" i="1" spc="-65" dirty="0">
+              <a:t> </a:t>
+            </a:r>
+            <a:r>
+              <a:rPr lang="ja-jp" sz="1100" i="1" spc="-25" dirty="0">
                 <a:solidFill>
                   <a:srgbClr val="777879"/>
                 </a:solidFill>
                 <a:latin typeface="AdobeClean-LightIt"/>
                 <a:cs typeface="AdobeClean-LightIt"/>
               </a:rPr>
-              <a:t> </a:t>
-            </a:r>
-            <a:r>
-              <a:rPr sz="1100" i="1" spc="-15" dirty="0">
+              <a:t>帳戶</a:t>
+            </a:r>
+            <a:r>
+              <a:rPr lang="ja-jp" sz="1100" i="1" spc="-20" dirty="0">
                 <a:solidFill>
                   <a:srgbClr val="777879"/>
                 </a:solidFill>
                 <a:latin typeface="AdobeClean-LightIt"/>
                 <a:cs typeface="AdobeClean-LightIt"/>
               </a:rPr>
-              <a:t>contact</a:t>
-            </a:r>
-            <a:r>
-              <a:rPr sz="1100" i="1" spc="-85" dirty="0">
+              <a:t>經理 </a:t>
+            </a:r>
+            <a:r>
+              <a:rPr lang="ja-jp" sz="1100" i="1" spc="-15" dirty="0">
                 <a:solidFill>
                   <a:srgbClr val="777879"/>
                 </a:solidFill>
                 <a:latin typeface="AdobeClean-LightIt"/>
                 <a:cs typeface="AdobeClean-LightIt"/>
               </a:rPr>
-              <a:t> </a:t>
-            </a:r>
-            <a:r>
-              <a:rPr sz="1100" i="1" spc="-15" dirty="0">
+              <a:t>(NAM) </a:t>
+            </a:r>
+            <a:r>
+              <a:rPr lang="ja-jp" sz="1100" i="1" spc="-10" dirty="0">
                 <a:solidFill>
                   <a:srgbClr val="777879"/>
                 </a:solidFill>
                 <a:latin typeface="AdobeClean-LightIt"/>
                 <a:cs typeface="AdobeClean-LightIt"/>
               </a:rPr>
-              <a:t>your</a:t>
-            </a:r>
-            <a:r>
-              <a:rPr sz="1100" i="1" spc="-70" dirty="0">
+              <a:t>或</a:t>
+            </a:r>
+            <a:r>
+              <a:rPr lang="ja-jp" sz="1100" i="1" spc="-15" dirty="0">
                 <a:solidFill>
                   <a:srgbClr val="777879"/>
                 </a:solidFill>
                 <a:latin typeface="AdobeClean-LightIt"/>
                 <a:cs typeface="AdobeClean-LightIt"/>
               </a:rPr>
-              <a:t> </a:t>
-            </a:r>
-            <a:r>
-              <a:rPr sz="1100" i="1" spc="-15" dirty="0">
+              <a:t>客戶</a:t>
+            </a:r>
+            <a:r>
+              <a:rPr lang="ja-jp" sz="1100" i="1" spc="-20" dirty="0">
                 <a:solidFill>
                   <a:srgbClr val="777879"/>
                 </a:solidFill>
                 <a:latin typeface="AdobeClean-LightIt"/>
                 <a:cs typeface="AdobeClean-LightIt"/>
               </a:rPr>
-              <a:t>Named</a:t>
-            </a:r>
-            <a:r>
-              <a:rPr sz="1100" i="1" spc="-55" dirty="0">
+              <a:t>成功</a:t>
+            </a:r>
+            <a:r>
+              <a:rPr lang="ja-jp" sz="1100" i="1" spc="-180" dirty="0">
                 <a:solidFill>
                   <a:srgbClr val="777879"/>
                 </a:solidFill>
@@ -12758,124 +12574,14 @@
               <a:t> </a:t>
             </a:r>
             <a:r>
-              <a:rPr sz="1100" i="1" spc="-25" dirty="0">
+              <a:rPr lang="ja-jp" sz="1100" i="1" spc="-15" dirty="0">
                 <a:solidFill>
                   <a:srgbClr val="777879"/>
                 </a:solidFill>
                 <a:latin typeface="AdobeClean-LightIt"/>
                 <a:cs typeface="AdobeClean-LightIt"/>
               </a:rPr>
-              <a:t>Account</a:t>
-            </a:r>
-            <a:r>
-              <a:rPr sz="1100" i="1" spc="-120" dirty="0">
-                <a:solidFill>
-                  <a:srgbClr val="777879"/>
-                </a:solidFill>
-                <a:latin typeface="AdobeClean-LightIt"/>
-                <a:cs typeface="AdobeClean-LightIt"/>
-              </a:rPr>
-              <a:t> </a:t>
-            </a:r>
-            <a:r>
-              <a:rPr sz="1100" i="1" spc="-20" dirty="0">
-                <a:solidFill>
-                  <a:srgbClr val="777879"/>
-                </a:solidFill>
-                <a:latin typeface="AdobeClean-LightIt"/>
-                <a:cs typeface="AdobeClean-LightIt"/>
-              </a:rPr>
-              <a:t>Manager </a:t>
-            </a:r>
-            <a:r>
-              <a:rPr sz="1100" i="1" spc="-15" dirty="0">
-                <a:solidFill>
-                  <a:srgbClr val="777879"/>
-                </a:solidFill>
-                <a:latin typeface="AdobeClean-LightIt"/>
-                <a:cs typeface="AdobeClean-LightIt"/>
-              </a:rPr>
-              <a:t>(NAM) </a:t>
-            </a:r>
-            <a:r>
-              <a:rPr sz="1100" i="1" spc="-10" dirty="0">
-                <a:solidFill>
-                  <a:srgbClr val="777879"/>
-                </a:solidFill>
-                <a:latin typeface="AdobeClean-LightIt"/>
-                <a:cs typeface="AdobeClean-LightIt"/>
-              </a:rPr>
-              <a:t>or </a:t>
-            </a:r>
-            <a:r>
-              <a:rPr sz="1100" i="1" spc="-15" dirty="0">
-                <a:solidFill>
-                  <a:srgbClr val="777879"/>
-                </a:solidFill>
-                <a:latin typeface="AdobeClean-LightIt"/>
-                <a:cs typeface="AdobeClean-LightIt"/>
-              </a:rPr>
-              <a:t>Customer </a:t>
-            </a:r>
-            <a:r>
-              <a:rPr sz="1100" i="1" spc="-20" dirty="0">
-                <a:solidFill>
-                  <a:srgbClr val="777879"/>
-                </a:solidFill>
-                <a:latin typeface="AdobeClean-LightIt"/>
-                <a:cs typeface="AdobeClean-LightIt"/>
-              </a:rPr>
-              <a:t>Success</a:t>
-            </a:r>
-            <a:r>
-              <a:rPr sz="1100" i="1" spc="-180" dirty="0">
-                <a:solidFill>
-                  <a:srgbClr val="777879"/>
-                </a:solidFill>
-                <a:latin typeface="AdobeClean-LightIt"/>
-                <a:cs typeface="AdobeClean-LightIt"/>
-              </a:rPr>
-              <a:t> </a:t>
-            </a:r>
-            <a:r>
-              <a:rPr sz="1100" i="1" spc="-15" dirty="0">
-                <a:solidFill>
-                  <a:srgbClr val="777879"/>
-                </a:solidFill>
-                <a:latin typeface="AdobeClean-LightIt"/>
-                <a:cs typeface="AdobeClean-LightIt"/>
-              </a:rPr>
-              <a:t>Manager</a:t>
-            </a:r>
-            <a:r>
-              <a:rPr lang="en-US" sz="1100" i="1" spc="-15" dirty="0">
-                <a:solidFill>
-                  <a:srgbClr val="777879"/>
-                </a:solidFill>
-                <a:latin typeface="AdobeClean-LightIt"/>
-                <a:cs typeface="AdobeClean-LightIt"/>
-              </a:rPr>
-              <a:t> </a:t>
-            </a:r>
-            <a:r>
-              <a:rPr sz="1100" i="1" spc="-15" dirty="0">
-                <a:solidFill>
-                  <a:srgbClr val="777879"/>
-                </a:solidFill>
-                <a:latin typeface="AdobeClean-LightIt"/>
-                <a:cs typeface="AdobeClean-LightIt"/>
-              </a:rPr>
-              <a:t>(CSM)</a:t>
-            </a:r>
-            <a:r>
-              <a:rPr lang="en-US" sz="1100" i="1" spc="-15" dirty="0">
-                <a:solidFill>
-                  <a:srgbClr val="777879"/>
-                </a:solidFill>
-                <a:latin typeface="AdobeClean-LightIt"/>
-                <a:cs typeface="AdobeClean-LightIt"/>
-              </a:rPr>
-              <a:t>.</a:t>
+              <a:t>經理 (CSM)。</a:t>
             </a:r>
             <a:endParaRPr sz="1100" dirty="0">
               <a:latin typeface="AdobeClean-LightIt"/>
@@ -12892,54 +12598,34 @@
               </a:spcBef>
             </a:pPr>
             <a:r>
-              <a:rPr sz="800" spc="-5" dirty="0">
+              <a:rPr lang="ja-jp" sz="800" spc="-5" dirty="0">
                 <a:solidFill>
                   <a:srgbClr val="6D6D6D"/>
                 </a:solidFill>
                 <a:latin typeface="Adobe Clean"/>
                 <a:cs typeface="Adobe Clean"/>
               </a:rPr>
-              <a:t>©202</a:t>
-            </a:r>
-            <a:r>
-              <a:rPr lang="en-US" sz="800" spc="-5" dirty="0">
+              <a:t>©2022 Adobe。All rights reserved.Adobe</a:t>
+            </a:r>
+            <a:r>
+              <a:rPr lang="ja-jp" sz="800" spc="75" dirty="0">
                 <a:solidFill>
                   <a:srgbClr val="6D6D6D"/>
                 </a:solidFill>
                 <a:latin typeface="Adobe Clean"/>
                 <a:cs typeface="Adobe Clean"/>
               </a:rPr>
-              <a:t>2</a:t>
-            </a:r>
-            <a:r>
-              <a:rPr sz="800" spc="-5" dirty="0">
+              <a:t> </a:t>
+            </a:r>
+            <a:r>
+              <a:rPr lang="ja-jp" sz="800" spc="-5" dirty="0">
                 <a:solidFill>
                   <a:srgbClr val="6D6D6D"/>
                 </a:solidFill>
                 <a:latin typeface="Adobe Clean"/>
                 <a:cs typeface="Adobe Clean"/>
               </a:rPr>
-              <a:t> Adobe. All Rights Reserved. Adobe</a:t>
-            </a:r>
-            <a:r>
-              <a:rPr sz="800" spc="75" dirty="0">
-                <a:solidFill>
-                  <a:srgbClr val="6D6D6D"/>
-                </a:solidFill>
-                <a:latin typeface="Adobe Clean"/>
-                <a:cs typeface="Adobe Clean"/>
-              </a:rPr>
-              <a:t> </a:t>
-            </a:r>
-            <a:r>
-              <a:rPr sz="800" spc="-5" dirty="0">
-                <a:solidFill>
-                  <a:srgbClr val="6D6D6D"/>
-                </a:solidFill>
-                <a:latin typeface="Adobe Clean"/>
-                <a:cs typeface="Adobe Clean"/>
-              </a:rPr>
-              <a:t>Confidential.</a:t>
+              <a:t>機密資訊。</a:t>
             </a:r>
             <a:endParaRPr sz="800" dirty="0">
               <a:latin typeface="Adobe Clean"/>
@@ -12981,14 +12667,14 @@
               </a:spcBef>
             </a:pPr>
             <a:r>
-              <a:rPr lang="en-US" sz="1400" b="1" spc="-15" dirty="0">
+              <a:rPr lang="ja-jp" sz="1400" b="1" spc="-15" dirty="0">
                 <a:solidFill>
                   <a:srgbClr val="020302"/>
                 </a:solidFill>
                 <a:latin typeface="Adobe Clean"/>
                 <a:cs typeface="Adobe Clean"/>
               </a:rPr>
-              <a:t>Regional scope of Adobe Support, Local Hours Of Operation And Language Support</a:t>
+              <a:t>Adobe 支援的區域範圍、當地營業時間和語言支援</a:t>
             </a:r>
             <a:endParaRPr lang="en-US" sz="1400" spc="-15" dirty="0">
               <a:ea typeface="+mn-lt"/>
@@ -13002,13 +12688,13 @@
               </a:spcBef>
             </a:pPr>
             <a:r>
-              <a:rPr lang="en-US" sz="1000" spc="-15" dirty="0">
+              <a:rPr lang="ja-jp" sz="1000" spc="-15" dirty="0">
                 <a:solidFill>
                   <a:srgbClr val="1F1F1F"/>
                 </a:solidFill>
                 <a:latin typeface="AdobeClean-Light"/>
               </a:rPr>
-              <a:t>Adobe’s local business hours align to the customer’s billing region.</a:t>
+              <a:t>Adobe 當地營業時間與客戶帳單的區域一致。</a:t>
             </a:r>
           </a:p>
         </p:txBody>
@@ -13035,7 +12721,7 @@
         </p:nvGraphicFramePr>
         <p:xfrm>
           <a:off x="171128" y="5907213"/>
-          <a:ext cx="7391400" cy="1224280"/>
+          <a:ext cx="7391400" cy="1168400"/>
         </p:xfrm>
         <a:graphic>
           <a:graphicData uri="http://schemas.openxmlformats.org/drawingml/2006/table">
@@ -13081,16 +12767,16 @@
                     <a:p>
                       <a:pPr algn="ctr"/>
                       <a:r>
-                        <a:rPr lang="en-US" sz="1100" dirty="0">
+                        <a:rPr lang="ja-jp" sz="1100" dirty="0">
                           <a:solidFill>
                             <a:schemeClr val="tx1"/>
                           </a:solidFill>
                           <a:latin typeface="Adobe Clean" panose="020B0503020404020204" pitchFamily="34" charset="0"/>
                         </a:rPr>
-                        <a:t>Americas </a:t>
+                        <a:t>美洲 </a:t>
                       </a:r>
                       <a:r>
-                        <a:rPr lang="en-US" sz="1100" baseline="30000" dirty="0">
+                        <a:rPr lang="ja-jp" sz="1100" baseline="30000" dirty="0">
                           <a:solidFill>
                             <a:schemeClr val="tx1"/>
                           </a:solidFill>
@@ -13155,13 +12841,13 @@
                     <a:p>
                       <a:pPr algn="ctr"/>
                       <a:r>
-                        <a:rPr lang="en-US" sz="1100" dirty="0">
+                        <a:rPr lang="ja-jp" sz="1100" dirty="0">
                           <a:solidFill>
                             <a:schemeClr val="tx1"/>
                           </a:solidFill>
                           <a:latin typeface="Adobe Clean" panose="020B0503020404020204" pitchFamily="34" charset="0"/>
                         </a:rPr>
-                        <a:t>Europe, Middle East &amp; Africa</a:t>
+                        <a:t>歐洲、中東與非洲</a:t>
                       </a:r>
                     </a:p>
                   </a:txBody>
@@ -13220,13 +12906,13 @@
                     <a:p>
                       <a:pPr algn="ctr"/>
                       <a:r>
-                        <a:rPr lang="en-US" sz="1100" dirty="0">
+                        <a:rPr lang="ja-jp" sz="1100" dirty="0">
                           <a:solidFill>
                             <a:schemeClr val="tx1"/>
                           </a:solidFill>
                           <a:latin typeface="Adobe Clean" panose="020B0503020404020204" pitchFamily="34" charset="0"/>
                         </a:rPr>
-                        <a:t>Asia Pacific</a:t>
+                        <a:t>亞太地區</a:t>
                       </a:r>
                     </a:p>
                   </a:txBody>
@@ -13285,13 +12971,13 @@
                     <a:p>
                       <a:pPr algn="ctr"/>
                       <a:r>
-                        <a:rPr lang="en-US" sz="1100" dirty="0">
+                        <a:rPr lang="ja-jp" sz="1100" dirty="0">
                           <a:solidFill>
                             <a:schemeClr val="tx1"/>
                           </a:solidFill>
                           <a:latin typeface="Adobe Clean" panose="020B0503020404020204" pitchFamily="34" charset="0"/>
                         </a:rPr>
-                        <a:t>Japan </a:t>
+                        <a:t>日本</a:t>
                       </a:r>
                     </a:p>
                   </a:txBody>
@@ -13357,7 +13043,7 @@
                     <a:p>
                       <a:pPr algn="ctr"/>
                       <a:r>
-                        <a:rPr lang="en-US" sz="1100" dirty="0">
+                        <a:rPr lang="ja-jp" sz="1100" dirty="0">
                           <a:solidFill>
                             <a:schemeClr val="tx1"/>
                           </a:solidFill>
@@ -13422,13 +13108,13 @@
                     <a:p>
                       <a:pPr algn="ctr"/>
                       <a:r>
-                        <a:rPr lang="en-US" sz="1100" dirty="0">
+                        <a:rPr lang="ja-jp" sz="1100" dirty="0">
                           <a:solidFill>
                             <a:schemeClr val="tx1"/>
                           </a:solidFill>
                           <a:latin typeface="Adobe Clean" panose="020B0503020404020204" pitchFamily="34" charset="0"/>
                         </a:rPr>
-                        <a:t>9 am – 5 pm</a:t>
+                        <a:t>上午 9 點 – 下午 5 點</a:t>
                       </a:r>
                     </a:p>
                   </a:txBody>
@@ -13487,13 +13173,13 @@
                     <a:p>
                       <a:pPr algn="ctr"/>
                       <a:r>
-                        <a:rPr lang="en-US" sz="1100" dirty="0">
+                        <a:rPr lang="ja-jp" sz="1100" dirty="0">
                           <a:solidFill>
                             <a:schemeClr val="tx1"/>
                           </a:solidFill>
                           <a:latin typeface="Adobe Clean" panose="020B0503020404020204" pitchFamily="34" charset="0"/>
                         </a:rPr>
-                        <a:t>9 am – 5 pm</a:t>
+                        <a:t>上午 9 點 – 下午 5 點</a:t>
                       </a:r>
                     </a:p>
                   </a:txBody>
@@ -13552,13 +13238,13 @@
                     <a:p>
                       <a:pPr algn="ctr"/>
                       <a:r>
-                        <a:rPr lang="en-US" sz="1100" dirty="0">
+                        <a:rPr lang="ja-jp" sz="1100" dirty="0">
                           <a:solidFill>
                             <a:schemeClr val="tx1"/>
                           </a:solidFill>
                           <a:latin typeface="Adobe Clean" panose="020B0503020404020204" pitchFamily="34" charset="0"/>
                         </a:rPr>
-                        <a:t>9 am – 5:30 pm</a:t>
+                        <a:t>上午 9 點 – 下午 5:30</a:t>
                       </a:r>
                     </a:p>
                   </a:txBody>
@@ -13665,7 +13351,7 @@
                         <a:defRPr/>
                       </a:pPr>
                       <a:r>
-                        <a:rPr lang="en-US" sz="1100" baseline="30000" dirty="0">
+                        <a:rPr lang="ja-jp" sz="1100" baseline="30000" dirty="0">
                           <a:solidFill>
                             <a:schemeClr val="tx1"/>
                           </a:solidFill>
@@ -13674,13 +13360,13 @@
                         <a:t>1</a:t>
                       </a:r>
                       <a:r>
-                        <a:rPr lang="en-US" sz="1100" dirty="0">
+                        <a:rPr lang="ja-jp" sz="1100" dirty="0">
                           <a:solidFill>
                             <a:schemeClr val="tx1"/>
                           </a:solidFill>
                           <a:latin typeface="Adobe Clean" panose="020B0503020404020204" pitchFamily="34" charset="0"/>
                         </a:rPr>
-                        <a:t>Americas Language support available in English only.</a:t>
+                        <a:t>美洲語言支援僅提供英文。</a:t>
                       </a:r>
                     </a:p>
                   </a:txBody>
@@ -14045,124 +13731,34 @@
               </a:spcBef>
             </a:pPr>
             <a:r>
-              <a:rPr sz="1200" b="1" spc="-15">
+              <a:rPr lang="ja-jp" sz="1200" b="1" spc="-15">
                 <a:solidFill>
                   <a:srgbClr val="FFFFFF"/>
                 </a:solidFill>
                 <a:latin typeface="Adobe Clean"/>
                 <a:cs typeface="Adobe Clean"/>
               </a:rPr>
-              <a:t>U</a:t>
-            </a:r>
-            <a:r>
-              <a:rPr sz="1200" b="1" spc="-20">
+              <a:t>無與倫比的</a:t>
+            </a:r>
+            <a:r>
+              <a:rPr lang="ja-jp" sz="1200" b="1" spc="-20">
                 <a:solidFill>
                   <a:srgbClr val="FFFFFF"/>
                 </a:solidFill>
                 <a:latin typeface="Adobe Clean"/>
                 <a:cs typeface="Adobe Clean"/>
               </a:rPr>
-              <a:t>n</a:t>
-            </a:r>
-            <a:r>
-              <a:rPr sz="1200" b="1" spc="-25">
+              <a:t>專業知識</a:t>
+            </a:r>
+            <a:r>
+              <a:rPr lang="ja-jp" sz="1200" b="1">
                 <a:solidFill>
                   <a:srgbClr val="FFFFFF"/>
                 </a:solidFill>
                 <a:latin typeface="Adobe Clean"/>
                 <a:cs typeface="Adobe Clean"/>
               </a:rPr>
-              <a:t>p</a:t>
-            </a:r>
-            <a:r>
-              <a:rPr sz="1200" b="1" spc="-15">
-                <a:solidFill>
-                  <a:srgbClr val="FFFFFF"/>
-                </a:solidFill>
-                <a:latin typeface="Adobe Clean"/>
-                <a:cs typeface="Adobe Clean"/>
-              </a:rPr>
-              <a:t>a</a:t>
-            </a:r>
-            <a:r>
-              <a:rPr sz="1200" b="1" spc="-25">
-                <a:solidFill>
-                  <a:srgbClr val="FFFFFF"/>
-                </a:solidFill>
-                <a:latin typeface="Adobe Clean"/>
-                <a:cs typeface="Adobe Clean"/>
-              </a:rPr>
-              <a:t>r</a:t>
-            </a:r>
-            <a:r>
-              <a:rPr sz="1200" b="1" spc="-15">
-                <a:solidFill>
-                  <a:srgbClr val="FFFFFF"/>
-                </a:solidFill>
-                <a:latin typeface="Adobe Clean"/>
-                <a:cs typeface="Adobe Clean"/>
-              </a:rPr>
-              <a:t>a</a:t>
-            </a:r>
-            <a:r>
-              <a:rPr sz="1200" b="1" spc="-30">
-                <a:solidFill>
-                  <a:srgbClr val="FFFFFF"/>
-                </a:solidFill>
-                <a:latin typeface="Adobe Clean"/>
-                <a:cs typeface="Adobe Clean"/>
-              </a:rPr>
-              <a:t>ll</a:t>
-            </a:r>
-            <a:r>
-              <a:rPr sz="1200" b="1" spc="-25">
-                <a:solidFill>
-                  <a:srgbClr val="FFFFFF"/>
-                </a:solidFill>
-                <a:latin typeface="Adobe Clean"/>
-                <a:cs typeface="Adobe Clean"/>
-              </a:rPr>
-              <a:t>e</a:t>
-            </a:r>
-            <a:r>
-              <a:rPr sz="1200" b="1" spc="-30">
-                <a:solidFill>
-                  <a:srgbClr val="FFFFFF"/>
-                </a:solidFill>
-                <a:latin typeface="Adobe Clean"/>
-                <a:cs typeface="Adobe Clean"/>
-              </a:rPr>
-              <a:t>l</a:t>
-            </a:r>
-            <a:r>
-              <a:rPr sz="1200" b="1" spc="-25">
-                <a:solidFill>
-                  <a:srgbClr val="FFFFFF"/>
-                </a:solidFill>
-                <a:latin typeface="Adobe Clean"/>
-                <a:cs typeface="Adobe Clean"/>
-              </a:rPr>
-              <a:t>e</a:t>
-            </a:r>
-            <a:r>
-              <a:rPr sz="1200" b="1">
-                <a:solidFill>
-                  <a:srgbClr val="FFFFFF"/>
-                </a:solidFill>
-                <a:latin typeface="Adobe Clean"/>
-                <a:cs typeface="Adobe Clean"/>
-              </a:rPr>
-              <a:t>d  </a:t>
-            </a:r>
-            <a:r>
-              <a:rPr sz="1200" b="1" spc="-25">
-                <a:solidFill>
-                  <a:srgbClr val="FFFFFF"/>
-                </a:solidFill>
-                <a:latin typeface="Adobe Clean"/>
-                <a:cs typeface="Adobe Clean"/>
-              </a:rPr>
-              <a:t>Expertise</a:t>
+              <a:t> </a:t>
             </a:r>
             <a:endParaRPr sz="1200">
               <a:latin typeface="Adobe Clean"/>
@@ -14207,14 +13803,14 @@
               </a:spcBef>
             </a:pPr>
             <a:r>
-              <a:rPr lang="en-US" sz="1200" b="1" spc="-15">
+              <a:rPr lang="ja-jp" sz="1200" b="1" spc="-15">
                 <a:solidFill>
                   <a:srgbClr val="FFFFFF"/>
                 </a:solidFill>
                 <a:latin typeface="Adobe Clean"/>
                 <a:cs typeface="Adobe Clean"/>
               </a:rPr>
-              <a:t>Accelerated Support</a:t>
+              <a:t>加速支援</a:t>
             </a:r>
             <a:endParaRPr sz="1200">
               <a:latin typeface="Adobe Clean"/>
@@ -14259,104 +13855,44 @@
               </a:spcBef>
             </a:pPr>
             <a:r>
-              <a:rPr sz="1200" b="1" spc="-50">
+              <a:rPr lang="ja-jp" sz="1200" b="1" spc="-50">
                 <a:solidFill>
                   <a:srgbClr val="FFFFFF"/>
                 </a:solidFill>
                 <a:latin typeface="Adobe Clean"/>
                 <a:cs typeface="Adobe Clean"/>
               </a:rPr>
-              <a:t>S</a:t>
-            </a:r>
-            <a:r>
-              <a:rPr sz="1200" b="1" spc="-20">
+              <a:t>策</a:t>
+            </a:r>
+            <a:r>
+              <a:rPr lang="ja-jp" sz="1200" b="1" spc="-20">
                 <a:solidFill>
                   <a:srgbClr val="FFFFFF"/>
                 </a:solidFill>
                 <a:latin typeface="Adobe Clean"/>
                 <a:cs typeface="Adobe Clean"/>
               </a:rPr>
-              <a:t>t</a:t>
-            </a:r>
-            <a:r>
-              <a:rPr sz="1200" b="1" spc="-75">
+              <a:t>略</a:t>
+            </a:r>
+            <a:r>
+              <a:rPr lang="ja-jp" sz="1200" b="1" spc="-75">
                 <a:solidFill>
                   <a:srgbClr val="FFFFFF"/>
                 </a:solidFill>
                 <a:latin typeface="Adobe Clean"/>
                 <a:cs typeface="Adobe Clean"/>
               </a:rPr>
-              <a:t>r</a:t>
-            </a:r>
-            <a:r>
-              <a:rPr sz="1200" b="1" spc="-90">
+              <a:t>性</a:t>
+            </a:r>
+            <a:r>
+              <a:rPr lang="ja-jp" sz="1200" b="1" spc="-45">
                 <a:solidFill>
                   <a:srgbClr val="FFFFFF"/>
                 </a:solidFill>
                 <a:latin typeface="Adobe Clean"/>
                 <a:cs typeface="Adobe Clean"/>
               </a:rPr>
-              <a:t>a</a:t>
-            </a:r>
-            <a:r>
-              <a:rPr sz="1200" b="1" spc="-55">
-                <a:solidFill>
-                  <a:srgbClr val="FFFFFF"/>
-                </a:solidFill>
-                <a:latin typeface="Adobe Clean"/>
-                <a:cs typeface="Adobe Clean"/>
-              </a:rPr>
-              <a:t>t</a:t>
-            </a:r>
-            <a:r>
-              <a:rPr sz="1200" b="1" spc="-100">
-                <a:solidFill>
-                  <a:srgbClr val="FFFFFF"/>
-                </a:solidFill>
-                <a:latin typeface="Adobe Clean"/>
-                <a:cs typeface="Adobe Clean"/>
-              </a:rPr>
-              <a:t>e</a:t>
-            </a:r>
-            <a:r>
-              <a:rPr sz="1200" b="1" spc="-80">
-                <a:solidFill>
-                  <a:srgbClr val="FFFFFF"/>
-                </a:solidFill>
-                <a:latin typeface="Adobe Clean"/>
-                <a:cs typeface="Adobe Clean"/>
-              </a:rPr>
-              <a:t>g</a:t>
-            </a:r>
-            <a:r>
-              <a:rPr sz="1200" b="1" spc="-35">
-                <a:solidFill>
-                  <a:srgbClr val="FFFFFF"/>
-                </a:solidFill>
-                <a:latin typeface="Adobe Clean"/>
-                <a:cs typeface="Adobe Clean"/>
-              </a:rPr>
-              <a:t>i</a:t>
-            </a:r>
-            <a:r>
-              <a:rPr sz="1200" b="1">
-                <a:solidFill>
-                  <a:srgbClr val="FFFFFF"/>
-                </a:solidFill>
-                <a:latin typeface="Adobe Clean"/>
-                <a:cs typeface="Adobe Clean"/>
-              </a:rPr>
-              <a:t>c  </a:t>
-            </a:r>
-            <a:r>
-              <a:rPr sz="1200" b="1" spc="-45">
-                <a:solidFill>
-                  <a:srgbClr val="FFFFFF"/>
-                </a:solidFill>
-                <a:latin typeface="Adobe Clean"/>
-                <a:cs typeface="Adobe Clean"/>
-              </a:rPr>
-              <a:t>Advice</a:t>
+              <a:t>建議</a:t>
             </a:r>
             <a:endParaRPr sz="1200">
               <a:latin typeface="Adobe Clean"/>
@@ -14380,14 +13916,14 @@
           <p:nvPr>
             <p:extLst>
               <p:ext uri="{D42A27DB-BD31-4B8C-83A1-F6EECF244321}">
-                <p14:modId xmlns:p14="http://schemas.microsoft.com/office/powerpoint/2010/main" val="1302639971"/>
+                <p14:modId xmlns:p14="http://schemas.microsoft.com/office/powerpoint/2010/main" val="1615057468"/>
               </p:ext>
             </p:extLst>
           </p:nvPr>
         </p:nvGraphicFramePr>
         <p:xfrm>
           <a:off x="194237" y="1272353"/>
-          <a:ext cx="7368291" cy="2473960"/>
+          <a:ext cx="7368291" cy="1991360"/>
         </p:xfrm>
         <a:graphic>
           <a:graphicData uri="http://schemas.openxmlformats.org/drawingml/2006/table">
@@ -14421,7 +13957,7 @@
                         <a:buNone/>
                       </a:pPr>
                       <a:r>
-                        <a:rPr lang="en-US" sz="1200" b="0" strike="noStrike" dirty="0">
+                        <a:rPr lang="ja-jp" sz="1200" b="0" strike="noStrike" dirty="0">
                           <a:solidFill>
                             <a:srgbClr val="5F5F5F"/>
                           </a:solidFill>
@@ -14430,9 +13966,9 @@
                           <a:cs typeface="+mn-cs"/>
                           <a:hlinkClick r:id="rId8"/>
                         </a:rPr>
-                        <a:t>Enterprise Learn &amp; Support</a:t>
+                        <a:t>企業學習與支援</a:t>
                       </a:r>
-                      <a:endParaRPr lang="en-US"/>
+                      <a:endParaRPr lang="en-US" dirty="0"/>
                     </a:p>
                   </a:txBody>
                   <a:tcPr marL="47625" marR="47625" marT="0" marB="0" anchor="ctr">
@@ -14504,7 +14040,7 @@
                         <a:buNone/>
                       </a:pPr>
                       <a:r>
-                        <a:rPr lang="en-US" sz="1000" b="0" strike="noStrike" kern="1200" dirty="0">
+                        <a:rPr lang="ja-jp" sz="1000" b="0" strike="noStrike" kern="1200" dirty="0">
                           <a:solidFill>
                             <a:schemeClr val="tx1"/>
                           </a:solidFill>
@@ -14512,7 +14048,7 @@
                           <a:ea typeface="+mn-ea"/>
                           <a:cs typeface="+mn-cs"/>
                         </a:rPr>
-                        <a:t>Enterprise Learn &amp; Support is a place where Adobe customers can find self-help tutorials, product documentation, instructor-led training, community and support for select Adobe Creative Cloud and Document products.</a:t>
+                        <a:t>企業學習與支援是可供 Adobe 客戶找到自助式教學課程、產品文件、由講師授課的培訓課程、社群以及精選 Adobe Creative Cloud 和 Document 產品的支援的地方。</a:t>
                       </a:r>
                     </a:p>
                   </a:txBody>
@@ -14594,7 +14130,7 @@
                         <a:defRPr/>
                       </a:pPr>
                       <a:r>
-                        <a:rPr lang="en-US" sz="1200" strike="noStrike" dirty="0">
+                        <a:rPr lang="ja-jp" sz="1200" strike="noStrike" dirty="0">
                           <a:solidFill>
                             <a:srgbClr val="5F5F5F"/>
                           </a:solidFill>
@@ -14610,7 +14146,7 @@
                             </a:extLst>
                           </a:hlinkClick>
                         </a:rPr>
-                        <a:t>Adobe Support Community </a:t>
+                        <a:t>Adobe 支援社群</a:t>
                       </a:r>
                       <a:endParaRPr lang="en-US" sz="1200" strike="noStrike" dirty="0">
                         <a:solidFill>
@@ -14694,7 +14230,7 @@
                         <a:defRPr/>
                       </a:pPr>
                       <a:r>
-                        <a:rPr lang="en-US" sz="1000" strike="noStrike" kern="1200" dirty="0">
+                        <a:rPr lang="ja-jp" sz="1000" strike="noStrike" kern="1200" spc="-30" baseline="0" dirty="0">
                           <a:solidFill>
                             <a:schemeClr val="tx1"/>
                           </a:solidFill>
@@ -14702,9 +14238,9 @@
                           <a:ea typeface="+mn-ea"/>
                           <a:cs typeface="+mn-cs"/>
                         </a:rPr>
-                        <a:t>The Adobe Support Community is the place to ask questions, find answers, learn from experts and share your knowledge.</a:t>
+                        <a:t>Adobe 支援社群是提問、尋找答案、向專家學習和分享知識的地方。</a:t>
                       </a:r>
-                      <a:endParaRPr lang="en-US" sz="1000" strike="noStrike" kern="1200" dirty="0">
+                      <a:endParaRPr lang="en-US" sz="1000" strike="noStrike" kern="1200" spc="-30" baseline="0" dirty="0">
                         <a:solidFill>
                           <a:schemeClr val="tx1"/>
                         </a:solidFill>
@@ -14795,7 +14331,7 @@
                         <a:defRPr/>
                       </a:pPr>
                       <a:r>
-                        <a:rPr lang="en-US" sz="1200" dirty="0">
+                        <a:rPr lang="ja-jp" sz="1200" dirty="0">
                           <a:solidFill>
                             <a:srgbClr val="5F5F5F"/>
                           </a:solidFill>
@@ -14811,7 +14347,7 @@
                             </a:extLst>
                           </a:hlinkClick>
                         </a:rPr>
-                        <a:t>Production Issues &amp; System Outages</a:t>
+                        <a:t>生產問題與系統中斷</a:t>
                       </a:r>
                       <a:endParaRPr lang="en-US" sz="1200" dirty="0">
                         <a:solidFill>
@@ -14895,7 +14431,7 @@
                         <a:defRPr/>
                       </a:pPr>
                       <a:r>
-                        <a:rPr lang="en-US" sz="1000" kern="1200" dirty="0">
+                        <a:rPr lang="ja-jp" sz="1000" kern="1200" dirty="0">
                           <a:solidFill>
                             <a:schemeClr val="tx1"/>
                           </a:solidFill>
@@ -14903,7 +14439,51 @@
                           <a:ea typeface="+mn-ea"/>
                           <a:cs typeface="+mn-cs"/>
                         </a:rPr>
-                        <a:t>Status.adobe.com conveys the health information of all Adobe products and services that are deployed in multi-tenant environments. Customers can choose their subscription preferences to get email notifications whenever Adobe creates, updates or resolves a product event. This can include scheduled maintenance or service issues of varying levels of severity. </a:t>
+                        <a:t>Status.adobe.com 會傳達所有在多租用戶環境中部署的 Adobe 產品與服務的健康資訊。客戶可以選擇其訂閱偏好</a:t>
+                      </a:r>
+                      <a:r>
+                        <a:rPr lang="ja-jp" sz="1000" kern="1200">
+                          <a:solidFill>
+                            <a:schemeClr val="tx1"/>
+                          </a:solidFill>
+                          <a:latin typeface="Adobe Clean Light" panose="020B0303020404020204" pitchFamily="34" charset="0"/>
+                          <a:ea typeface="+mn-ea"/>
+                          <a:cs typeface="+mn-cs"/>
+                        </a:rPr>
+                        <a:t>設定</a:t>
+                      </a:r>
+                      <a:r>
+                        <a:rPr lang="ja-JP" altLang="en-US" sz="1000" kern="1200">
+                          <a:solidFill>
+                            <a:schemeClr val="tx1"/>
+                          </a:solidFill>
+                          <a:latin typeface="Adobe Clean Light" panose="020B0303020404020204" pitchFamily="34" charset="0"/>
+                          <a:ea typeface="+mn-ea"/>
+                          <a:cs typeface="+mn-cs"/>
+                        </a:rPr>
+                        <a:t>、</a:t>
+                      </a:r>
+                      <a:r>
+                        <a:rPr lang="ja-jp" sz="1000" kern="1200">
+                          <a:solidFill>
+                            <a:schemeClr val="tx1"/>
+                          </a:solidFill>
+                          <a:latin typeface="Adobe Clean Light" panose="020B0303020404020204" pitchFamily="34" charset="0"/>
+                          <a:ea typeface="+mn-ea"/>
+                          <a:cs typeface="+mn-cs"/>
+                        </a:rPr>
+                        <a:t>以</a:t>
+                      </a:r>
+                      <a:r>
+                        <a:rPr lang="ja-jp" sz="1000" kern="1200" dirty="0">
+                          <a:solidFill>
+                            <a:schemeClr val="tx1"/>
+                          </a:solidFill>
+                          <a:latin typeface="Adobe Clean Light" panose="020B0303020404020204" pitchFamily="34" charset="0"/>
+                          <a:ea typeface="+mn-ea"/>
+                          <a:cs typeface="+mn-cs"/>
+                        </a:rPr>
+                        <a:t>便在 Adobe 建立、更新或解決產品事件時收到電子郵件通知。這可以包括預定的維護或是不同嚴重性等級的服務問題。</a:t>
                       </a:r>
                     </a:p>
                   </a:txBody>
@@ -14985,7 +14565,7 @@
                         <a:defRPr/>
                       </a:pPr>
                       <a:r>
-                        <a:rPr lang="en-US" sz="1200" dirty="0">
+                        <a:rPr lang="ja-jp" sz="1200" dirty="0">
                           <a:solidFill>
                             <a:srgbClr val="5F5F5F"/>
                           </a:solidFill>
@@ -15001,7 +14581,7 @@
                             </a:extLst>
                           </a:hlinkClick>
                         </a:rPr>
-                        <a:t>Terms and Conditions</a:t>
+                        <a:t>條款與條件</a:t>
                       </a:r>
                       <a:endParaRPr lang="en-US" sz="1200" dirty="0">
                         <a:solidFill>
@@ -15068,7 +14648,7 @@
                     <a:lstStyle/>
                     <a:p>
                       <a:r>
-                        <a:rPr lang="en-US" sz="1000" kern="1200" dirty="0">
+                        <a:rPr lang="ja-jp" sz="1000" kern="1200" dirty="0">
                           <a:solidFill>
                             <a:schemeClr val="tx1"/>
                           </a:solidFill>
@@ -15076,7 +14656,7 @@
                           <a:ea typeface="+mn-ea"/>
                           <a:cs typeface="+mn-cs"/>
                         </a:rPr>
-                        <a:t>Terms and conditions detailing Support Services offerings.</a:t>
+                        <a:t>詳述支援服務方案的條款與條件。</a:t>
                       </a:r>
                     </a:p>
                   </a:txBody>
@@ -15140,7 +14720,7 @@
       </p:graphicFrame>
       <p:pic>
         <p:nvPicPr>
-          <p:cNvPr id="8" name="Graphic 7" descr="Target outline">
+          <p:cNvPr id="8" name="Graphic 7" descr="目標大綱">
             <a:extLst>
               <a:ext uri="{FF2B5EF4-FFF2-40B4-BE49-F238E27FC236}">
                 <a16:creationId xmlns:a16="http://schemas.microsoft.com/office/drawing/2014/main" id="{1EAA263E-04A7-0D46-952E-EA3033B45116}"/>
@@ -15179,7 +14759,7 @@
       </p:pic>
       <p:pic>
         <p:nvPicPr>
-          <p:cNvPr id="10" name="Graphic 9" descr="Rocket outline">
+          <p:cNvPr id="10" name="Graphic 9" descr="火箭大綱">
             <a:extLst>
               <a:ext uri="{FF2B5EF4-FFF2-40B4-BE49-F238E27FC236}">
                 <a16:creationId xmlns:a16="http://schemas.microsoft.com/office/drawing/2014/main" id="{A068EBC3-B418-4E4A-A520-101CA4B39F23}"/>
@@ -15218,7 +14798,7 @@
       </p:pic>
       <p:pic>
         <p:nvPicPr>
-          <p:cNvPr id="12" name="Graphic 11" descr="Medal outline">
+          <p:cNvPr id="12" name="Graphic 11" descr="獎章概述">
             <a:extLst>
               <a:ext uri="{FF2B5EF4-FFF2-40B4-BE49-F238E27FC236}">
                 <a16:creationId xmlns:a16="http://schemas.microsoft.com/office/drawing/2014/main" id="{C7BEFC2D-0CA6-0448-B9FA-6E1581CA6D36}"/>
@@ -15900,21 +15480,12 @@
 </file>
 
 <file path=customXml/item1.xml><?xml version="1.0" encoding="utf-8"?>
-<?mso-contentType ?>
-<FormTemplates xmlns="http://schemas.microsoft.com/sharepoint/v3/contenttype/forms">
-  <Display>DocumentLibraryForm</Display>
-  <Edit>DocumentLibraryForm</Edit>
-  <New>DocumentLibraryForm</New>
-</FormTemplates>
-</file>
-
-<file path=customXml/item2.xml><?xml version="1.0" encoding="utf-8"?>
 <p:properties xmlns:p="http://schemas.microsoft.com/office/2006/metadata/properties" xmlns:xsi="http://www.w3.org/2001/XMLSchema-instance" xmlns:pc="http://schemas.microsoft.com/office/infopath/2007/PartnerControls">
   <documentManagement/>
 </p:properties>
 </file>
 
-<file path=customXml/item3.xml><?xml version="1.0" encoding="utf-8"?>
+<file path=customXml/item2.xml><?xml version="1.0" encoding="utf-8"?>
 <ct:contentTypeSchema xmlns:ct="http://schemas.microsoft.com/office/2006/metadata/contentType" xmlns:ma="http://schemas.microsoft.com/office/2006/metadata/properties/metaAttributes" ct:_="" ma:_="" ma:contentTypeName="Document" ma:contentTypeID="0x0101009423269C2B3A1A408FE719AA0C68584E" ma:contentTypeVersion="12" ma:contentTypeDescription="Create a new document." ma:contentTypeScope="" ma:versionID="bb0e62b6784238cdabe687d3bb80e52e">
   <xsd:schema xmlns:xsd="http://www.w3.org/2001/XMLSchema" xmlns:xs="http://www.w3.org/2001/XMLSchema" xmlns:p="http://schemas.microsoft.com/office/2006/metadata/properties" xmlns:ns2="01e63850-2818-4a9f-a0cd-2d4201ad5cd5" xmlns:ns3="281057cd-4f7e-4aa3-94a7-05201549cd15" targetNamespace="http://schemas.microsoft.com/office/2006/metadata/properties" ma:root="true" ma:fieldsID="8056aed6c30138b1a2c5f47f967a193a" ns2:_="" ns3:_="">
     <xsd:import namespace="01e63850-2818-4a9f-a0cd-2d4201ad5cd5"/>
@@ -16131,15 +15702,16 @@
 </ct:contentTypeSchema>
 </file>
 
-<file path=customXml/itemProps1.xml><?xml version="1.0" encoding="utf-8"?>
-<ds:datastoreItem xmlns:ds="http://schemas.openxmlformats.org/officeDocument/2006/customXml" ds:itemID="{941989CE-20BB-4A6A-A33F-71A1AE469C3E}">
-  <ds:schemaRefs>
-    <ds:schemaRef ds:uri="http://schemas.microsoft.com/sharepoint/v3/contenttype/forms"/>
-  </ds:schemaRefs>
-</ds:datastoreItem>
+<file path=customXml/item3.xml><?xml version="1.0" encoding="utf-8"?>
+<?mso-contentType ?>
+<FormTemplates xmlns="http://schemas.microsoft.com/sharepoint/v3/contenttype/forms">
+  <Display>DocumentLibraryForm</Display>
+  <Edit>DocumentLibraryForm</Edit>
+  <New>DocumentLibraryForm</New>
+</FormTemplates>
 </file>
 
-<file path=customXml/itemProps2.xml><?xml version="1.0" encoding="utf-8"?>
+<file path=customXml/itemProps1.xml><?xml version="1.0" encoding="utf-8"?>
 <ds:datastoreItem xmlns:ds="http://schemas.openxmlformats.org/officeDocument/2006/customXml" ds:itemID="{ED4099BE-EDEC-4FF1-8378-446617236015}">
   <ds:schemaRefs>
     <ds:schemaRef ds:uri="http://schemas.openxmlformats.org/package/2006/metadata/core-properties"/>
@@ -16156,7 +15728,7 @@
 </ds:datastoreItem>
 </file>
 
-<file path=customXml/itemProps3.xml><?xml version="1.0" encoding="utf-8"?>
+<file path=customXml/itemProps2.xml><?xml version="1.0" encoding="utf-8"?>
 <ds:datastoreItem xmlns:ds="http://schemas.openxmlformats.org/officeDocument/2006/customXml" ds:itemID="{C688342C-4DFE-4E47-A40D-C772A567C924}">
   <ds:schemaRefs>
     <ds:schemaRef ds:uri="http://schemas.microsoft.com/office/2006/metadata/contentType"/>
@@ -16173,4 +15745,12 @@
     <ds:schemaRef ds:uri="http://schemas.microsoft.com/internal/obd"/>
   </ds:schemaRefs>
 </ds:datastoreItem>
+</file>
+
+<file path=customXml/itemProps3.xml><?xml version="1.0" encoding="utf-8"?>
+<ds:datastoreItem xmlns:ds="http://schemas.openxmlformats.org/officeDocument/2006/customXml" ds:itemID="{941989CE-20BB-4A6A-A33F-71A1AE469C3E}">
+  <ds:schemaRefs>
+    <ds:schemaRef ds:uri="http://schemas.microsoft.com/sharepoint/v3/contenttype/forms"/>
+  </ds:schemaRefs>
+</ds:datastoreItem>
 </file>